--- a/Bachelor/Präsentation Bachelor.pptx
+++ b/Bachelor/Präsentation Bachelor.pptx
@@ -2,7 +2,7 @@
 <file path=ppt/presentation.xml><?xml version="1.0" encoding="utf-8"?>
 <p:presentation xmlns:a="http://schemas.openxmlformats.org/drawingml/2006/main" xmlns:r="http://schemas.openxmlformats.org/officeDocument/2006/relationships" xmlns:p="http://schemas.openxmlformats.org/presentationml/2006/main" saveSubsetFonts="1">
   <p:sldMasterIdLst>
-    <p:sldMasterId id="2147483660" r:id="rId1"/>
+    <p:sldMasterId id="2147483672" r:id="rId1"/>
   </p:sldMasterIdLst>
   <p:notesMasterIdLst>
     <p:notesMasterId r:id="rId13"/>
@@ -202,7 +202,7 @@
           <a:p>
             <a:fld id="{D13AFE29-CA10-4DFC-BB72-78DA4D25FD73}" type="datetimeFigureOut">
               <a:rPr lang="de-DE" smtClean="0"/>
-              <a:t>01.08.2017</a:t>
+              <a:t>16.08.2017</a:t>
             </a:fld>
             <a:endParaRPr lang="de-DE"/>
           </a:p>
@@ -891,7 +891,7 @@
 </file>
 
 <file path=ppt/slideLayouts/slideLayout1.xml><?xml version="1.0" encoding="utf-8"?>
-<p:sldLayout xmlns:a="http://schemas.openxmlformats.org/drawingml/2006/main" xmlns:r="http://schemas.openxmlformats.org/officeDocument/2006/relationships" xmlns:p="http://schemas.openxmlformats.org/presentationml/2006/main" type="title" preserve="1">
+<p:sldLayout xmlns:a="http://schemas.openxmlformats.org/drawingml/2006/main" xmlns:r="http://schemas.openxmlformats.org/officeDocument/2006/relationships" xmlns:p="http://schemas.openxmlformats.org/presentationml/2006/main" showMasterSp="0" type="title" preserve="1">
   <p:cSld name="Titelfolie">
     <p:spTree>
       <p:nvGrpSpPr>
@@ -909,40 +909,132 @@
       </p:grpSpPr>
       <p:sp>
         <p:nvSpPr>
-          <p:cNvPr id="14" name="Titel 13"/>
-          <p:cNvSpPr>
-            <a:spLocks noGrp="1"/>
-          </p:cNvSpPr>
-          <p:nvPr>
-            <p:ph type="ctrTitle"/>
-          </p:nvPr>
+          <p:cNvPr id="10" name="Rechtwinkliges Dreieck 9"/>
+          <p:cNvSpPr/>
+          <p:nvPr/>
         </p:nvSpPr>
         <p:spPr>
           <a:xfrm>
-            <a:off x="1432560" y="359898"/>
-            <a:ext cx="7406640" cy="1472184"/>
+            <a:off x="-2" y="4664147"/>
+            <a:ext cx="9151089" cy="0"/>
+          </a:xfrm>
+          <a:prstGeom prst="rtTriangle">
+            <a:avLst/>
+          </a:prstGeom>
+          <a:gradFill flip="none" rotWithShape="1">
+            <a:gsLst>
+              <a:gs pos="0">
+                <a:schemeClr val="accent1">
+                  <a:shade val="35000"/>
+                  <a:satMod val="170000"/>
+                  <a:alpha val="100000"/>
+                </a:schemeClr>
+              </a:gs>
+              <a:gs pos="55000">
+                <a:schemeClr val="accent1">
+                  <a:tint val="90000"/>
+                  <a:satMod val="150000"/>
+                  <a:alpha val="100000"/>
+                </a:schemeClr>
+              </a:gs>
+              <a:gs pos="100000">
+                <a:schemeClr val="accent1">
+                  <a:shade val="35000"/>
+                  <a:satMod val="170000"/>
+                  <a:alpha val="100000"/>
+                </a:schemeClr>
+              </a:gs>
+            </a:gsLst>
+            <a:lin ang="3000000" scaled="1"/>
+            <a:tileRect/>
+          </a:gradFill>
+          <a:ln w="12700" cap="rnd" cmpd="thickThin" algn="ctr">
+            <a:noFill/>
+            <a:prstDash val="solid"/>
+          </a:ln>
+          <a:effectLst/>
+        </p:spPr>
+        <p:style>
+          <a:lnRef idx="3">
+            <a:schemeClr val="lt1"/>
+          </a:lnRef>
+          <a:fillRef idx="1">
+            <a:schemeClr val="accent1"/>
+          </a:fillRef>
+          <a:effectRef idx="1">
+            <a:schemeClr val="accent1"/>
+          </a:effectRef>
+          <a:fontRef idx="minor">
+            <a:schemeClr val="lt1"/>
+          </a:fontRef>
+        </p:style>
+        <p:txBody>
+          <a:bodyPr anchor="ctr"/>
+          <a:lstStyle>
+            <a:extLst/>
+          </a:lstStyle>
+          <a:p>
+            <a:pPr algn="ctr" eaLnBrk="1" latinLnBrk="0" hangingPunct="1"/>
+            <a:endParaRPr kumimoji="0" lang="en-US"/>
+          </a:p>
+        </p:txBody>
+      </p:sp>
+      <p:sp>
+        <p:nvSpPr>
+          <p:cNvPr id="9" name="Titel 8"/>
+          <p:cNvSpPr>
+            <a:spLocks noGrp="1"/>
+          </p:cNvSpPr>
+          <p:nvPr>
+            <p:ph type="ctrTitle"/>
+          </p:nvPr>
+        </p:nvSpPr>
+        <p:spPr>
+          <a:xfrm>
+            <a:off x="685800" y="1752601"/>
+            <a:ext cx="7772400" cy="1829761"/>
           </a:xfrm>
         </p:spPr>
         <p:txBody>
-          <a:bodyPr anchor="b"/>
+          <a:bodyPr vert="horz" anchor="b">
+            <a:normAutofit/>
+            <a:scene3d>
+              <a:camera prst="orthographicFront"/>
+              <a:lightRig rig="soft" dir="t"/>
+            </a:scene3d>
+            <a:sp3d prstMaterial="softEdge">
+              <a:bevelT w="25400" h="25400"/>
+            </a:sp3d>
+          </a:bodyPr>
           <a:lstStyle>
-            <a:lvl1pPr algn="l">
-              <a:defRPr/>
+            <a:lvl1pPr algn="r">
+              <a:defRPr sz="4800" b="1">
+                <a:solidFill>
+                  <a:schemeClr val="tx2"/>
+                </a:solidFill>
+                <a:effectLst>
+                  <a:outerShdw blurRad="31750" dist="25400" dir="5400000" algn="tl" rotWithShape="0">
+                    <a:srgbClr val="000000">
+                      <a:alpha val="25000"/>
+                    </a:srgbClr>
+                  </a:outerShdw>
+                </a:effectLst>
+              </a:defRPr>
             </a:lvl1pPr>
             <a:extLst/>
           </a:lstStyle>
           <a:p>
             <a:r>
-              <a:rPr kumimoji="0" lang="de-DE" dirty="0" smtClean="0"/>
+              <a:rPr kumimoji="0" lang="de-DE" smtClean="0"/>
               <a:t>Titelmasterformat durch Klicken bearbeiten</a:t>
             </a:r>
-            <a:endParaRPr kumimoji="0" lang="en-US" dirty="0"/>
-          </a:p>
-        </p:txBody>
-      </p:sp>
-      <p:sp>
-        <p:nvSpPr>
-          <p:cNvPr id="22" name="Untertitel 21"/>
+            <a:endParaRPr kumimoji="0" lang="en-US"/>
+          </a:p>
+        </p:txBody>
+      </p:sp>
+      <p:sp>
+        <p:nvSpPr>
+          <p:cNvPr id="17" name="Untertitel 16"/>
           <p:cNvSpPr>
             <a:spLocks noGrp="1"/>
           </p:cNvSpPr>
@@ -952,21 +1044,18 @@
         </p:nvSpPr>
         <p:spPr>
           <a:xfrm>
-            <a:off x="1432560" y="1850064"/>
-            <a:ext cx="7406640" cy="1752600"/>
+            <a:off x="685800" y="3611607"/>
+            <a:ext cx="7772400" cy="1199704"/>
           </a:xfrm>
         </p:spPr>
         <p:txBody>
-          <a:bodyPr tIns="0"/>
+          <a:bodyPr lIns="45720" rIns="45720"/>
           <a:lstStyle>
-            <a:lvl1pPr marL="27432" indent="0" algn="l">
+            <a:lvl1pPr marL="0" marR="64008" indent="0" algn="r">
               <a:buNone/>
-              <a:defRPr sz="2600">
+              <a:defRPr>
                 <a:solidFill>
-                  <a:schemeClr val="tx2">
-                    <a:shade val="30000"/>
-                    <a:satMod val="150000"/>
-                  </a:schemeClr>
+                  <a:schemeClr val="tx2"/>
                 </a:solidFill>
               </a:defRPr>
             </a:lvl1pPr>
@@ -1005,239 +1094,495 @@
           </a:p>
         </p:txBody>
       </p:sp>
-      <p:sp>
-        <p:nvSpPr>
-          <p:cNvPr id="7" name="Datumsplatzhalter 6"/>
-          <p:cNvSpPr>
-            <a:spLocks noGrp="1"/>
-          </p:cNvSpPr>
-          <p:nvPr>
-            <p:ph type="dt" sz="half" idx="10"/>
-          </p:nvPr>
-        </p:nvSpPr>
-        <p:spPr>
+      <p:grpSp>
+        <p:nvGrpSpPr>
+          <p:cNvPr id="2" name="Gruppieren 1"/>
+          <p:cNvGrpSpPr/>
+          <p:nvPr/>
+        </p:nvGrpSpPr>
+        <p:grpSpPr>
           <a:xfrm>
-            <a:off x="6470848" y="6309320"/>
-            <a:ext cx="2133600" cy="476250"/>
+            <a:off x="-3765" y="4953000"/>
+            <a:ext cx="9147765" cy="1912088"/>
+            <a:chOff x="-3765" y="4832896"/>
+            <a:chExt cx="9147765" cy="2032192"/>
           </a:xfrm>
-        </p:spPr>
-        <p:txBody>
-          <a:bodyPr/>
-          <a:lstStyle>
-            <a:extLst/>
-          </a:lstStyle>
-          <a:p>
-            <a:r>
-              <a:rPr lang="de-DE" smtClean="0"/>
-              <a:t>28.11.2016</a:t>
-            </a:r>
-            <a:endParaRPr lang="de-DE" dirty="0"/>
-          </a:p>
-        </p:txBody>
-      </p:sp>
-      <p:sp>
-        <p:nvSpPr>
-          <p:cNvPr id="10" name="Foliennummernplatzhalter 9"/>
-          <p:cNvSpPr>
-            <a:spLocks noGrp="1"/>
-          </p:cNvSpPr>
-          <p:nvPr>
-            <p:ph type="sldNum" sz="quarter" idx="12"/>
-          </p:nvPr>
-        </p:nvSpPr>
-        <p:spPr/>
-        <p:txBody>
-          <a:bodyPr/>
-          <a:lstStyle>
-            <a:extLst/>
-          </a:lstStyle>
-          <a:p>
-            <a:fld id="{166D15F3-9A1A-4AEC-BA89-32D146ECA64D}" type="slidenum">
-              <a:rPr lang="de-DE" smtClean="0"/>
-              <a:t>‹Nr.›</a:t>
-            </a:fld>
-            <a:endParaRPr lang="de-DE" dirty="0"/>
-          </a:p>
-        </p:txBody>
-      </p:sp>
-      <p:sp>
-        <p:nvSpPr>
-          <p:cNvPr id="8" name="Ellipse 7"/>
-          <p:cNvSpPr/>
-          <p:nvPr/>
-        </p:nvSpPr>
-        <p:spPr>
-          <a:xfrm>
-            <a:off x="921433" y="1413802"/>
-            <a:ext cx="210312" cy="210312"/>
-          </a:xfrm>
-          <a:prstGeom prst="ellipse">
-            <a:avLst/>
-          </a:prstGeom>
-          <a:gradFill rotWithShape="1">
-            <a:gsLst>
-              <a:gs pos="0">
-                <a:schemeClr val="accent1">
-                  <a:tint val="20000"/>
-                  <a:satMod val="450000"/>
-                  <a:alpha val="95000"/>
-                </a:schemeClr>
-              </a:gs>
-              <a:gs pos="50000">
-                <a:schemeClr val="accent1">
-                  <a:tint val="38000"/>
-                  <a:satMod val="250000"/>
-                  <a:alpha val="90000"/>
-                </a:schemeClr>
-              </a:gs>
-              <a:gs pos="95000">
-                <a:schemeClr val="accent1">
-                  <a:tint val="75000"/>
-                  <a:satMod val="255000"/>
-                  <a:alpha val="88000"/>
-                </a:schemeClr>
-              </a:gs>
-              <a:gs pos="100000">
-                <a:schemeClr val="accent1">
-                  <a:tint val="100000"/>
-                  <a:shade val="90000"/>
-                  <a:satMod val="255000"/>
-                  <a:alpha val="85000"/>
-                </a:schemeClr>
-              </a:gs>
-            </a:gsLst>
-            <a:path path="circle">
-              <a:fillToRect l="25000" t="12500" r="75000" b="87500"/>
-            </a:path>
-          </a:gradFill>
-          <a:ln w="2000" cap="rnd" cmpd="sng" algn="ctr">
+        </p:grpSpPr>
+        <p:sp>
+          <p:nvSpPr>
+            <p:cNvPr id="7" name="Freihandform 6"/>
+            <p:cNvSpPr>
+              <a:spLocks/>
+            </p:cNvSpPr>
+            <p:nvPr/>
+          </p:nvSpPr>
+          <p:spPr bwMode="auto">
+            <a:xfrm>
+              <a:off x="1687513" y="4832896"/>
+              <a:ext cx="7456487" cy="518816"/>
+            </a:xfrm>
+            <a:custGeom>
+              <a:avLst>
+                <a:gd name="A1" fmla="val 0"/>
+                <a:gd name="A2" fmla="val 0"/>
+                <a:gd name="A3" fmla="val 0"/>
+                <a:gd name="A4" fmla="val 0"/>
+                <a:gd name="A5" fmla="val 0"/>
+                <a:gd name="A6" fmla="val 0"/>
+                <a:gd name="A7" fmla="val 0"/>
+                <a:gd name="A8" fmla="val 0"/>
+              </a:avLst>
+              <a:gdLst/>
+              <a:ahLst/>
+              <a:cxnLst>
+                <a:cxn ang="0">
+                  <a:pos x="4697" y="0"/>
+                </a:cxn>
+                <a:cxn ang="0">
+                  <a:pos x="4697" y="367"/>
+                </a:cxn>
+                <a:cxn ang="0">
+                  <a:pos x="0" y="218"/>
+                </a:cxn>
+                <a:cxn ang="0">
+                  <a:pos x="4697" y="0"/>
+                </a:cxn>
+              </a:cxnLst>
+              <a:rect l="0" t="0" r="0" b="0"/>
+              <a:pathLst>
+                <a:path w="4697" h="367">
+                  <a:moveTo>
+                    <a:pt x="4697" y="0"/>
+                  </a:moveTo>
+                  <a:lnTo>
+                    <a:pt x="4697" y="367"/>
+                  </a:lnTo>
+                  <a:lnTo>
+                    <a:pt x="0" y="218"/>
+                  </a:lnTo>
+                  <a:lnTo>
+                    <a:pt x="4697" y="0"/>
+                  </a:lnTo>
+                  <a:close/>
+                </a:path>
+              </a:pathLst>
+            </a:custGeom>
             <a:solidFill>
               <a:schemeClr val="accent1">
-                <a:shade val="90000"/>
-                <a:satMod val="110000"/>
-                <a:alpha val="60000"/>
+                <a:tint val="65000"/>
+                <a:satMod val="115000"/>
+                <a:alpha val="40000"/>
               </a:schemeClr>
             </a:solidFill>
-            <a:prstDash val="solid"/>
-          </a:ln>
-          <a:effectLst/>
-        </p:spPr>
-        <p:style>
-          <a:lnRef idx="1">
-            <a:schemeClr val="accent1"/>
-          </a:lnRef>
-          <a:fillRef idx="2">
-            <a:schemeClr val="accent1"/>
-          </a:fillRef>
-          <a:effectRef idx="1">
-            <a:schemeClr val="accent1"/>
-          </a:effectRef>
-          <a:fontRef idx="minor">
-            <a:schemeClr val="dk1"/>
-          </a:fontRef>
-        </p:style>
-        <p:txBody>
-          <a:bodyPr anchor="ctr"/>
+            <a:ln w="9525" cap="flat" cmpd="sng" algn="ctr">
+              <a:noFill/>
+              <a:prstDash val="solid"/>
+              <a:round/>
+              <a:headEnd type="none" w="med" len="med"/>
+              <a:tailEnd type="none" w="med" len="med"/>
+            </a:ln>
+            <a:effectLst/>
+          </p:spPr>
+          <p:txBody>
+            <a:bodyPr vert="horz" wrap="square" lIns="91440" tIns="45720" rIns="91440" bIns="45720" anchor="t" compatLnSpc="1"/>
+            <a:lstStyle>
+              <a:extLst/>
+            </a:lstStyle>
+            <a:p>
+              <a:endParaRPr kumimoji="0" lang="en-US"/>
+            </a:p>
+          </p:txBody>
+        </p:sp>
+        <p:sp>
+          <p:nvSpPr>
+            <p:cNvPr id="8" name="Freihandform 7"/>
+            <p:cNvSpPr>
+              <a:spLocks/>
+            </p:cNvSpPr>
+            <p:nvPr/>
+          </p:nvSpPr>
+          <p:spPr bwMode="auto">
+            <a:xfrm>
+              <a:off x="35443" y="5135526"/>
+              <a:ext cx="9108557" cy="838200"/>
+            </a:xfrm>
+            <a:custGeom>
+              <a:avLst>
+                <a:gd name="A1" fmla="val 0"/>
+                <a:gd name="A2" fmla="val 0"/>
+                <a:gd name="A3" fmla="val 0"/>
+                <a:gd name="A4" fmla="val 0"/>
+                <a:gd name="A5" fmla="val 0"/>
+                <a:gd name="A6" fmla="val 0"/>
+                <a:gd name="A7" fmla="val 0"/>
+                <a:gd name="A8" fmla="val 0"/>
+              </a:avLst>
+              <a:gdLst/>
+              <a:ahLst/>
+              <a:cxnLst>
+                <a:cxn ang="0">
+                  <a:pos x="0" y="0"/>
+                </a:cxn>
+                <a:cxn ang="0">
+                  <a:pos x="5760" y="0"/>
+                </a:cxn>
+                <a:cxn ang="0">
+                  <a:pos x="5760" y="528"/>
+                </a:cxn>
+                <a:cxn ang="0">
+                  <a:pos x="48" y="0"/>
+                </a:cxn>
+              </a:cxnLst>
+              <a:rect l="0" t="0" r="0" b="0"/>
+              <a:pathLst>
+                <a:path w="5760" h="528">
+                  <a:moveTo>
+                    <a:pt x="0" y="0"/>
+                  </a:moveTo>
+                  <a:lnTo>
+                    <a:pt x="5760" y="0"/>
+                  </a:lnTo>
+                  <a:lnTo>
+                    <a:pt x="5760" y="528"/>
+                  </a:lnTo>
+                  <a:lnTo>
+                    <a:pt x="48" y="0"/>
+                  </a:lnTo>
+                </a:path>
+              </a:pathLst>
+            </a:custGeom>
+            <a:solidFill>
+              <a:srgbClr val="000000">
+                <a:alpha val="100000"/>
+              </a:srgbClr>
+            </a:solidFill>
+            <a:ln w="9525" cap="flat" cmpd="sng" algn="ctr">
+              <a:noFill/>
+              <a:prstDash val="solid"/>
+              <a:round/>
+              <a:headEnd type="none" w="med" len="med"/>
+              <a:tailEnd type="none" w="med" len="med"/>
+            </a:ln>
+            <a:effectLst/>
+          </p:spPr>
+          <p:txBody>
+            <a:bodyPr vert="horz" wrap="square" lIns="91440" tIns="45720" rIns="91440" bIns="45720" anchor="t" compatLnSpc="1"/>
+            <a:lstStyle>
+              <a:extLst/>
+            </a:lstStyle>
+            <a:p>
+              <a:endParaRPr kumimoji="0" lang="en-US"/>
+            </a:p>
+          </p:txBody>
+        </p:sp>
+        <p:sp>
+          <p:nvSpPr>
+            <p:cNvPr id="11" name="Freihandform 10"/>
+            <p:cNvSpPr>
+              <a:spLocks/>
+            </p:cNvSpPr>
+            <p:nvPr/>
+          </p:nvSpPr>
+          <p:spPr bwMode="auto">
+            <a:xfrm>
+              <a:off x="0" y="4883888"/>
+              <a:ext cx="9144000" cy="1981200"/>
+            </a:xfrm>
+            <a:custGeom>
+              <a:avLst>
+                <a:gd name="A1" fmla="val 0"/>
+                <a:gd name="A2" fmla="val 0"/>
+                <a:gd name="A3" fmla="val 0"/>
+                <a:gd name="A4" fmla="val 0"/>
+                <a:gd name="A5" fmla="val 0"/>
+                <a:gd name="A6" fmla="val 0"/>
+                <a:gd name="A7" fmla="val 0"/>
+                <a:gd name="A8" fmla="val 0"/>
+              </a:avLst>
+              <a:gdLst/>
+              <a:ahLst/>
+              <a:cxnLst>
+                <a:cxn ang="0">
+                  <a:pos x="0" y="0"/>
+                </a:cxn>
+                <a:cxn ang="0">
+                  <a:pos x="0" y="1248"/>
+                </a:cxn>
+                <a:cxn ang="0">
+                  <a:pos x="5760" y="1248"/>
+                </a:cxn>
+                <a:cxn ang="0">
+                  <a:pos x="5760" y="528"/>
+                </a:cxn>
+                <a:cxn ang="0">
+                  <a:pos x="0" y="0"/>
+                </a:cxn>
+              </a:cxnLst>
+              <a:rect l="0" t="0" r="0" b="0"/>
+              <a:pathLst>
+                <a:path w="5760" h="1248">
+                  <a:moveTo>
+                    <a:pt x="0" y="0"/>
+                  </a:moveTo>
+                  <a:lnTo>
+                    <a:pt x="0" y="1248"/>
+                  </a:lnTo>
+                  <a:lnTo>
+                    <a:pt x="5760" y="1248"/>
+                  </a:lnTo>
+                  <a:lnTo>
+                    <a:pt x="5760" y="528"/>
+                  </a:lnTo>
+                  <a:lnTo>
+                    <a:pt x="0" y="0"/>
+                  </a:lnTo>
+                  <a:close/>
+                </a:path>
+              </a:pathLst>
+            </a:custGeom>
+            <a:blipFill>
+              <a:blip r:embed="rId2">
+                <a:alphaModFix amt="50000"/>
+              </a:blip>
+              <a:tile tx="0" ty="0" sx="50000" sy="50000" flip="none" algn="t"/>
+            </a:blipFill>
+            <a:ln w="12700" cap="rnd" cmpd="thickThin" algn="ctr">
+              <a:noFill/>
+              <a:prstDash val="solid"/>
+            </a:ln>
+            <a:effectLst>
+              <a:fillOverlay blend="mult">
+                <a:gradFill flip="none" rotWithShape="1">
+                  <a:gsLst>
+                    <a:gs pos="0">
+                      <a:schemeClr val="accent1">
+                        <a:shade val="20000"/>
+                        <a:satMod val="176000"/>
+                        <a:alpha val="100000"/>
+                      </a:schemeClr>
+                    </a:gs>
+                    <a:gs pos="18000">
+                      <a:schemeClr val="accent1">
+                        <a:shade val="48000"/>
+                        <a:satMod val="153000"/>
+                        <a:alpha val="100000"/>
+                      </a:schemeClr>
+                    </a:gs>
+                    <a:gs pos="43000">
+                      <a:schemeClr val="accent1">
+                        <a:tint val="86000"/>
+                        <a:satMod val="149000"/>
+                        <a:alpha val="100000"/>
+                      </a:schemeClr>
+                    </a:gs>
+                    <a:gs pos="45000">
+                      <a:schemeClr val="accent1">
+                        <a:tint val="85000"/>
+                        <a:satMod val="150000"/>
+                        <a:alpha val="100000"/>
+                      </a:schemeClr>
+                    </a:gs>
+                    <a:gs pos="50000">
+                      <a:schemeClr val="accent1">
+                        <a:tint val="86000"/>
+                        <a:satMod val="149000"/>
+                        <a:alpha val="100000"/>
+                      </a:schemeClr>
+                    </a:gs>
+                    <a:gs pos="79000">
+                      <a:schemeClr val="accent1">
+                        <a:shade val="53000"/>
+                        <a:satMod val="150000"/>
+                        <a:alpha val="100000"/>
+                      </a:schemeClr>
+                    </a:gs>
+                    <a:gs pos="100000">
+                      <a:schemeClr val="accent1">
+                        <a:shade val="25000"/>
+                        <a:satMod val="170000"/>
+                        <a:alpha val="100000"/>
+                      </a:schemeClr>
+                    </a:gs>
+                  </a:gsLst>
+                  <a:lin ang="450000" scaled="1"/>
+                  <a:tileRect/>
+                </a:gradFill>
+              </a:fillOverlay>
+            </a:effectLst>
+          </p:spPr>
+          <p:style>
+            <a:lnRef idx="3">
+              <a:schemeClr val="lt1"/>
+            </a:lnRef>
+            <a:fillRef idx="1">
+              <a:schemeClr val="accent1"/>
+            </a:fillRef>
+            <a:effectRef idx="1">
+              <a:schemeClr val="accent1"/>
+            </a:effectRef>
+            <a:fontRef idx="minor">
+              <a:schemeClr val="lt1"/>
+            </a:fontRef>
+          </p:style>
+          <p:txBody>
+            <a:bodyPr vert="horz" wrap="square" lIns="91440" tIns="45720" rIns="91440" bIns="45720" anchor="ctr" compatLnSpc="1"/>
+            <a:lstStyle>
+              <a:extLst/>
+            </a:lstStyle>
+            <a:p>
+              <a:pPr algn="ctr" eaLnBrk="1" latinLnBrk="0" hangingPunct="1"/>
+              <a:endParaRPr kumimoji="0" lang="en-US"/>
+            </a:p>
+          </p:txBody>
+        </p:sp>
+        <p:cxnSp>
+          <p:nvCxnSpPr>
+            <p:cNvPr id="12" name="Gerade Verbindung 11"/>
+            <p:cNvCxnSpPr/>
+            <p:nvPr/>
+          </p:nvCxnSpPr>
+          <p:spPr>
+            <a:xfrm>
+              <a:off x="-3765" y="4880373"/>
+              <a:ext cx="9147765" cy="839943"/>
+            </a:xfrm>
+            <a:prstGeom prst="line">
+              <a:avLst/>
+            </a:prstGeom>
+            <a:noFill/>
+            <a:ln w="12065" cap="flat" cmpd="sng" algn="ctr">
+              <a:gradFill>
+                <a:gsLst>
+                  <a:gs pos="45000">
+                    <a:schemeClr val="accent1">
+                      <a:tint val="70000"/>
+                      <a:satMod val="110000"/>
+                    </a:schemeClr>
+                  </a:gs>
+                  <a:gs pos="15000">
+                    <a:schemeClr val="accent1">
+                      <a:shade val="40000"/>
+                      <a:satMod val="110000"/>
+                    </a:schemeClr>
+                  </a:gs>
+                </a:gsLst>
+                <a:lin ang="5400000" scaled="1"/>
+              </a:gradFill>
+              <a:prstDash val="solid"/>
+              <a:miter lim="800000"/>
+            </a:ln>
+            <a:effectLst/>
+          </p:spPr>
+          <p:style>
+            <a:lnRef idx="2">
+              <a:schemeClr val="accent1"/>
+            </a:lnRef>
+            <a:fillRef idx="0">
+              <a:schemeClr val="accent1"/>
+            </a:fillRef>
+            <a:effectRef idx="1">
+              <a:schemeClr val="accent1"/>
+            </a:effectRef>
+            <a:fontRef idx="minor">
+              <a:schemeClr val="tx1"/>
+            </a:fontRef>
+          </p:style>
+        </p:cxnSp>
+      </p:grpSp>
+      <p:sp>
+        <p:nvSpPr>
+          <p:cNvPr id="30" name="Datumsplatzhalter 29"/>
+          <p:cNvSpPr>
+            <a:spLocks noGrp="1"/>
+          </p:cNvSpPr>
+          <p:nvPr>
+            <p:ph type="dt" sz="half" idx="10"/>
+          </p:nvPr>
+        </p:nvSpPr>
+        <p:spPr/>
+        <p:txBody>
+          <a:bodyPr/>
           <a:lstStyle>
-            <a:extLst/>
-          </a:lstStyle>
-          <a:p>
-            <a:pPr algn="ctr" eaLnBrk="1" latinLnBrk="0" hangingPunct="1"/>
-            <a:endParaRPr kumimoji="0" lang="en-US"/>
-          </a:p>
-        </p:txBody>
-      </p:sp>
-      <p:sp>
-        <p:nvSpPr>
-          <p:cNvPr id="9" name="Ellipse 8"/>
-          <p:cNvSpPr/>
-          <p:nvPr/>
-        </p:nvSpPr>
-        <p:spPr>
-          <a:xfrm>
-            <a:off x="1157176" y="1345016"/>
-            <a:ext cx="64008" cy="64008"/>
-          </a:xfrm>
-          <a:prstGeom prst="ellipse">
-            <a:avLst/>
-          </a:prstGeom>
-          <a:noFill/>
-          <a:ln w="12700" cap="rnd" cmpd="sng" algn="ctr">
-            <a:solidFill>
-              <a:schemeClr val="accent1">
-                <a:shade val="75000"/>
-                <a:alpha val="60000"/>
-              </a:schemeClr>
-            </a:solidFill>
-            <a:prstDash val="solid"/>
-          </a:ln>
-          <a:effectLst/>
-        </p:spPr>
-        <p:style>
-          <a:lnRef idx="1">
-            <a:schemeClr val="accent1"/>
-          </a:lnRef>
-          <a:fillRef idx="2">
-            <a:schemeClr val="accent1"/>
-          </a:fillRef>
-          <a:effectRef idx="1">
-            <a:schemeClr val="accent1"/>
-          </a:effectRef>
-          <a:fontRef idx="minor">
-            <a:schemeClr val="dk1"/>
-          </a:fontRef>
-        </p:style>
-        <p:txBody>
-          <a:bodyPr anchor="ctr"/>
-          <a:lstStyle>
-            <a:extLst/>
-          </a:lstStyle>
-          <a:p>
-            <a:pPr algn="ctr" eaLnBrk="1" latinLnBrk="0" hangingPunct="1"/>
-            <a:endParaRPr kumimoji="0" lang="en-US"/>
-          </a:p>
-        </p:txBody>
-      </p:sp>
-      <p:sp>
-        <p:nvSpPr>
-          <p:cNvPr id="11" name="Fußzeilenplatzhalter 9"/>
-          <p:cNvSpPr>
-            <a:spLocks noGrp="1"/>
-          </p:cNvSpPr>
-          <p:nvPr>
-            <p:ph type="ftr" sz="quarter" idx="3"/>
-          </p:nvPr>
-        </p:nvSpPr>
-        <p:spPr>
-          <a:xfrm>
-            <a:off x="5796136" y="44624"/>
-            <a:ext cx="2880320" cy="380720"/>
-          </a:xfrm>
-          <a:prstGeom prst="rect">
-            <a:avLst/>
-          </a:prstGeom>
-        </p:spPr>
-        <p:txBody>
-          <a:bodyPr anchor="b"/>
-          <a:lstStyle>
-            <a:lvl1pPr eaLnBrk="1" latinLnBrk="0" hangingPunct="1">
-              <a:defRPr kumimoji="0" sz="1600">
+            <a:lvl1pPr>
+              <a:defRPr>
                 <a:solidFill>
-                  <a:schemeClr val="bg2">
-                    <a:shade val="50000"/>
-                    <a:satMod val="200000"/>
-                  </a:schemeClr>
+                  <a:srgbClr val="FFFFFF"/>
                 </a:solidFill>
-                <a:effectLst/>
               </a:defRPr>
             </a:lvl1pPr>
             <a:extLst/>
           </a:lstStyle>
           <a:p>
             <a:r>
-              <a:rPr lang="de-DE" dirty="0" smtClean="0"/>
+              <a:rPr lang="de-DE" smtClean="0"/>
+              <a:t>28.11.2016</a:t>
+            </a:r>
+            <a:endParaRPr lang="de-DE" dirty="0"/>
+          </a:p>
+        </p:txBody>
+      </p:sp>
+      <p:sp>
+        <p:nvSpPr>
+          <p:cNvPr id="19" name="Fußzeilenplatzhalter 18"/>
+          <p:cNvSpPr>
+            <a:spLocks noGrp="1"/>
+          </p:cNvSpPr>
+          <p:nvPr>
+            <p:ph type="ftr" sz="quarter" idx="11"/>
+          </p:nvPr>
+        </p:nvSpPr>
+        <p:spPr/>
+        <p:txBody>
+          <a:bodyPr/>
+          <a:lstStyle>
+            <a:lvl1pPr>
+              <a:defRPr>
+                <a:solidFill>
+                  <a:schemeClr val="accent1">
+                    <a:tint val="20000"/>
+                  </a:schemeClr>
+                </a:solidFill>
+              </a:defRPr>
+            </a:lvl1pPr>
+            <a:extLst/>
+          </a:lstStyle>
+          <a:p>
+            <a:r>
+              <a:rPr lang="de-DE" smtClean="0"/>
               <a:t>Martin Schneider, 6000513</a:t>
             </a:r>
+            <a:endParaRPr lang="de-DE" dirty="0"/>
+          </a:p>
+        </p:txBody>
+      </p:sp>
+      <p:sp>
+        <p:nvSpPr>
+          <p:cNvPr id="27" name="Foliennummernplatzhalter 26"/>
+          <p:cNvSpPr>
+            <a:spLocks noGrp="1"/>
+          </p:cNvSpPr>
+          <p:nvPr>
+            <p:ph type="sldNum" sz="quarter" idx="12"/>
+          </p:nvPr>
+        </p:nvSpPr>
+        <p:spPr/>
+        <p:txBody>
+          <a:bodyPr/>
+          <a:lstStyle>
+            <a:lvl1pPr>
+              <a:defRPr>
+                <a:solidFill>
+                  <a:srgbClr val="FFFFFF"/>
+                </a:solidFill>
+              </a:defRPr>
+            </a:lvl1pPr>
+            <a:extLst/>
+          </a:lstStyle>
+          <a:p>
+            <a:fld id="{166D15F3-9A1A-4AEC-BA89-32D146ECA64D}" type="slidenum">
+              <a:rPr lang="de-DE" smtClean="0"/>
+              <a:t>‹Nr.›</a:t>
+            </a:fld>
             <a:endParaRPr lang="de-DE" dirty="0"/>
           </a:p>
         </p:txBody>
@@ -1247,13 +1592,6 @@
   <p:clrMapOvr>
     <a:masterClrMapping/>
   </p:clrMapOvr>
-  <p:timing>
-    <p:tnLst>
-      <p:par>
-        <p:cTn id="1" dur="indefinite" restart="never" nodeType="tmRoot"/>
-      </p:par>
-    </p:tnLst>
-  </p:timing>
 </p:sldLayout>
 </file>
 
@@ -1309,7 +1647,12 @@
             <p:ph type="body" orient="vert" idx="1"/>
           </p:nvPr>
         </p:nvSpPr>
-        <p:spPr/>
+        <p:spPr>
+          <a:xfrm>
+            <a:off x="457200" y="1481329"/>
+            <a:ext cx="8229600" cy="4386071"/>
+          </a:xfrm>
+        </p:spPr>
         <p:txBody>
           <a:bodyPr vert="eaVert"/>
           <a:lstStyle>
@@ -1380,12 +1723,12 @@
       </p:sp>
       <p:sp>
         <p:nvSpPr>
-          <p:cNvPr id="6" name="Foliennummernplatzhalter 5"/>
-          <p:cNvSpPr>
-            <a:spLocks noGrp="1"/>
-          </p:cNvSpPr>
-          <p:nvPr>
-            <p:ph type="sldNum" sz="quarter" idx="12"/>
+          <p:cNvPr id="5" name="Fußzeilenplatzhalter 4"/>
+          <p:cNvSpPr>
+            <a:spLocks noGrp="1"/>
+          </p:cNvSpPr>
+          <p:nvPr>
+            <p:ph type="ftr" sz="quarter" idx="11"/>
           </p:nvPr>
         </p:nvSpPr>
         <p:spPr/>
@@ -1395,55 +1738,36 @@
             <a:extLst/>
           </a:lstStyle>
           <a:p>
+            <a:r>
+              <a:rPr lang="de-DE" smtClean="0"/>
+              <a:t>Martin Schneider, 6000513</a:t>
+            </a:r>
+            <a:endParaRPr lang="de-DE" dirty="0"/>
+          </a:p>
+        </p:txBody>
+      </p:sp>
+      <p:sp>
+        <p:nvSpPr>
+          <p:cNvPr id="6" name="Foliennummernplatzhalter 5"/>
+          <p:cNvSpPr>
+            <a:spLocks noGrp="1"/>
+          </p:cNvSpPr>
+          <p:nvPr>
+            <p:ph type="sldNum" sz="quarter" idx="12"/>
+          </p:nvPr>
+        </p:nvSpPr>
+        <p:spPr/>
+        <p:txBody>
+          <a:bodyPr/>
+          <a:lstStyle>
+            <a:extLst/>
+          </a:lstStyle>
+          <a:p>
             <a:fld id="{166D15F3-9A1A-4AEC-BA89-32D146ECA64D}" type="slidenum">
               <a:rPr lang="de-DE" smtClean="0"/>
               <a:t>‹Nr.›</a:t>
             </a:fld>
             <a:endParaRPr lang="de-DE"/>
-          </a:p>
-        </p:txBody>
-      </p:sp>
-      <p:sp>
-        <p:nvSpPr>
-          <p:cNvPr id="7" name="Fußzeilenplatzhalter 9"/>
-          <p:cNvSpPr>
-            <a:spLocks noGrp="1"/>
-          </p:cNvSpPr>
-          <p:nvPr>
-            <p:ph type="ftr" sz="quarter" idx="3"/>
-          </p:nvPr>
-        </p:nvSpPr>
-        <p:spPr>
-          <a:xfrm>
-            <a:off x="5796136" y="44624"/>
-            <a:ext cx="2880320" cy="380720"/>
-          </a:xfrm>
-          <a:prstGeom prst="rect">
-            <a:avLst/>
-          </a:prstGeom>
-        </p:spPr>
-        <p:txBody>
-          <a:bodyPr anchor="b"/>
-          <a:lstStyle>
-            <a:lvl1pPr eaLnBrk="1" latinLnBrk="0" hangingPunct="1">
-              <a:defRPr kumimoji="0" sz="1600">
-                <a:solidFill>
-                  <a:schemeClr val="bg2">
-                    <a:shade val="50000"/>
-                    <a:satMod val="200000"/>
-                  </a:schemeClr>
-                </a:solidFill>
-                <a:effectLst/>
-              </a:defRPr>
-            </a:lvl1pPr>
-            <a:extLst/>
-          </a:lstStyle>
-          <a:p>
-            <a:r>
-              <a:rPr lang="de-DE" dirty="0" smtClean="0"/>
-              <a:t>Martin Schneider, 6000513</a:t>
-            </a:r>
-            <a:endParaRPr lang="de-DE" dirty="0"/>
           </a:p>
         </p:txBody>
       </p:sp>
@@ -1484,8 +1808,8 @@
         </p:nvSpPr>
         <p:spPr>
           <a:xfrm>
-            <a:off x="6858000" y="274639"/>
-            <a:ext cx="1828800" cy="5851525"/>
+            <a:off x="6844013" y="274640"/>
+            <a:ext cx="1777470" cy="5592761"/>
           </a:xfrm>
         </p:spPr>
         <p:txBody>
@@ -1514,8 +1838,8 @@
         </p:nvSpPr>
         <p:spPr>
           <a:xfrm>
-            <a:off x="1143000" y="274640"/>
-            <a:ext cx="5562600" cy="5851525"/>
+            <a:off x="457200" y="274641"/>
+            <a:ext cx="6324600" cy="5592760"/>
           </a:xfrm>
         </p:spPr>
         <p:txBody>
@@ -1526,38 +1850,38 @@
           <a:p>
             <a:pPr lvl="0" eaLnBrk="1" latinLnBrk="0" hangingPunct="1"/>
             <a:r>
-              <a:rPr lang="de-DE" dirty="0" smtClean="0"/>
+              <a:rPr lang="de-DE" smtClean="0"/>
               <a:t>Textmasterformat bearbeiten</a:t>
             </a:r>
           </a:p>
           <a:p>
             <a:pPr lvl="1" eaLnBrk="1" latinLnBrk="0" hangingPunct="1"/>
             <a:r>
-              <a:rPr lang="de-DE" dirty="0" smtClean="0"/>
+              <a:rPr lang="de-DE" smtClean="0"/>
               <a:t>Zweite Ebene</a:t>
             </a:r>
           </a:p>
           <a:p>
             <a:pPr lvl="2" eaLnBrk="1" latinLnBrk="0" hangingPunct="1"/>
             <a:r>
-              <a:rPr lang="de-DE" dirty="0" smtClean="0"/>
+              <a:rPr lang="de-DE" smtClean="0"/>
               <a:t>Dritte Ebene</a:t>
             </a:r>
           </a:p>
           <a:p>
             <a:pPr lvl="3" eaLnBrk="1" latinLnBrk="0" hangingPunct="1"/>
             <a:r>
-              <a:rPr lang="de-DE" dirty="0" smtClean="0"/>
+              <a:rPr lang="de-DE" smtClean="0"/>
               <a:t>Vierte Ebene</a:t>
             </a:r>
           </a:p>
           <a:p>
             <a:pPr lvl="4" eaLnBrk="1" latinLnBrk="0" hangingPunct="1"/>
             <a:r>
-              <a:rPr lang="de-DE" dirty="0" smtClean="0"/>
+              <a:rPr lang="de-DE" smtClean="0"/>
               <a:t>Fünfte Ebene</a:t>
             </a:r>
-            <a:endParaRPr kumimoji="0" lang="en-US" dirty="0"/>
+            <a:endParaRPr kumimoji="0" lang="en-US"/>
           </a:p>
         </p:txBody>
       </p:sp>
@@ -1588,12 +1912,12 @@
       </p:sp>
       <p:sp>
         <p:nvSpPr>
-          <p:cNvPr id="6" name="Foliennummernplatzhalter 5"/>
-          <p:cNvSpPr>
-            <a:spLocks noGrp="1"/>
-          </p:cNvSpPr>
-          <p:nvPr>
-            <p:ph type="sldNum" sz="quarter" idx="12"/>
+          <p:cNvPr id="5" name="Fußzeilenplatzhalter 4"/>
+          <p:cNvSpPr>
+            <a:spLocks noGrp="1"/>
+          </p:cNvSpPr>
+          <p:nvPr>
+            <p:ph type="ftr" sz="quarter" idx="11"/>
           </p:nvPr>
         </p:nvSpPr>
         <p:spPr/>
@@ -1603,55 +1927,36 @@
             <a:extLst/>
           </a:lstStyle>
           <a:p>
+            <a:r>
+              <a:rPr lang="de-DE" smtClean="0"/>
+              <a:t>Martin Schneider, 6000513</a:t>
+            </a:r>
+            <a:endParaRPr lang="de-DE" dirty="0"/>
+          </a:p>
+        </p:txBody>
+      </p:sp>
+      <p:sp>
+        <p:nvSpPr>
+          <p:cNvPr id="6" name="Foliennummernplatzhalter 5"/>
+          <p:cNvSpPr>
+            <a:spLocks noGrp="1"/>
+          </p:cNvSpPr>
+          <p:nvPr>
+            <p:ph type="sldNum" sz="quarter" idx="12"/>
+          </p:nvPr>
+        </p:nvSpPr>
+        <p:spPr/>
+        <p:txBody>
+          <a:bodyPr/>
+          <a:lstStyle>
+            <a:extLst/>
+          </a:lstStyle>
+          <a:p>
             <a:fld id="{166D15F3-9A1A-4AEC-BA89-32D146ECA64D}" type="slidenum">
               <a:rPr lang="de-DE" smtClean="0"/>
               <a:t>‹Nr.›</a:t>
             </a:fld>
             <a:endParaRPr lang="de-DE"/>
-          </a:p>
-        </p:txBody>
-      </p:sp>
-      <p:sp>
-        <p:nvSpPr>
-          <p:cNvPr id="7" name="Fußzeilenplatzhalter 9"/>
-          <p:cNvSpPr>
-            <a:spLocks noGrp="1"/>
-          </p:cNvSpPr>
-          <p:nvPr>
-            <p:ph type="ftr" sz="quarter" idx="3"/>
-          </p:nvPr>
-        </p:nvSpPr>
-        <p:spPr>
-          <a:xfrm>
-            <a:off x="5796136" y="44624"/>
-            <a:ext cx="2880320" cy="380720"/>
-          </a:xfrm>
-          <a:prstGeom prst="rect">
-            <a:avLst/>
-          </a:prstGeom>
-        </p:spPr>
-        <p:txBody>
-          <a:bodyPr anchor="b"/>
-          <a:lstStyle>
-            <a:lvl1pPr eaLnBrk="1" latinLnBrk="0" hangingPunct="1">
-              <a:defRPr kumimoji="0" sz="1600">
-                <a:solidFill>
-                  <a:schemeClr val="bg2">
-                    <a:shade val="50000"/>
-                    <a:satMod val="200000"/>
-                  </a:schemeClr>
-                </a:solidFill>
-                <a:effectLst/>
-              </a:defRPr>
-            </a:lvl1pPr>
-            <a:extLst/>
-          </a:lstStyle>
-          <a:p>
-            <a:r>
-              <a:rPr lang="de-DE" dirty="0" smtClean="0"/>
-              <a:t>Martin Schneider, 6000513</a:t>
-            </a:r>
-            <a:endParaRPr lang="de-DE" dirty="0"/>
           </a:p>
         </p:txBody>
       </p:sp>
@@ -1682,12 +1987,12 @@
       </p:grpSpPr>
       <p:sp>
         <p:nvSpPr>
-          <p:cNvPr id="2" name="Titel 1"/>
-          <p:cNvSpPr>
-            <a:spLocks noGrp="1"/>
-          </p:cNvSpPr>
-          <p:nvPr>
-            <p:ph type="title"/>
+          <p:cNvPr id="3" name="Inhaltsplatzhalter 2"/>
+          <p:cNvSpPr>
+            <a:spLocks noGrp="1"/>
+          </p:cNvSpPr>
+          <p:nvPr>
+            <p:ph idx="1"/>
           </p:nvPr>
         </p:nvSpPr>
         <p:spPr/>
@@ -1697,74 +2002,40 @@
             <a:extLst/>
           </a:lstStyle>
           <a:p>
-            <a:r>
-              <a:rPr kumimoji="0" lang="de-DE" smtClean="0"/>
-              <a:t>Titelmasterformat durch Klicken bearbeiten</a:t>
+            <a:pPr lvl="0" eaLnBrk="1" latinLnBrk="0" hangingPunct="1"/>
+            <a:r>
+              <a:rPr lang="de-DE" smtClean="0"/>
+              <a:t>Textmasterformat bearbeiten</a:t>
+            </a:r>
+          </a:p>
+          <a:p>
+            <a:pPr lvl="1" eaLnBrk="1" latinLnBrk="0" hangingPunct="1"/>
+            <a:r>
+              <a:rPr lang="de-DE" smtClean="0"/>
+              <a:t>Zweite Ebene</a:t>
+            </a:r>
+          </a:p>
+          <a:p>
+            <a:pPr lvl="2" eaLnBrk="1" latinLnBrk="0" hangingPunct="1"/>
+            <a:r>
+              <a:rPr lang="de-DE" smtClean="0"/>
+              <a:t>Dritte Ebene</a:t>
+            </a:r>
+          </a:p>
+          <a:p>
+            <a:pPr lvl="3" eaLnBrk="1" latinLnBrk="0" hangingPunct="1"/>
+            <a:r>
+              <a:rPr lang="de-DE" smtClean="0"/>
+              <a:t>Vierte Ebene</a:t>
+            </a:r>
+          </a:p>
+          <a:p>
+            <a:pPr lvl="4" eaLnBrk="1" latinLnBrk="0" hangingPunct="1"/>
+            <a:r>
+              <a:rPr lang="de-DE" smtClean="0"/>
+              <a:t>Fünfte Ebene</a:t>
             </a:r>
             <a:endParaRPr kumimoji="0" lang="en-US"/>
-          </a:p>
-        </p:txBody>
-      </p:sp>
-      <p:sp>
-        <p:nvSpPr>
-          <p:cNvPr id="3" name="Inhaltsplatzhalter 2"/>
-          <p:cNvSpPr>
-            <a:spLocks noGrp="1"/>
-          </p:cNvSpPr>
-          <p:nvPr>
-            <p:ph idx="1"/>
-          </p:nvPr>
-        </p:nvSpPr>
-        <p:spPr/>
-        <p:txBody>
-          <a:bodyPr/>
-          <a:lstStyle>
-            <a:lvl1pPr>
-              <a:defRPr sz="2800"/>
-            </a:lvl1pPr>
-            <a:lvl2pPr>
-              <a:defRPr sz="2400"/>
-            </a:lvl2pPr>
-            <a:lvl3pPr>
-              <a:defRPr sz="2000"/>
-            </a:lvl3pPr>
-            <a:extLst/>
-          </a:lstStyle>
-          <a:p>
-            <a:pPr lvl="0" eaLnBrk="1" latinLnBrk="0" hangingPunct="1"/>
-            <a:r>
-              <a:rPr lang="de-DE" dirty="0" smtClean="0"/>
-              <a:t>Textmasterformat bearbeiten</a:t>
-            </a:r>
-          </a:p>
-          <a:p>
-            <a:pPr lvl="1" eaLnBrk="1" latinLnBrk="0" hangingPunct="1"/>
-            <a:r>
-              <a:rPr lang="de-DE" dirty="0" smtClean="0"/>
-              <a:t>Zweite Ebene</a:t>
-            </a:r>
-          </a:p>
-          <a:p>
-            <a:pPr lvl="2" eaLnBrk="1" latinLnBrk="0" hangingPunct="1"/>
-            <a:r>
-              <a:rPr lang="de-DE" dirty="0" smtClean="0"/>
-              <a:t>Dritte Ebene</a:t>
-            </a:r>
-          </a:p>
-          <a:p>
-            <a:pPr lvl="3" eaLnBrk="1" latinLnBrk="0" hangingPunct="1"/>
-            <a:r>
-              <a:rPr lang="de-DE" dirty="0" smtClean="0"/>
-              <a:t>Vierte Ebene</a:t>
-            </a:r>
-          </a:p>
-          <a:p>
-            <a:pPr lvl="4" eaLnBrk="1" latinLnBrk="0" hangingPunct="1"/>
-            <a:r>
-              <a:rPr lang="de-DE" dirty="0" smtClean="0"/>
-              <a:t>Fünfte Ebene</a:t>
-            </a:r>
-            <a:endParaRPr kumimoji="0" lang="en-US" dirty="0"/>
           </a:p>
         </p:txBody>
       </p:sp>
@@ -1803,12 +2074,7 @@
             <p:ph type="ftr" sz="quarter" idx="11"/>
           </p:nvPr>
         </p:nvSpPr>
-        <p:spPr>
-          <a:xfrm>
-            <a:off x="5796136" y="92750"/>
-            <a:ext cx="2880320" cy="380720"/>
-          </a:xfrm>
-        </p:spPr>
+        <p:spPr/>
         <p:txBody>
           <a:bodyPr/>
           <a:lstStyle>
@@ -1816,7 +2082,7 @@
           </a:lstStyle>
           <a:p>
             <a:r>
-              <a:rPr lang="de-DE" dirty="0" smtClean="0"/>
+              <a:rPr lang="de-DE" smtClean="0"/>
               <a:t>Martin Schneider, 6000513</a:t>
             </a:r>
             <a:endParaRPr lang="de-DE" dirty="0"/>
@@ -1845,6 +2111,31 @@
               <a:t>‹Nr.›</a:t>
             </a:fld>
             <a:endParaRPr lang="de-DE"/>
+          </a:p>
+        </p:txBody>
+      </p:sp>
+      <p:sp>
+        <p:nvSpPr>
+          <p:cNvPr id="7" name="Titel 6"/>
+          <p:cNvSpPr>
+            <a:spLocks noGrp="1"/>
+          </p:cNvSpPr>
+          <p:nvPr>
+            <p:ph type="title"/>
+          </p:nvPr>
+        </p:nvSpPr>
+        <p:spPr/>
+        <p:txBody>
+          <a:bodyPr rtlCol="0"/>
+          <a:lstStyle>
+            <a:extLst/>
+          </a:lstStyle>
+          <a:p>
+            <a:r>
+              <a:rPr kumimoji="0" lang="de-DE" smtClean="0"/>
+              <a:t>Titelmasterformat durch Klicken bearbeiten</a:t>
+            </a:r>
+            <a:endParaRPr kumimoji="0" lang="en-US"/>
           </a:p>
         </p:txBody>
       </p:sp>
@@ -1853,19 +2144,17 @@
   <p:clrMapOvr>
     <a:masterClrMapping/>
   </p:clrMapOvr>
-  <p:timing>
-    <p:tnLst>
-      <p:par>
-        <p:cTn id="1" dur="indefinite" restart="never" nodeType="tmRoot"/>
-      </p:par>
-    </p:tnLst>
-  </p:timing>
 </p:sldLayout>
 </file>
 
 <file path=ppt/slideLayouts/slideLayout3.xml><?xml version="1.0" encoding="utf-8"?>
-<p:sldLayout xmlns:a="http://schemas.openxmlformats.org/drawingml/2006/main" xmlns:r="http://schemas.openxmlformats.org/officeDocument/2006/relationships" xmlns:p="http://schemas.openxmlformats.org/presentationml/2006/main" showMasterSp="0" type="secHead" preserve="1">
+<p:sldLayout xmlns:a="http://schemas.openxmlformats.org/drawingml/2006/main" xmlns:r="http://schemas.openxmlformats.org/officeDocument/2006/relationships" xmlns:p="http://schemas.openxmlformats.org/presentationml/2006/main" type="secHead" preserve="1">
   <p:cSld name="Abschnitts-&#10;überschrift">
+    <p:bg>
+      <p:bgRef idx="1002">
+        <a:schemeClr val="bg1"/>
+      </p:bgRef>
+    </p:bg>
     <p:spTree>
       <p:nvGrpSpPr>
         <p:cNvPr id="1" name=""/>
@@ -1882,77 +2171,43 @@
       </p:grpSpPr>
       <p:sp>
         <p:nvSpPr>
-          <p:cNvPr id="7" name="Rechteck 6"/>
-          <p:cNvSpPr/>
-          <p:nvPr/>
+          <p:cNvPr id="2" name="Titel 1"/>
+          <p:cNvSpPr>
+            <a:spLocks noGrp="1"/>
+          </p:cNvSpPr>
+          <p:nvPr>
+            <p:ph type="title"/>
+          </p:nvPr>
         </p:nvSpPr>
         <p:spPr>
           <a:xfrm>
-            <a:off x="2282890" y="-54"/>
-            <a:ext cx="6858000" cy="6858054"/>
-          </a:xfrm>
-          <a:prstGeom prst="rect">
-            <a:avLst/>
-          </a:prstGeom>
-          <a:solidFill>
-            <a:schemeClr val="bg1"/>
-          </a:solidFill>
-          <a:ln w="25400" cap="rnd" cmpd="sng" algn="ctr">
-            <a:noFill/>
-            <a:prstDash val="solid"/>
-          </a:ln>
-          <a:effectLst/>
-        </p:spPr>
-        <p:style>
-          <a:lnRef idx="3">
-            <a:schemeClr val="lt1"/>
-          </a:lnRef>
-          <a:fillRef idx="1">
-            <a:schemeClr val="accent1"/>
-          </a:fillRef>
-          <a:effectRef idx="1">
-            <a:schemeClr val="accent1"/>
-          </a:effectRef>
-          <a:fontRef idx="minor">
-            <a:schemeClr val="lt1"/>
-          </a:fontRef>
-        </p:style>
-        <p:txBody>
-          <a:bodyPr anchor="ctr"/>
-          <a:lstStyle>
-            <a:extLst/>
-          </a:lstStyle>
-          <a:p>
-            <a:pPr algn="ctr" eaLnBrk="1" latinLnBrk="0" hangingPunct="1"/>
-            <a:endParaRPr kumimoji="0" lang="en-US"/>
-          </a:p>
-        </p:txBody>
-      </p:sp>
-      <p:sp>
-        <p:nvSpPr>
-          <p:cNvPr id="2" name="Titel 1"/>
-          <p:cNvSpPr>
-            <a:spLocks noGrp="1"/>
-          </p:cNvSpPr>
-          <p:nvPr>
-            <p:ph type="title"/>
-          </p:nvPr>
-        </p:nvSpPr>
-        <p:spPr>
-          <a:xfrm>
-            <a:off x="2578392" y="2600325"/>
-            <a:ext cx="6400800" cy="2286000"/>
+            <a:off x="722376" y="1059712"/>
+            <a:ext cx="7772400" cy="1828800"/>
           </a:xfrm>
         </p:spPr>
         <p:txBody>
-          <a:bodyPr anchor="t"/>
+          <a:bodyPr vert="horz" anchor="b">
+            <a:normAutofit/>
+            <a:scene3d>
+              <a:camera prst="orthographicFront"/>
+              <a:lightRig rig="soft" dir="t"/>
+            </a:scene3d>
+            <a:sp3d prstMaterial="softEdge">
+              <a:bevelT w="25400" h="25400"/>
+            </a:sp3d>
+          </a:bodyPr>
           <a:lstStyle>
-            <a:lvl1pPr algn="l">
-              <a:lnSpc>
-                <a:spcPts val="4500"/>
-              </a:lnSpc>
+            <a:lvl1pPr algn="r">
               <a:buNone/>
-              <a:defRPr sz="4000" b="1" cap="all"/>
+              <a:defRPr sz="4800" b="1" cap="none" baseline="0">
+                <a:effectLst>
+                  <a:outerShdw blurRad="31750" dist="25400" dir="5400000" algn="tl" rotWithShape="0">
+                    <a:srgbClr val="000000">
+                      <a:alpha val="25000"/>
+                    </a:srgbClr>
+                  </a:outerShdw>
+                </a:effectLst>
+              </a:defRPr>
             </a:lvl1pPr>
             <a:extLst/>
           </a:lstStyle>
@@ -1977,27 +2232,18 @@
         </p:nvSpPr>
         <p:spPr>
           <a:xfrm>
-            <a:off x="2578392" y="1066800"/>
-            <a:ext cx="6400800" cy="1509712"/>
+            <a:off x="3922713" y="2931712"/>
+            <a:ext cx="4572000" cy="1454888"/>
           </a:xfrm>
         </p:spPr>
         <p:txBody>
-          <a:bodyPr anchor="b"/>
+          <a:bodyPr lIns="91440" rIns="91440" anchor="t"/>
           <a:lstStyle>
-            <a:lvl1pPr marL="18288" indent="0">
-              <a:lnSpc>
-                <a:spcPts val="2300"/>
-              </a:lnSpc>
-              <a:spcBef>
-                <a:spcPts val="0"/>
-              </a:spcBef>
+            <a:lvl1pPr marL="0" indent="0" algn="l">
               <a:buNone/>
-              <a:defRPr sz="2000">
+              <a:defRPr sz="2300">
                 <a:solidFill>
-                  <a:schemeClr val="tx2">
-                    <a:shade val="30000"/>
-                    <a:satMod val="150000"/>
-                  </a:schemeClr>
+                  <a:schemeClr val="tx1"/>
                 </a:solidFill>
               </a:defRPr>
             </a:lvl1pPr>
@@ -2079,12 +2325,12 @@
       </p:sp>
       <p:sp>
         <p:nvSpPr>
-          <p:cNvPr id="6" name="Foliennummernplatzhalter 5"/>
-          <p:cNvSpPr>
-            <a:spLocks noGrp="1"/>
-          </p:cNvSpPr>
-          <p:nvPr>
-            <p:ph type="sldNum" sz="quarter" idx="12"/>
+          <p:cNvPr id="5" name="Fußzeilenplatzhalter 4"/>
+          <p:cNvSpPr>
+            <a:spLocks noGrp="1"/>
+          </p:cNvSpPr>
+          <p:nvPr>
+            <p:ph type="ftr" sz="quarter" idx="11"/>
           </p:nvPr>
         </p:nvSpPr>
         <p:spPr/>
@@ -2094,6 +2340,31 @@
             <a:extLst/>
           </a:lstStyle>
           <a:p>
+            <a:r>
+              <a:rPr lang="de-DE" smtClean="0"/>
+              <a:t>Martin Schneider, 6000513</a:t>
+            </a:r>
+            <a:endParaRPr lang="de-DE" dirty="0"/>
+          </a:p>
+        </p:txBody>
+      </p:sp>
+      <p:sp>
+        <p:nvSpPr>
+          <p:cNvPr id="6" name="Foliennummernplatzhalter 5"/>
+          <p:cNvSpPr>
+            <a:spLocks noGrp="1"/>
+          </p:cNvSpPr>
+          <p:nvPr>
+            <p:ph type="sldNum" sz="quarter" idx="12"/>
+          </p:nvPr>
+        </p:nvSpPr>
+        <p:spPr/>
+        <p:txBody>
+          <a:bodyPr/>
+          <a:lstStyle>
+            <a:extLst/>
+          </a:lstStyle>
+          <a:p>
             <a:fld id="{166D15F3-9A1A-4AEC-BA89-32D146ECA64D}" type="slidenum">
               <a:rPr lang="de-DE" smtClean="0"/>
               <a:t>‹Nr.›</a:t>
@@ -2104,43 +2375,67 @@
       </p:sp>
       <p:sp>
         <p:nvSpPr>
-          <p:cNvPr id="10" name="Rechteck 9"/>
+          <p:cNvPr id="7" name="Eingekerbter Richtungspfeil 6"/>
           <p:cNvSpPr/>
           <p:nvPr/>
         </p:nvSpPr>
-        <p:spPr bwMode="invGray">
+        <p:spPr>
           <a:xfrm>
-            <a:off x="2286000" y="0"/>
-            <a:ext cx="76200" cy="6858054"/>
+            <a:off x="3636680" y="3005472"/>
+            <a:ext cx="182880" cy="228600"/>
           </a:xfrm>
-          <a:prstGeom prst="rect">
-            <a:avLst/>
+          <a:prstGeom prst="chevron">
+            <a:avLst>
+              <a:gd name="adj" fmla="val 50000"/>
+            </a:avLst>
           </a:prstGeom>
-          <a:solidFill>
-            <a:schemeClr val="bg1"/>
-          </a:solidFill>
-          <a:ln w="25400" cap="rnd" cmpd="sng" algn="ctr">
-            <a:noFill/>
+          <a:gradFill flip="none" rotWithShape="1">
+            <a:gsLst>
+              <a:gs pos="0">
+                <a:schemeClr val="accent1">
+                  <a:shade val="60000"/>
+                  <a:satMod val="125000"/>
+                </a:schemeClr>
+              </a:gs>
+              <a:gs pos="72000">
+                <a:schemeClr val="accent1">
+                  <a:tint val="90000"/>
+                  <a:satMod val="138000"/>
+                </a:schemeClr>
+              </a:gs>
+              <a:gs pos="100000">
+                <a:schemeClr val="accent1">
+                  <a:tint val="76000"/>
+                  <a:satMod val="136000"/>
+                </a:schemeClr>
+              </a:gs>
+            </a:gsLst>
+            <a:lin ang="16200000" scaled="0"/>
+          </a:gradFill>
+          <a:ln w="3175" cap="rnd" cmpd="sng" algn="ctr">
+            <a:solidFill>
+              <a:schemeClr val="accent1">
+                <a:shade val="50000"/>
+              </a:schemeClr>
+            </a:solidFill>
             <a:prstDash val="solid"/>
           </a:ln>
           <a:effectLst>
-            <a:outerShdw blurRad="38550" dist="38000" dir="10800000" algn="tl" rotWithShape="0">
-              <a:schemeClr val="bg2">
-                <a:shade val="20000"/>
-                <a:satMod val="110000"/>
-                <a:alpha val="25000"/>
-              </a:schemeClr>
+            <a:outerShdw blurRad="50800" dist="25400" dir="5400000">
+              <a:srgbClr val="000000">
+                <a:alpha val="46000"/>
+              </a:srgbClr>
             </a:outerShdw>
           </a:effectLst>
         </p:spPr>
         <p:style>
-          <a:lnRef idx="3">
-            <a:schemeClr val="lt1"/>
+          <a:lnRef idx="1">
+            <a:schemeClr val="accent1"/>
           </a:lnRef>
-          <a:fillRef idx="1">
+          <a:fillRef idx="3">
             <a:schemeClr val="accent1"/>
           </a:fillRef>
-          <a:effectRef idx="1">
+          <a:effectRef idx="2">
             <a:schemeClr val="accent1"/>
           </a:effectRef>
           <a:fontRef idx="minor">
@@ -2153,85 +2448,78 @@
             <a:extLst/>
           </a:lstStyle>
           <a:p>
-            <a:pPr algn="ctr" eaLnBrk="1" latinLnBrk="0" hangingPunct="1"/>
+            <a:pPr algn="l" eaLnBrk="1" latinLnBrk="0" hangingPunct="1"/>
             <a:endParaRPr kumimoji="0" lang="en-US"/>
           </a:p>
         </p:txBody>
       </p:sp>
       <p:sp>
         <p:nvSpPr>
-          <p:cNvPr id="8" name="Ellipse 7"/>
+          <p:cNvPr id="8" name="Eingekerbter Richtungspfeil 7"/>
           <p:cNvSpPr/>
           <p:nvPr/>
         </p:nvSpPr>
         <p:spPr>
           <a:xfrm>
-            <a:off x="2172321" y="2814656"/>
-            <a:ext cx="210312" cy="210312"/>
+            <a:off x="3450264" y="3005472"/>
+            <a:ext cx="182880" cy="228600"/>
           </a:xfrm>
-          <a:prstGeom prst="ellipse">
-            <a:avLst/>
+          <a:prstGeom prst="chevron">
+            <a:avLst>
+              <a:gd name="adj" fmla="val 50000"/>
+            </a:avLst>
           </a:prstGeom>
-          <a:gradFill rotWithShape="1">
+          <a:gradFill flip="none" rotWithShape="1">
             <a:gsLst>
               <a:gs pos="0">
                 <a:schemeClr val="accent1">
-                  <a:tint val="20000"/>
-                  <a:satMod val="450000"/>
-                  <a:alpha val="95000"/>
+                  <a:shade val="60000"/>
+                  <a:satMod val="125000"/>
                 </a:schemeClr>
               </a:gs>
-              <a:gs pos="50000">
+              <a:gs pos="72000">
                 <a:schemeClr val="accent1">
-                  <a:tint val="38000"/>
-                  <a:satMod val="250000"/>
-                  <a:alpha val="90000"/>
-                </a:schemeClr>
-              </a:gs>
-              <a:gs pos="95000">
-                <a:schemeClr val="accent1">
-                  <a:tint val="75000"/>
-                  <a:satMod val="255000"/>
-                  <a:alpha val="88000"/>
+                  <a:tint val="90000"/>
+                  <a:satMod val="138000"/>
                 </a:schemeClr>
               </a:gs>
               <a:gs pos="100000">
                 <a:schemeClr val="accent1">
-                  <a:tint val="100000"/>
-                  <a:shade val="90000"/>
-                  <a:satMod val="255000"/>
-                  <a:alpha val="85000"/>
+                  <a:tint val="76000"/>
+                  <a:satMod val="136000"/>
                 </a:schemeClr>
               </a:gs>
             </a:gsLst>
-            <a:path path="circle">
-              <a:fillToRect l="25000" t="12500" r="75000" b="87500"/>
-            </a:path>
+            <a:lin ang="16200000" scaled="0"/>
           </a:gradFill>
-          <a:ln w="2000" cap="rnd" cmpd="sng" algn="ctr">
+          <a:ln w="3175" cap="rnd" cmpd="sng" algn="ctr">
             <a:solidFill>
               <a:schemeClr val="accent1">
-                <a:shade val="90000"/>
-                <a:satMod val="110000"/>
-                <a:alpha val="60000"/>
+                <a:shade val="50000"/>
               </a:schemeClr>
             </a:solidFill>
             <a:prstDash val="solid"/>
           </a:ln>
-          <a:effectLst/>
+          <a:effectLst>
+            <a:outerShdw blurRad="50800" dist="25400" dir="5400000">
+              <a:srgbClr val="000000">
+                <a:alpha val="46000"/>
+              </a:srgbClr>
+            </a:outerShdw>
+          </a:effectLst>
         </p:spPr>
         <p:style>
           <a:lnRef idx="1">
             <a:schemeClr val="accent1"/>
           </a:lnRef>
-          <a:fillRef idx="2">
+          <a:fillRef idx="3">
             <a:schemeClr val="accent1"/>
           </a:fillRef>
-          <a:effectRef idx="1">
+          <a:effectRef idx="2">
             <a:schemeClr val="accent1"/>
           </a:effectRef>
           <a:fontRef idx="minor">
-            <a:schemeClr val="dk1"/>
+            <a:schemeClr val="lt1"/>
           </a:fontRef>
         </p:style>
         <p:txBody>
@@ -2240,110 +2528,15 @@
             <a:extLst/>
           </a:lstStyle>
           <a:p>
-            <a:pPr algn="ctr" eaLnBrk="1" latinLnBrk="0" hangingPunct="1"/>
+            <a:pPr algn="l" eaLnBrk="1" latinLnBrk="0" hangingPunct="1"/>
             <a:endParaRPr kumimoji="0" lang="en-US"/>
-          </a:p>
-        </p:txBody>
-      </p:sp>
-      <p:sp>
-        <p:nvSpPr>
-          <p:cNvPr id="9" name="Ellipse 8"/>
-          <p:cNvSpPr/>
-          <p:nvPr/>
-        </p:nvSpPr>
-        <p:spPr>
-          <a:xfrm>
-            <a:off x="2408064" y="2745870"/>
-            <a:ext cx="64008" cy="64008"/>
-          </a:xfrm>
-          <a:prstGeom prst="ellipse">
-            <a:avLst/>
-          </a:prstGeom>
-          <a:noFill/>
-          <a:ln w="12700" cap="rnd" cmpd="sng" algn="ctr">
-            <a:solidFill>
-              <a:schemeClr val="accent1">
-                <a:shade val="75000"/>
-                <a:alpha val="60000"/>
-              </a:schemeClr>
-            </a:solidFill>
-            <a:prstDash val="solid"/>
-          </a:ln>
-          <a:effectLst/>
-        </p:spPr>
-        <p:style>
-          <a:lnRef idx="1">
-            <a:schemeClr val="accent1"/>
-          </a:lnRef>
-          <a:fillRef idx="2">
-            <a:schemeClr val="accent1"/>
-          </a:fillRef>
-          <a:effectRef idx="1">
-            <a:schemeClr val="accent1"/>
-          </a:effectRef>
-          <a:fontRef idx="minor">
-            <a:schemeClr val="dk1"/>
-          </a:fontRef>
-        </p:style>
-        <p:txBody>
-          <a:bodyPr anchor="ctr"/>
-          <a:lstStyle>
-            <a:extLst/>
-          </a:lstStyle>
-          <a:p>
-            <a:pPr algn="ctr" eaLnBrk="1" latinLnBrk="0" hangingPunct="1"/>
-            <a:endParaRPr kumimoji="0" lang="en-US"/>
-          </a:p>
-        </p:txBody>
-      </p:sp>
-      <p:sp>
-        <p:nvSpPr>
-          <p:cNvPr id="11" name="Fußzeilenplatzhalter 9"/>
-          <p:cNvSpPr>
-            <a:spLocks noGrp="1"/>
-          </p:cNvSpPr>
-          <p:nvPr>
-            <p:ph type="ftr" sz="quarter" idx="3"/>
-          </p:nvPr>
-        </p:nvSpPr>
-        <p:spPr>
-          <a:xfrm>
-            <a:off x="5796136" y="44624"/>
-            <a:ext cx="2880320" cy="380720"/>
-          </a:xfrm>
-          <a:prstGeom prst="rect">
-            <a:avLst/>
-          </a:prstGeom>
-        </p:spPr>
-        <p:txBody>
-          <a:bodyPr anchor="b"/>
-          <a:lstStyle>
-            <a:lvl1pPr eaLnBrk="1" latinLnBrk="0" hangingPunct="1">
-              <a:defRPr kumimoji="0" sz="1600">
-                <a:solidFill>
-                  <a:schemeClr val="bg2">
-                    <a:shade val="50000"/>
-                    <a:satMod val="200000"/>
-                  </a:schemeClr>
-                </a:solidFill>
-                <a:effectLst/>
-              </a:defRPr>
-            </a:lvl1pPr>
-            <a:extLst/>
-          </a:lstStyle>
-          <a:p>
-            <a:r>
-              <a:rPr lang="de-DE" dirty="0" smtClean="0"/>
-              <a:t>Martin Schneider, 6000513</a:t>
-            </a:r>
-            <a:endParaRPr lang="de-DE" dirty="0"/>
           </a:p>
         </p:txBody>
       </p:sp>
     </p:spTree>
   </p:cSld>
   <p:clrMapOvr>
-    <a:masterClrMapping/>
+    <a:overrideClrMapping bg1="dk1" tx1="lt1" bg2="dk2" tx2="lt2" accent1="accent1" accent2="accent2" accent3="accent3" accent4="accent4" accent5="accent5" accent6="accent6" hlink="hlink" folHlink="folHlink"/>
   </p:clrMapOvr>
 </p:sldLayout>
 </file>
@@ -2351,6 +2544,11 @@
 <file path=ppt/slideLayouts/slideLayout4.xml><?xml version="1.0" encoding="utf-8"?>
 <p:sldLayout xmlns:a="http://schemas.openxmlformats.org/drawingml/2006/main" xmlns:r="http://schemas.openxmlformats.org/officeDocument/2006/relationships" xmlns:p="http://schemas.openxmlformats.org/presentationml/2006/main" type="twoObj" preserve="1">
   <p:cSld name="Zwei Inhalte">
+    <p:bg>
+      <p:bgRef idx="1002">
+        <a:schemeClr val="bg1"/>
+      </p:bgRef>
+    </p:bg>
     <p:spTree>
       <p:nvGrpSpPr>
         <p:cNvPr id="1" name=""/>
@@ -2367,48 +2565,18 @@
       </p:grpSpPr>
       <p:sp>
         <p:nvSpPr>
-          <p:cNvPr id="2" name="Titel 1"/>
-          <p:cNvSpPr>
-            <a:spLocks noGrp="1"/>
-          </p:cNvSpPr>
-          <p:nvPr>
-            <p:ph type="title"/>
+          <p:cNvPr id="3" name="Inhaltsplatzhalter 2"/>
+          <p:cNvSpPr>
+            <a:spLocks noGrp="1"/>
+          </p:cNvSpPr>
+          <p:nvPr>
+            <p:ph sz="half" idx="1"/>
           </p:nvPr>
         </p:nvSpPr>
         <p:spPr>
           <a:xfrm>
-            <a:off x="1435608" y="274320"/>
-            <a:ext cx="7498080" cy="1143000"/>
-          </a:xfrm>
-        </p:spPr>
-        <p:txBody>
-          <a:bodyPr/>
-          <a:lstStyle>
-            <a:extLst/>
-          </a:lstStyle>
-          <a:p>
-            <a:r>
-              <a:rPr kumimoji="0" lang="de-DE" smtClean="0"/>
-              <a:t>Titelmasterformat durch Klicken bearbeiten</a:t>
-            </a:r>
-            <a:endParaRPr kumimoji="0" lang="en-US"/>
-          </a:p>
-        </p:txBody>
-      </p:sp>
-      <p:sp>
-        <p:nvSpPr>
-          <p:cNvPr id="3" name="Inhaltsplatzhalter 2"/>
-          <p:cNvSpPr>
-            <a:spLocks noGrp="1"/>
-          </p:cNvSpPr>
-          <p:nvPr>
-            <p:ph sz="half" idx="1"/>
-          </p:nvPr>
-        </p:nvSpPr>
-        <p:spPr>
-          <a:xfrm>
-            <a:off x="1435608" y="1524000"/>
-            <a:ext cx="3657600" cy="4663440"/>
+            <a:off x="457200" y="1481328"/>
+            <a:ext cx="4038600" cy="4525963"/>
           </a:xfrm>
         </p:spPr>
         <p:txBody>
@@ -2481,8 +2649,8 @@
         </p:nvSpPr>
         <p:spPr>
           <a:xfrm>
-            <a:off x="5276088" y="1524000"/>
-            <a:ext cx="3657600" cy="4663440"/>
+            <a:off x="4648200" y="1481328"/>
+            <a:ext cx="4038600" cy="4525963"/>
           </a:xfrm>
         </p:spPr>
         <p:txBody>
@@ -2570,12 +2738,12 @@
       </p:sp>
       <p:sp>
         <p:nvSpPr>
-          <p:cNvPr id="7" name="Foliennummernplatzhalter 6"/>
-          <p:cNvSpPr>
-            <a:spLocks noGrp="1"/>
-          </p:cNvSpPr>
-          <p:nvPr>
-            <p:ph type="sldNum" sz="quarter" idx="12"/>
+          <p:cNvPr id="6" name="Fußzeilenplatzhalter 5"/>
+          <p:cNvSpPr>
+            <a:spLocks noGrp="1"/>
+          </p:cNvSpPr>
+          <p:nvPr>
+            <p:ph type="ftr" sz="quarter" idx="11"/>
           </p:nvPr>
         </p:nvSpPr>
         <p:spPr/>
@@ -2585,6 +2753,31 @@
             <a:extLst/>
           </a:lstStyle>
           <a:p>
+            <a:r>
+              <a:rPr lang="de-DE" smtClean="0"/>
+              <a:t>Martin Schneider, 6000513</a:t>
+            </a:r>
+            <a:endParaRPr lang="de-DE" dirty="0"/>
+          </a:p>
+        </p:txBody>
+      </p:sp>
+      <p:sp>
+        <p:nvSpPr>
+          <p:cNvPr id="7" name="Foliennummernplatzhalter 6"/>
+          <p:cNvSpPr>
+            <a:spLocks noGrp="1"/>
+          </p:cNvSpPr>
+          <p:nvPr>
+            <p:ph type="sldNum" sz="quarter" idx="12"/>
+          </p:nvPr>
+        </p:nvSpPr>
+        <p:spPr/>
+        <p:txBody>
+          <a:bodyPr/>
+          <a:lstStyle>
+            <a:extLst/>
+          </a:lstStyle>
+          <a:p>
             <a:fld id="{166D15F3-9A1A-4AEC-BA89-32D146ECA64D}" type="slidenum">
               <a:rPr lang="de-DE" smtClean="0"/>
               <a:t>‹Nr.›</a:t>
@@ -2595,52 +2788,33 @@
       </p:sp>
       <p:sp>
         <p:nvSpPr>
-          <p:cNvPr id="8" name="Fußzeilenplatzhalter 9"/>
-          <p:cNvSpPr>
-            <a:spLocks noGrp="1"/>
-          </p:cNvSpPr>
-          <p:nvPr>
-            <p:ph type="ftr" sz="quarter" idx="3"/>
-          </p:nvPr>
-        </p:nvSpPr>
-        <p:spPr>
-          <a:xfrm>
-            <a:off x="5796136" y="44624"/>
-            <a:ext cx="2880320" cy="380720"/>
-          </a:xfrm>
-          <a:prstGeom prst="rect">
-            <a:avLst/>
-          </a:prstGeom>
-        </p:spPr>
-        <p:txBody>
-          <a:bodyPr anchor="b"/>
+          <p:cNvPr id="8" name="Titel 7"/>
+          <p:cNvSpPr>
+            <a:spLocks noGrp="1"/>
+          </p:cNvSpPr>
+          <p:nvPr>
+            <p:ph type="title"/>
+          </p:nvPr>
+        </p:nvSpPr>
+        <p:spPr/>
+        <p:txBody>
+          <a:bodyPr rtlCol="0"/>
           <a:lstStyle>
-            <a:lvl1pPr eaLnBrk="1" latinLnBrk="0" hangingPunct="1">
-              <a:defRPr kumimoji="0" sz="1600">
-                <a:solidFill>
-                  <a:schemeClr val="bg2">
-                    <a:shade val="50000"/>
-                    <a:satMod val="200000"/>
-                  </a:schemeClr>
-                </a:solidFill>
-                <a:effectLst/>
-              </a:defRPr>
-            </a:lvl1pPr>
             <a:extLst/>
           </a:lstStyle>
           <a:p>
             <a:r>
-              <a:rPr lang="de-DE" dirty="0" smtClean="0"/>
-              <a:t>Martin Schneider, 6000513</a:t>
-            </a:r>
-            <a:endParaRPr lang="de-DE" dirty="0"/>
+              <a:rPr kumimoji="0" lang="de-DE" smtClean="0"/>
+              <a:t>Titelmasterformat durch Klicken bearbeiten</a:t>
+            </a:r>
+            <a:endParaRPr kumimoji="0" lang="en-US"/>
           </a:p>
         </p:txBody>
       </p:sp>
     </p:spTree>
   </p:cSld>
   <p:clrMapOvr>
-    <a:masterClrMapping/>
+    <a:overrideClrMapping bg1="dk1" tx1="lt1" bg2="dk2" tx2="lt2" accent1="accent1" accent2="accent2" accent3="accent3" accent4="accent4" accent5="accent5" accent6="accent6" hlink="hlink" folHlink="folHlink"/>
   </p:clrMapOvr>
 </p:sldLayout>
 </file>
@@ -2648,6 +2822,11 @@
 <file path=ppt/slideLayouts/slideLayout5.xml><?xml version="1.0" encoding="utf-8"?>
 <p:sldLayout xmlns:a="http://schemas.openxmlformats.org/drawingml/2006/main" xmlns:r="http://schemas.openxmlformats.org/officeDocument/2006/relationships" xmlns:p="http://schemas.openxmlformats.org/presentationml/2006/main" showMasterSp="0" type="twoTxTwoObj" preserve="1">
   <p:cSld name="Vergleich">
+    <p:bg>
+      <p:bgRef idx="1003">
+        <a:schemeClr val="bg1"/>
+      </p:bgRef>
+    </p:bg>
     <p:spTree>
       <p:nvGrpSpPr>
         <p:cNvPr id="1" name=""/>
@@ -2674,15 +2853,15 @@
         </p:nvSpPr>
         <p:spPr>
           <a:xfrm>
-            <a:off x="457200" y="5160336"/>
+            <a:off x="457200" y="273050"/>
             <a:ext cx="8229600" cy="1143000"/>
           </a:xfrm>
         </p:spPr>
         <p:txBody>
           <a:bodyPr anchor="ctr"/>
           <a:lstStyle>
-            <a:lvl1pPr algn="ctr">
-              <a:defRPr sz="4500" b="1" cap="none" baseline="0"/>
+            <a:lvl1pPr>
+              <a:defRPr/>
             </a:lvl1pPr>
             <a:extLst/>
           </a:lstStyle>
@@ -2707,33 +2886,27 @@
         </p:nvSpPr>
         <p:spPr>
           <a:xfrm>
-            <a:off x="457200" y="328278"/>
-            <a:ext cx="4023360" cy="640080"/>
+            <a:off x="457200" y="5410200"/>
+            <a:ext cx="4040188" cy="762000"/>
           </a:xfrm>
           <a:solidFill>
-            <a:schemeClr val="bg1"/>
+            <a:schemeClr val="accent1"/>
           </a:solidFill>
-          <a:ln w="10795">
+          <a:ln w="9652">
             <a:solidFill>
-              <a:schemeClr val="bg1"/>
+              <a:schemeClr val="accent1"/>
             </a:solidFill>
             <a:miter lim="800000"/>
           </a:ln>
         </p:spPr>
         <p:txBody>
-          <a:bodyPr anchor="ctr"/>
+          <a:bodyPr lIns="182880" anchor="ctr"/>
           <a:lstStyle>
-            <a:lvl1pPr marL="64008" indent="0" algn="l">
-              <a:lnSpc>
-                <a:spcPct val="100000"/>
-              </a:lnSpc>
-              <a:spcBef>
-                <a:spcPts val="100"/>
-              </a:spcBef>
+            <a:lvl1pPr marL="0" indent="0">
               <a:buNone/>
-              <a:defRPr sz="1900" b="0">
+              <a:defRPr sz="2400" b="0">
                 <a:solidFill>
-                  <a:schemeClr val="tx1"/>
+                  <a:schemeClr val="bg1"/>
                 </a:solidFill>
               </a:defRPr>
             </a:lvl1pPr>
@@ -2776,33 +2949,27 @@
         </p:nvSpPr>
         <p:spPr>
           <a:xfrm>
-            <a:off x="4663440" y="328278"/>
-            <a:ext cx="4023360" cy="640080"/>
+            <a:off x="4645026" y="5410200"/>
+            <a:ext cx="4041775" cy="762000"/>
           </a:xfrm>
           <a:solidFill>
-            <a:schemeClr val="bg1"/>
+            <a:schemeClr val="accent1"/>
           </a:solidFill>
-          <a:ln w="10795">
+          <a:ln w="9652">
             <a:solidFill>
-              <a:schemeClr val="bg1"/>
+              <a:schemeClr val="accent1"/>
             </a:solidFill>
             <a:miter lim="800000"/>
           </a:ln>
         </p:spPr>
         <p:txBody>
-          <a:bodyPr anchor="ctr"/>
+          <a:bodyPr lIns="182880" anchor="ctr"/>
           <a:lstStyle>
-            <a:lvl1pPr marL="64008" indent="0" algn="l">
-              <a:lnSpc>
-                <a:spcPct val="100000"/>
-              </a:lnSpc>
-              <a:spcBef>
-                <a:spcPts val="100"/>
-              </a:spcBef>
+            <a:lvl1pPr marL="0" indent="0">
               <a:buNone/>
-              <a:defRPr sz="1900" b="0">
+              <a:defRPr sz="2400" b="0">
                 <a:solidFill>
-                  <a:schemeClr val="tx1"/>
+                  <a:schemeClr val="bg1"/>
                 </a:solidFill>
               </a:defRPr>
             </a:lvl1pPr>
@@ -2845,63 +3012,113 @@
         </p:nvSpPr>
         <p:spPr>
           <a:xfrm>
-            <a:off x="457200" y="969336"/>
-            <a:ext cx="4023360" cy="4114800"/>
+            <a:off x="457200" y="1444294"/>
+            <a:ext cx="4040188" cy="3941763"/>
           </a:xfrm>
-          <a:ln w="10795">
-            <a:solidFill>
-              <a:schemeClr val="bg1"/>
-            </a:solidFill>
-            <a:prstDash val="dash"/>
+          <a:ln>
+            <a:noFill/>
+            <a:prstDash val="sysDash"/>
             <a:miter lim="800000"/>
           </a:ln>
         </p:spPr>
         <p:txBody>
           <a:bodyPr/>
           <a:lstStyle>
-            <a:lvl1pPr marL="393192" indent="-274320">
-              <a:lnSpc>
-                <a:spcPct val="100000"/>
-              </a:lnSpc>
+            <a:lvl1pPr>
+              <a:defRPr sz="2400"/>
+            </a:lvl1pPr>
+            <a:lvl2pPr>
+              <a:defRPr sz="2000"/>
+            </a:lvl2pPr>
+            <a:lvl3pPr>
+              <a:defRPr sz="1800"/>
+            </a:lvl3pPr>
+            <a:lvl4pPr>
+              <a:defRPr sz="1600"/>
+            </a:lvl4pPr>
+            <a:lvl5pPr>
+              <a:defRPr sz="1600"/>
+            </a:lvl5pPr>
+            <a:extLst/>
+          </a:lstStyle>
+          <a:p>
+            <a:pPr lvl="0" eaLnBrk="1" latinLnBrk="0" hangingPunct="1"/>
+            <a:r>
+              <a:rPr lang="de-DE" smtClean="0"/>
+              <a:t>Textmasterformat bearbeiten</a:t>
+            </a:r>
+          </a:p>
+          <a:p>
+            <a:pPr lvl="1" eaLnBrk="1" latinLnBrk="0" hangingPunct="1"/>
+            <a:r>
+              <a:rPr lang="de-DE" smtClean="0"/>
+              <a:t>Zweite Ebene</a:t>
+            </a:r>
+          </a:p>
+          <a:p>
+            <a:pPr lvl="2" eaLnBrk="1" latinLnBrk="0" hangingPunct="1"/>
+            <a:r>
+              <a:rPr lang="de-DE" smtClean="0"/>
+              <a:t>Dritte Ebene</a:t>
+            </a:r>
+          </a:p>
+          <a:p>
+            <a:pPr lvl="3" eaLnBrk="1" latinLnBrk="0" hangingPunct="1"/>
+            <a:r>
+              <a:rPr lang="de-DE" smtClean="0"/>
+              <a:t>Vierte Ebene</a:t>
+            </a:r>
+          </a:p>
+          <a:p>
+            <a:pPr lvl="4" eaLnBrk="1" latinLnBrk="0" hangingPunct="1"/>
+            <a:r>
+              <a:rPr lang="de-DE" smtClean="0"/>
+              <a:t>Fünfte Ebene</a:t>
+            </a:r>
+            <a:endParaRPr kumimoji="0" lang="en-US"/>
+          </a:p>
+        </p:txBody>
+      </p:sp>
+      <p:sp>
+        <p:nvSpPr>
+          <p:cNvPr id="6" name="Inhaltsplatzhalter 5"/>
+          <p:cNvSpPr>
+            <a:spLocks noGrp="1"/>
+          </p:cNvSpPr>
+          <p:nvPr>
+            <p:ph sz="quarter" idx="4"/>
+          </p:nvPr>
+        </p:nvSpPr>
+        <p:spPr>
+          <a:xfrm>
+            <a:off x="4645025" y="1444294"/>
+            <a:ext cx="4041775" cy="3941763"/>
+          </a:xfrm>
+          <a:ln>
+            <a:noFill/>
+            <a:prstDash val="sysDash"/>
+            <a:miter lim="800000"/>
+          </a:ln>
+        </p:spPr>
+        <p:txBody>
+          <a:bodyPr/>
+          <a:lstStyle>
+            <a:lvl1pPr>
               <a:spcBef>
-                <a:spcPts val="700"/>
+                <a:spcPts val="0"/>
               </a:spcBef>
               <a:defRPr sz="2400"/>
             </a:lvl1pPr>
             <a:lvl2pPr>
-              <a:lnSpc>
-                <a:spcPct val="100000"/>
-              </a:lnSpc>
-              <a:spcBef>
-                <a:spcPts val="700"/>
-              </a:spcBef>
               <a:defRPr sz="2000"/>
             </a:lvl2pPr>
             <a:lvl3pPr>
-              <a:lnSpc>
-                <a:spcPct val="100000"/>
-              </a:lnSpc>
-              <a:spcBef>
-                <a:spcPts val="700"/>
-              </a:spcBef>
               <a:defRPr sz="1800"/>
             </a:lvl3pPr>
             <a:lvl4pPr>
-              <a:lnSpc>
-                <a:spcPct val="100000"/>
-              </a:lnSpc>
-              <a:spcBef>
-                <a:spcPts val="700"/>
-              </a:spcBef>
               <a:defRPr sz="1600"/>
             </a:lvl4pPr>
             <a:lvl5pPr>
-              <a:lnSpc>
-                <a:spcPct val="100000"/>
-              </a:lnSpc>
-              <a:spcBef>
-                <a:spcPts val="700"/>
-              </a:spcBef>
               <a:defRPr sz="1600"/>
             </a:lvl5pPr>
             <a:extLst/>
@@ -2946,117 +3163,6 @@
       </p:sp>
       <p:sp>
         <p:nvSpPr>
-          <p:cNvPr id="6" name="Inhaltsplatzhalter 5"/>
-          <p:cNvSpPr>
-            <a:spLocks noGrp="1"/>
-          </p:cNvSpPr>
-          <p:nvPr>
-            <p:ph sz="quarter" idx="4"/>
-          </p:nvPr>
-        </p:nvSpPr>
-        <p:spPr>
-          <a:xfrm>
-            <a:off x="4663440" y="969336"/>
-            <a:ext cx="4023360" cy="4114800"/>
-          </a:xfrm>
-          <a:ln w="10795">
-            <a:solidFill>
-              <a:schemeClr val="bg1"/>
-            </a:solidFill>
-            <a:prstDash val="dash"/>
-            <a:miter lim="800000"/>
-          </a:ln>
-        </p:spPr>
-        <p:txBody>
-          <a:bodyPr/>
-          <a:lstStyle>
-            <a:lvl1pPr marL="393192" indent="-274320">
-              <a:lnSpc>
-                <a:spcPct val="100000"/>
-              </a:lnSpc>
-              <a:spcBef>
-                <a:spcPts val="700"/>
-              </a:spcBef>
-              <a:defRPr sz="2400"/>
-            </a:lvl1pPr>
-            <a:lvl2pPr>
-              <a:lnSpc>
-                <a:spcPct val="100000"/>
-              </a:lnSpc>
-              <a:spcBef>
-                <a:spcPts val="700"/>
-              </a:spcBef>
-              <a:defRPr sz="2000"/>
-            </a:lvl2pPr>
-            <a:lvl3pPr>
-              <a:lnSpc>
-                <a:spcPct val="100000"/>
-              </a:lnSpc>
-              <a:spcBef>
-                <a:spcPts val="700"/>
-              </a:spcBef>
-              <a:defRPr sz="1800"/>
-            </a:lvl3pPr>
-            <a:lvl4pPr>
-              <a:lnSpc>
-                <a:spcPct val="100000"/>
-              </a:lnSpc>
-              <a:spcBef>
-                <a:spcPts val="700"/>
-              </a:spcBef>
-              <a:defRPr sz="1600"/>
-            </a:lvl4pPr>
-            <a:lvl5pPr>
-              <a:lnSpc>
-                <a:spcPct val="100000"/>
-              </a:lnSpc>
-              <a:spcBef>
-                <a:spcPts val="700"/>
-              </a:spcBef>
-              <a:defRPr sz="1600"/>
-            </a:lvl5pPr>
-            <a:extLst/>
-          </a:lstStyle>
-          <a:p>
-            <a:pPr lvl="0" eaLnBrk="1" latinLnBrk="0" hangingPunct="1"/>
-            <a:r>
-              <a:rPr lang="de-DE" smtClean="0"/>
-              <a:t>Textmasterformat bearbeiten</a:t>
-            </a:r>
-          </a:p>
-          <a:p>
-            <a:pPr lvl="1" eaLnBrk="1" latinLnBrk="0" hangingPunct="1"/>
-            <a:r>
-              <a:rPr lang="de-DE" smtClean="0"/>
-              <a:t>Zweite Ebene</a:t>
-            </a:r>
-          </a:p>
-          <a:p>
-            <a:pPr lvl="2" eaLnBrk="1" latinLnBrk="0" hangingPunct="1"/>
-            <a:r>
-              <a:rPr lang="de-DE" smtClean="0"/>
-              <a:t>Dritte Ebene</a:t>
-            </a:r>
-          </a:p>
-          <a:p>
-            <a:pPr lvl="3" eaLnBrk="1" latinLnBrk="0" hangingPunct="1"/>
-            <a:r>
-              <a:rPr lang="de-DE" smtClean="0"/>
-              <a:t>Vierte Ebene</a:t>
-            </a:r>
-          </a:p>
-          <a:p>
-            <a:pPr lvl="4" eaLnBrk="1" latinLnBrk="0" hangingPunct="1"/>
-            <a:r>
-              <a:rPr lang="de-DE" smtClean="0"/>
-              <a:t>Fünfte Ebene</a:t>
-            </a:r>
-            <a:endParaRPr kumimoji="0" lang="en-US"/>
-          </a:p>
-        </p:txBody>
-      </p:sp>
-      <p:sp>
-        <p:nvSpPr>
           <p:cNvPr id="7" name="Datumsplatzhalter 6"/>
           <p:cNvSpPr>
             <a:spLocks noGrp="1"/>
@@ -3133,7 +3239,7 @@
     </p:spTree>
   </p:cSld>
   <p:clrMapOvr>
-    <a:masterClrMapping/>
+    <a:overrideClrMapping bg1="lt1" tx1="dk1" bg2="lt2" tx2="dk2" accent1="accent1" accent2="accent2" accent3="accent3" accent4="accent4" accent5="accent5" accent6="accent6" hlink="hlink" folHlink="folHlink"/>
   </p:clrMapOvr>
 </p:sldLayout>
 </file>
@@ -3141,6 +3247,11 @@
 <file path=ppt/slideLayouts/slideLayout6.xml><?xml version="1.0" encoding="utf-8"?>
 <p:sldLayout xmlns:a="http://schemas.openxmlformats.org/drawingml/2006/main" xmlns:r="http://schemas.openxmlformats.org/officeDocument/2006/relationships" xmlns:p="http://schemas.openxmlformats.org/presentationml/2006/main" type="titleOnly" preserve="1">
   <p:cSld name="Nur Titel">
+    <p:bg>
+      <p:bgRef idx="1002">
+        <a:schemeClr val="bg1"/>
+      </p:bgRef>
+    </p:bg>
     <p:spTree>
       <p:nvGrpSpPr>
         <p:cNvPr id="1" name=""/>
@@ -3157,42 +3268,37 @@
       </p:grpSpPr>
       <p:sp>
         <p:nvSpPr>
-          <p:cNvPr id="2" name="Titel 1"/>
-          <p:cNvSpPr>
-            <a:spLocks noGrp="1"/>
-          </p:cNvSpPr>
-          <p:nvPr>
-            <p:ph type="title"/>
-          </p:nvPr>
-        </p:nvSpPr>
-        <p:spPr>
-          <a:xfrm>
-            <a:off x="1435608" y="274320"/>
-            <a:ext cx="7498080" cy="1143000"/>
-          </a:xfrm>
-        </p:spPr>
-        <p:txBody>
-          <a:bodyPr anchor="ctr"/>
+          <p:cNvPr id="3" name="Datumsplatzhalter 2"/>
+          <p:cNvSpPr>
+            <a:spLocks noGrp="1"/>
+          </p:cNvSpPr>
+          <p:nvPr>
+            <p:ph type="dt" sz="half" idx="10"/>
+          </p:nvPr>
+        </p:nvSpPr>
+        <p:spPr/>
+        <p:txBody>
+          <a:bodyPr/>
           <a:lstStyle>
             <a:extLst/>
           </a:lstStyle>
           <a:p>
             <a:r>
-              <a:rPr kumimoji="0" lang="de-DE" smtClean="0"/>
-              <a:t>Titelmasterformat durch Klicken bearbeiten</a:t>
-            </a:r>
-            <a:endParaRPr kumimoji="0" lang="en-US"/>
-          </a:p>
-        </p:txBody>
-      </p:sp>
-      <p:sp>
-        <p:nvSpPr>
-          <p:cNvPr id="3" name="Datumsplatzhalter 2"/>
-          <p:cNvSpPr>
-            <a:spLocks noGrp="1"/>
-          </p:cNvSpPr>
-          <p:nvPr>
-            <p:ph type="dt" sz="half" idx="10"/>
+              <a:rPr lang="de-DE" smtClean="0"/>
+              <a:t>28.11.2016</a:t>
+            </a:r>
+            <a:endParaRPr lang="de-DE"/>
+          </a:p>
+        </p:txBody>
+      </p:sp>
+      <p:sp>
+        <p:nvSpPr>
+          <p:cNvPr id="4" name="Fußzeilenplatzhalter 3"/>
+          <p:cNvSpPr>
+            <a:spLocks noGrp="1"/>
+          </p:cNvSpPr>
+          <p:nvPr>
+            <p:ph type="ftr" sz="quarter" idx="11"/>
           </p:nvPr>
         </p:nvSpPr>
         <p:spPr/>
@@ -3204,9 +3310,9 @@
           <a:p>
             <a:r>
               <a:rPr lang="de-DE" smtClean="0"/>
-              <a:t>28.11.2016</a:t>
-            </a:r>
-            <a:endParaRPr lang="de-DE"/>
+              <a:t>Martin Schneider, 6000513</a:t>
+            </a:r>
+            <a:endParaRPr lang="de-DE" dirty="0"/>
           </a:p>
         </p:txBody>
       </p:sp>
@@ -3237,58 +3343,39 @@
       </p:sp>
       <p:sp>
         <p:nvSpPr>
-          <p:cNvPr id="6" name="Fußzeilenplatzhalter 9"/>
-          <p:cNvSpPr>
-            <a:spLocks noGrp="1"/>
-          </p:cNvSpPr>
-          <p:nvPr>
-            <p:ph type="ftr" sz="quarter" idx="3"/>
-          </p:nvPr>
-        </p:nvSpPr>
-        <p:spPr>
-          <a:xfrm>
-            <a:off x="5796136" y="44624"/>
-            <a:ext cx="2880320" cy="380720"/>
-          </a:xfrm>
-          <a:prstGeom prst="rect">
-            <a:avLst/>
-          </a:prstGeom>
-        </p:spPr>
-        <p:txBody>
-          <a:bodyPr anchor="b"/>
+          <p:cNvPr id="6" name="Titel 5"/>
+          <p:cNvSpPr>
+            <a:spLocks noGrp="1"/>
+          </p:cNvSpPr>
+          <p:nvPr>
+            <p:ph type="title"/>
+          </p:nvPr>
+        </p:nvSpPr>
+        <p:spPr/>
+        <p:txBody>
+          <a:bodyPr rtlCol="0"/>
           <a:lstStyle>
-            <a:lvl1pPr eaLnBrk="1" latinLnBrk="0" hangingPunct="1">
-              <a:defRPr kumimoji="0" sz="1600">
-                <a:solidFill>
-                  <a:schemeClr val="bg2">
-                    <a:shade val="50000"/>
-                    <a:satMod val="200000"/>
-                  </a:schemeClr>
-                </a:solidFill>
-                <a:effectLst/>
-              </a:defRPr>
-            </a:lvl1pPr>
             <a:extLst/>
           </a:lstStyle>
           <a:p>
             <a:r>
-              <a:rPr lang="de-DE" dirty="0" smtClean="0"/>
-              <a:t>Martin Schneider, 6000513</a:t>
-            </a:r>
-            <a:endParaRPr lang="de-DE" dirty="0"/>
+              <a:rPr kumimoji="0" lang="de-DE" smtClean="0"/>
+              <a:t>Titelmasterformat durch Klicken bearbeiten</a:t>
+            </a:r>
+            <a:endParaRPr kumimoji="0" lang="en-US"/>
           </a:p>
         </p:txBody>
       </p:sp>
     </p:spTree>
   </p:cSld>
   <p:clrMapOvr>
-    <a:masterClrMapping/>
+    <a:overrideClrMapping bg1="dk1" tx1="lt1" bg2="dk2" tx2="lt2" accent1="accent1" accent2="accent2" accent3="accent3" accent4="accent4" accent5="accent5" accent6="accent6" hlink="hlink" folHlink="folHlink"/>
   </p:clrMapOvr>
 </p:sldLayout>
 </file>
 
 <file path=ppt/slideLayouts/slideLayout7.xml><?xml version="1.0" encoding="utf-8"?>
-<p:sldLayout xmlns:a="http://schemas.openxmlformats.org/drawingml/2006/main" xmlns:r="http://schemas.openxmlformats.org/officeDocument/2006/relationships" xmlns:p="http://schemas.openxmlformats.org/presentationml/2006/main" showMasterSp="0" type="blank" preserve="1">
+<p:sldLayout xmlns:a="http://schemas.openxmlformats.org/drawingml/2006/main" xmlns:r="http://schemas.openxmlformats.org/officeDocument/2006/relationships" xmlns:p="http://schemas.openxmlformats.org/presentationml/2006/main" type="blank" preserve="1">
   <p:cSld name="Leer">
     <p:spTree>
       <p:nvGrpSpPr>
@@ -3306,60 +3393,37 @@
       </p:grpSpPr>
       <p:sp>
         <p:nvSpPr>
-          <p:cNvPr id="5" name="Rechteck 4"/>
-          <p:cNvSpPr/>
-          <p:nvPr/>
-        </p:nvSpPr>
-        <p:spPr>
-          <a:xfrm>
-            <a:off x="1014984" y="0"/>
-            <a:ext cx="8129016" cy="6858000"/>
-          </a:xfrm>
-          <a:prstGeom prst="rect">
-            <a:avLst/>
-          </a:prstGeom>
-          <a:solidFill>
-            <a:schemeClr val="bg1"/>
-          </a:solidFill>
-          <a:ln w="25400" cap="rnd" cmpd="sng" algn="ctr">
-            <a:noFill/>
-            <a:prstDash val="solid"/>
-          </a:ln>
-          <a:effectLst/>
-        </p:spPr>
-        <p:style>
-          <a:lnRef idx="3">
-            <a:schemeClr val="lt1"/>
-          </a:lnRef>
-          <a:fillRef idx="1">
-            <a:schemeClr val="accent1"/>
-          </a:fillRef>
-          <a:effectRef idx="1">
-            <a:schemeClr val="accent1"/>
-          </a:effectRef>
-          <a:fontRef idx="minor">
-            <a:schemeClr val="lt1"/>
-          </a:fontRef>
-        </p:style>
-        <p:txBody>
-          <a:bodyPr anchor="ctr"/>
+          <p:cNvPr id="2" name="Datumsplatzhalter 1"/>
+          <p:cNvSpPr>
+            <a:spLocks noGrp="1"/>
+          </p:cNvSpPr>
+          <p:nvPr>
+            <p:ph type="dt" sz="half" idx="10"/>
+          </p:nvPr>
+        </p:nvSpPr>
+        <p:spPr/>
+        <p:txBody>
+          <a:bodyPr/>
           <a:lstStyle>
             <a:extLst/>
           </a:lstStyle>
           <a:p>
-            <a:pPr algn="ctr" eaLnBrk="1" latinLnBrk="0" hangingPunct="1"/>
-            <a:endParaRPr kumimoji="0" lang="en-US"/>
-          </a:p>
-        </p:txBody>
-      </p:sp>
-      <p:sp>
-        <p:nvSpPr>
-          <p:cNvPr id="2" name="Datumsplatzhalter 1"/>
-          <p:cNvSpPr>
-            <a:spLocks noGrp="1"/>
-          </p:cNvSpPr>
-          <p:nvPr>
-            <p:ph type="dt" sz="half" idx="10"/>
+            <a:r>
+              <a:rPr lang="de-DE" smtClean="0"/>
+              <a:t>28.11.2016</a:t>
+            </a:r>
+            <a:endParaRPr lang="de-DE"/>
+          </a:p>
+        </p:txBody>
+      </p:sp>
+      <p:sp>
+        <p:nvSpPr>
+          <p:cNvPr id="3" name="Fußzeilenplatzhalter 2"/>
+          <p:cNvSpPr>
+            <a:spLocks noGrp="1"/>
+          </p:cNvSpPr>
+          <p:nvPr>
+            <p:ph type="ftr" sz="quarter" idx="11"/>
           </p:nvPr>
         </p:nvSpPr>
         <p:spPr/>
@@ -3371,9 +3435,9 @@
           <a:p>
             <a:r>
               <a:rPr lang="de-DE" smtClean="0"/>
-              <a:t>28.11.2016</a:t>
-            </a:r>
-            <a:endParaRPr lang="de-DE"/>
+              <a:t>Martin Schneider, 6000513</a:t>
+            </a:r>
+            <a:endParaRPr lang="de-DE" dirty="0"/>
           </a:p>
         </p:txBody>
       </p:sp>
@@ -3399,106 +3463,6 @@
               <a:t>‹Nr.›</a:t>
             </a:fld>
             <a:endParaRPr lang="de-DE"/>
-          </a:p>
-        </p:txBody>
-      </p:sp>
-      <p:sp>
-        <p:nvSpPr>
-          <p:cNvPr id="6" name="Rechteck 5"/>
-          <p:cNvSpPr/>
-          <p:nvPr/>
-        </p:nvSpPr>
-        <p:spPr bwMode="invGray">
-          <a:xfrm>
-            <a:off x="1014984" y="-54"/>
-            <a:ext cx="73152" cy="6858054"/>
-          </a:xfrm>
-          <a:prstGeom prst="rect">
-            <a:avLst/>
-          </a:prstGeom>
-          <a:solidFill>
-            <a:schemeClr val="bg1"/>
-          </a:solidFill>
-          <a:ln w="25400" cap="rnd" cmpd="sng" algn="ctr">
-            <a:noFill/>
-            <a:prstDash val="solid"/>
-          </a:ln>
-          <a:effectLst>
-            <a:outerShdw blurRad="38550" dist="38000" dir="10800000" algn="tl" rotWithShape="0">
-              <a:schemeClr val="bg2">
-                <a:shade val="20000"/>
-                <a:satMod val="110000"/>
-                <a:alpha val="25000"/>
-              </a:schemeClr>
-            </a:outerShdw>
-          </a:effectLst>
-        </p:spPr>
-        <p:style>
-          <a:lnRef idx="3">
-            <a:schemeClr val="lt1"/>
-          </a:lnRef>
-          <a:fillRef idx="1">
-            <a:schemeClr val="accent1"/>
-          </a:fillRef>
-          <a:effectRef idx="1">
-            <a:schemeClr val="accent1"/>
-          </a:effectRef>
-          <a:fontRef idx="minor">
-            <a:schemeClr val="lt1"/>
-          </a:fontRef>
-        </p:style>
-        <p:txBody>
-          <a:bodyPr anchor="ctr"/>
-          <a:lstStyle>
-            <a:extLst/>
-          </a:lstStyle>
-          <a:p>
-            <a:pPr algn="ctr" eaLnBrk="1" latinLnBrk="0" hangingPunct="1"/>
-            <a:endParaRPr kumimoji="0" lang="en-US"/>
-          </a:p>
-        </p:txBody>
-      </p:sp>
-      <p:sp>
-        <p:nvSpPr>
-          <p:cNvPr id="7" name="Fußzeilenplatzhalter 9"/>
-          <p:cNvSpPr>
-            <a:spLocks noGrp="1"/>
-          </p:cNvSpPr>
-          <p:nvPr>
-            <p:ph type="ftr" sz="quarter" idx="3"/>
-          </p:nvPr>
-        </p:nvSpPr>
-        <p:spPr>
-          <a:xfrm>
-            <a:off x="5796136" y="44624"/>
-            <a:ext cx="2880320" cy="380720"/>
-          </a:xfrm>
-          <a:prstGeom prst="rect">
-            <a:avLst/>
-          </a:prstGeom>
-        </p:spPr>
-        <p:txBody>
-          <a:bodyPr anchor="b"/>
-          <a:lstStyle>
-            <a:lvl1pPr eaLnBrk="1" latinLnBrk="0" hangingPunct="1">
-              <a:defRPr kumimoji="0" sz="1600">
-                <a:solidFill>
-                  <a:schemeClr val="bg2">
-                    <a:shade val="50000"/>
-                    <a:satMod val="200000"/>
-                  </a:schemeClr>
-                </a:solidFill>
-                <a:effectLst/>
-              </a:defRPr>
-            </a:lvl1pPr>
-            <a:extLst/>
-          </a:lstStyle>
-          <a:p>
-            <a:r>
-              <a:rPr lang="de-DE" dirty="0" smtClean="0"/>
-              <a:t>Martin Schneider, 6000513</a:t>
-            </a:r>
-            <a:endParaRPr lang="de-DE" dirty="0"/>
           </a:p>
         </p:txBody>
       </p:sp>
@@ -3513,6 +3477,11 @@
 <file path=ppt/slideLayouts/slideLayout8.xml><?xml version="1.0" encoding="utf-8"?>
 <p:sldLayout xmlns:a="http://schemas.openxmlformats.org/drawingml/2006/main" xmlns:r="http://schemas.openxmlformats.org/officeDocument/2006/relationships" xmlns:p="http://schemas.openxmlformats.org/presentationml/2006/main" showMasterSp="0" type="objTx" preserve="1">
   <p:cSld name="Inhalt mit Überschrift">
+    <p:bg>
+      <p:bgRef idx="1003">
+        <a:schemeClr val="bg1"/>
+      </p:bgRef>
+    </p:bg>
     <p:spTree>
       <p:nvGrpSpPr>
         <p:cNvPr id="1" name=""/>
@@ -3539,22 +3508,26 @@
         </p:nvSpPr>
         <p:spPr>
           <a:xfrm>
-            <a:off x="457200" y="216778"/>
-            <a:ext cx="3810000" cy="1162050"/>
+            <a:off x="914400" y="4876800"/>
+            <a:ext cx="7481776" cy="457200"/>
           </a:xfrm>
-          <a:ln>
-            <a:noFill/>
-          </a:ln>
         </p:spPr>
         <p:txBody>
-          <a:bodyPr anchor="b"/>
+          <a:bodyPr vert="horz" anchor="t">
+            <a:noAutofit/>
+            <a:sp3d prstMaterial="softEdge">
+              <a:bevelT w="0" h="0"/>
+            </a:sp3d>
+          </a:bodyPr>
           <a:lstStyle>
-            <a:lvl1pPr algn="l">
-              <a:lnSpc>
-                <a:spcPts val="2000"/>
-              </a:lnSpc>
+            <a:lvl1pPr algn="r">
               <a:buNone/>
-              <a:defRPr sz="2200" b="1" cap="all" baseline="0"/>
+              <a:defRPr sz="2500" b="0">
+                <a:solidFill>
+                  <a:schemeClr val="accent1"/>
+                </a:solidFill>
+                <a:effectLst/>
+              </a:defRPr>
             </a:lvl1pPr>
             <a:extLst/>
           </a:lstStyle>
@@ -3579,22 +3552,16 @@
         </p:nvSpPr>
         <p:spPr>
           <a:xfrm>
-            <a:off x="457200" y="1406964"/>
-            <a:ext cx="3810000" cy="698500"/>
+            <a:off x="4419600" y="5355102"/>
+            <a:ext cx="3974592" cy="914400"/>
           </a:xfrm>
         </p:spPr>
         <p:txBody>
           <a:bodyPr/>
           <a:lstStyle>
-            <a:lvl1pPr marL="45720" indent="0">
-              <a:lnSpc>
-                <a:spcPct val="100000"/>
-              </a:lnSpc>
-              <a:spcBef>
-                <a:spcPts val="0"/>
-              </a:spcBef>
+            <a:lvl1pPr marL="0" indent="0" algn="r">
               <a:buNone/>
-              <a:defRPr sz="1400"/>
+              <a:defRPr sz="1600"/>
             </a:lvl1pPr>
             <a:lvl2pPr>
               <a:buNone/>
@@ -3635,8 +3602,8 @@
         </p:nvSpPr>
         <p:spPr>
           <a:xfrm>
-            <a:off x="457200" y="2133600"/>
-            <a:ext cx="8153400" cy="3992563"/>
+            <a:off x="914400" y="274320"/>
+            <a:ext cx="7479792" cy="4572000"/>
           </a:xfrm>
         </p:spPr>
         <p:txBody>
@@ -3707,7 +3674,12 @@
             <p:ph type="dt" sz="half" idx="10"/>
           </p:nvPr>
         </p:nvSpPr>
-        <p:spPr/>
+        <p:spPr>
+          <a:xfrm>
+            <a:off x="6727032" y="6407944"/>
+            <a:ext cx="1920240" cy="365760"/>
+          </a:xfrm>
+        </p:spPr>
         <p:txBody>
           <a:bodyPr/>
           <a:lstStyle>
@@ -3724,12 +3696,12 @@
       </p:sp>
       <p:sp>
         <p:nvSpPr>
-          <p:cNvPr id="7" name="Foliennummernplatzhalter 6"/>
-          <p:cNvSpPr>
-            <a:spLocks noGrp="1"/>
-          </p:cNvSpPr>
-          <p:nvPr>
-            <p:ph type="sldNum" sz="quarter" idx="12"/>
+          <p:cNvPr id="6" name="Fußzeilenplatzhalter 5"/>
+          <p:cNvSpPr>
+            <a:spLocks noGrp="1"/>
+          </p:cNvSpPr>
+          <p:nvPr>
+            <p:ph type="ftr" sz="quarter" idx="11"/>
           </p:nvPr>
         </p:nvSpPr>
         <p:spPr/>
@@ -3739,6 +3711,31 @@
             <a:extLst/>
           </a:lstStyle>
           <a:p>
+            <a:r>
+              <a:rPr lang="de-DE" smtClean="0"/>
+              <a:t>Martin Schneider, 6000513</a:t>
+            </a:r>
+            <a:endParaRPr lang="de-DE" dirty="0"/>
+          </a:p>
+        </p:txBody>
+      </p:sp>
+      <p:sp>
+        <p:nvSpPr>
+          <p:cNvPr id="7" name="Foliennummernplatzhalter 6"/>
+          <p:cNvSpPr>
+            <a:spLocks noGrp="1"/>
+          </p:cNvSpPr>
+          <p:nvPr>
+            <p:ph type="sldNum" sz="quarter" idx="12"/>
+          </p:nvPr>
+        </p:nvSpPr>
+        <p:spPr/>
+        <p:txBody>
+          <a:bodyPr/>
+          <a:lstStyle>
+            <a:extLst/>
+          </a:lstStyle>
+          <a:p>
             <a:fld id="{166D15F3-9A1A-4AEC-BA89-32D146ECA64D}" type="slidenum">
               <a:rPr lang="de-DE" smtClean="0"/>
               <a:t>‹Nr.›</a:t>
@@ -3747,54 +3744,10 @@
           </a:p>
         </p:txBody>
       </p:sp>
-      <p:sp>
-        <p:nvSpPr>
-          <p:cNvPr id="8" name="Fußzeilenplatzhalter 9"/>
-          <p:cNvSpPr>
-            <a:spLocks noGrp="1"/>
-          </p:cNvSpPr>
-          <p:nvPr>
-            <p:ph type="ftr" sz="quarter" idx="3"/>
-          </p:nvPr>
-        </p:nvSpPr>
-        <p:spPr>
-          <a:xfrm>
-            <a:off x="5796136" y="44624"/>
-            <a:ext cx="2880320" cy="380720"/>
-          </a:xfrm>
-          <a:prstGeom prst="rect">
-            <a:avLst/>
-          </a:prstGeom>
-        </p:spPr>
-        <p:txBody>
-          <a:bodyPr anchor="b"/>
-          <a:lstStyle>
-            <a:lvl1pPr eaLnBrk="1" latinLnBrk="0" hangingPunct="1">
-              <a:defRPr kumimoji="0" sz="1600">
-                <a:solidFill>
-                  <a:schemeClr val="bg2">
-                    <a:shade val="50000"/>
-                    <a:satMod val="200000"/>
-                  </a:schemeClr>
-                </a:solidFill>
-                <a:effectLst/>
-              </a:defRPr>
-            </a:lvl1pPr>
-            <a:extLst/>
-          </a:lstStyle>
-          <a:p>
-            <a:r>
-              <a:rPr lang="de-DE" dirty="0" smtClean="0"/>
-              <a:t>Martin Schneider, 6000513</a:t>
-            </a:r>
-            <a:endParaRPr lang="de-DE" dirty="0"/>
-          </a:p>
-        </p:txBody>
-      </p:sp>
     </p:spTree>
   </p:cSld>
   <p:clrMapOvr>
-    <a:masterClrMapping/>
+    <a:overrideClrMapping bg1="lt1" tx1="dk1" bg2="lt2" tx2="dk2" accent1="accent1" accent2="accent2" accent3="accent3" accent4="accent4" accent5="accent5" accent6="accent6" hlink="hlink" folHlink="folHlink"/>
   </p:clrMapOvr>
 </p:sldLayout>
 </file>
@@ -3802,6 +3755,11 @@
 <file path=ppt/slideLayouts/slideLayout9.xml><?xml version="1.0" encoding="utf-8"?>
 <p:sldLayout xmlns:a="http://schemas.openxmlformats.org/drawingml/2006/main" xmlns:r="http://schemas.openxmlformats.org/officeDocument/2006/relationships" xmlns:p="http://schemas.openxmlformats.org/presentationml/2006/main" showMasterSp="0" type="picTx" preserve="1">
   <p:cSld name="Bild mit Überschrift">
+    <p:bg>
+      <p:bgRef idx="1002">
+        <a:schemeClr val="bg1"/>
+      </p:bgRef>
+    </p:bg>
     <p:spTree>
       <p:nvGrpSpPr>
         <p:cNvPr id="1" name=""/>
@@ -3818,208 +3776,93 @@
       </p:grpSpPr>
       <p:sp>
         <p:nvSpPr>
-          <p:cNvPr id="2" name="Titel 1"/>
-          <p:cNvSpPr>
-            <a:spLocks noGrp="1"/>
-          </p:cNvSpPr>
-          <p:nvPr>
-            <p:ph type="title"/>
+          <p:cNvPr id="4" name="Textplatzhalter 3"/>
+          <p:cNvSpPr>
+            <a:spLocks noGrp="1"/>
+          </p:cNvSpPr>
+          <p:nvPr>
+            <p:ph type="body" sz="half" idx="2"/>
           </p:nvPr>
         </p:nvSpPr>
         <p:spPr>
           <a:xfrm>
-            <a:off x="5886896" y="1066800"/>
-            <a:ext cx="2743200" cy="1981200"/>
+            <a:off x="1141232" y="5443402"/>
+            <a:ext cx="7162800" cy="648232"/>
           </a:xfrm>
+          <a:noFill/>
         </p:spPr>
         <p:txBody>
-          <a:bodyPr anchor="b">
-            <a:noAutofit/>
-          </a:bodyPr>
+          <a:bodyPr lIns="91440" tIns="0" rIns="91440" anchor="t"/>
           <a:lstStyle>
-            <a:lvl1pPr algn="l">
+            <a:lvl1pPr marL="0" marR="18288" indent="0" algn="r">
               <a:buNone/>
-              <a:defRPr sz="2100" b="1">
-                <a:effectLst/>
-              </a:defRPr>
+              <a:defRPr sz="1400"/>
             </a:lvl1pPr>
+            <a:lvl2pPr>
+              <a:defRPr sz="1200"/>
+            </a:lvl2pPr>
+            <a:lvl3pPr>
+              <a:defRPr sz="1000"/>
+            </a:lvl3pPr>
+            <a:lvl4pPr>
+              <a:defRPr sz="900"/>
+            </a:lvl4pPr>
+            <a:lvl5pPr>
+              <a:defRPr sz="900"/>
+            </a:lvl5pPr>
             <a:extLst/>
           </a:lstStyle>
           <a:p>
+            <a:pPr lvl="0" eaLnBrk="1" latinLnBrk="0" hangingPunct="1"/>
             <a:r>
               <a:rPr kumimoji="0" lang="de-DE" smtClean="0"/>
-              <a:t>Titelmasterformat durch Klicken bearbeiten</a:t>
-            </a:r>
-            <a:endParaRPr kumimoji="0" lang="en-US"/>
-          </a:p>
-        </p:txBody>
-      </p:sp>
-      <p:sp>
-        <p:nvSpPr>
-          <p:cNvPr id="5" name="Datumsplatzhalter 4"/>
-          <p:cNvSpPr>
-            <a:spLocks noGrp="1"/>
-          </p:cNvSpPr>
-          <p:nvPr>
-            <p:ph type="dt" sz="half" idx="10"/>
-          </p:nvPr>
-        </p:nvSpPr>
-        <p:spPr/>
-        <p:txBody>
-          <a:bodyPr/>
-          <a:lstStyle>
-            <a:extLst/>
-          </a:lstStyle>
-          <a:p>
-            <a:r>
-              <a:rPr lang="de-DE" smtClean="0"/>
-              <a:t>28.11.2016</a:t>
-            </a:r>
-            <a:endParaRPr lang="de-DE"/>
-          </a:p>
-        </p:txBody>
-      </p:sp>
-      <p:sp>
-        <p:nvSpPr>
-          <p:cNvPr id="7" name="Foliennummernplatzhalter 6"/>
-          <p:cNvSpPr>
-            <a:spLocks noGrp="1"/>
-          </p:cNvSpPr>
-          <p:nvPr>
-            <p:ph type="sldNum" sz="quarter" idx="12"/>
-          </p:nvPr>
-        </p:nvSpPr>
-        <p:spPr/>
-        <p:txBody>
-          <a:bodyPr/>
-          <a:lstStyle>
-            <a:extLst/>
-          </a:lstStyle>
-          <a:p>
-            <a:fld id="{166D15F3-9A1A-4AEC-BA89-32D146ECA64D}" type="slidenum">
-              <a:rPr lang="de-DE" smtClean="0"/>
-              <a:t>‹Nr.›</a:t>
-            </a:fld>
-            <a:endParaRPr lang="de-DE"/>
-          </a:p>
-        </p:txBody>
-      </p:sp>
-      <p:sp>
-        <p:nvSpPr>
-          <p:cNvPr id="8" name="Rechteck 7"/>
-          <p:cNvSpPr/>
-          <p:nvPr/>
+              <a:t>Textmasterformat bearbeiten</a:t>
+            </a:r>
+          </a:p>
+        </p:txBody>
+      </p:sp>
+      <p:sp>
+        <p:nvSpPr>
+          <p:cNvPr id="3" name="Bildplatzhalter 2"/>
+          <p:cNvSpPr>
+            <a:spLocks noGrp="1"/>
+          </p:cNvSpPr>
+          <p:nvPr>
+            <p:ph type="pic" idx="1"/>
+          </p:nvPr>
         </p:nvSpPr>
         <p:spPr>
           <a:xfrm>
-            <a:off x="762000" y="1066800"/>
-            <a:ext cx="4572000" cy="4572000"/>
+            <a:off x="228600" y="189968"/>
+            <a:ext cx="8686800" cy="4389120"/>
           </a:xfrm>
           <a:prstGeom prst="rect">
             <a:avLst/>
           </a:prstGeom>
           <a:solidFill>
-            <a:srgbClr val="FFFFFF"/>
+            <a:schemeClr val="bg2"/>
           </a:solidFill>
-          <a:ln w="88900" cap="sq">
+          <a:ln>
             <a:solidFill>
-              <a:srgbClr val="FFFFFF"/>
+              <a:schemeClr val="bg1"/>
             </a:solidFill>
-            <a:miter lim="800000"/>
           </a:ln>
           <a:effectLst>
-            <a:outerShdw blurRad="55500" dist="18500" dir="5400000" algn="tl" rotWithShape="0">
-              <a:srgbClr val="000000">
-                <a:alpha val="35000"/>
-              </a:srgbClr>
-            </a:outerShdw>
+            <a:innerShdw blurRad="95250">
+              <a:srgbClr val="000000"/>
+            </a:innerShdw>
           </a:effectLst>
-          <a:scene3d>
-            <a:camera prst="orthographicFront"/>
-            <a:lightRig rig="twoPt" dir="t">
-              <a:rot lat="0" lon="0" rev="7200000"/>
-            </a:lightRig>
-          </a:scene3d>
-          <a:sp3d contourW="635">
-            <a:bevelT w="25400" h="19050"/>
-            <a:contourClr>
-              <a:srgbClr val="969696"/>
-            </a:contourClr>
-          </a:sp3d>
         </p:spPr>
         <p:txBody>
-          <a:bodyPr lIns="91440" tIns="274320" rtlCol="0" anchor="t">
-            <a:normAutofit/>
-          </a:bodyPr>
+          <a:bodyPr/>
           <a:lstStyle>
-            <a:extLst/>
-          </a:lstStyle>
-          <a:p>
-            <a:pPr marL="0" indent="-283464" algn="l" rtl="0" eaLnBrk="1" latinLnBrk="0" hangingPunct="1">
-              <a:lnSpc>
-                <a:spcPts val="3000"/>
-              </a:lnSpc>
-              <a:spcBef>
-                <a:spcPts val="600"/>
-              </a:spcBef>
-              <a:buClr>
-                <a:schemeClr val="accent1"/>
-              </a:buClr>
-              <a:buSzPct val="80000"/>
-              <a:buFont typeface="Wingdings 2"/>
-              <a:buNone/>
-            </a:pPr>
-            <a:endParaRPr kumimoji="0" lang="en-US" sz="3200" kern="1200">
-              <a:solidFill>
-                <a:schemeClr val="tx1"/>
-              </a:solidFill>
-              <a:latin typeface="+mn-lt"/>
-              <a:ea typeface="+mn-ea"/>
-              <a:cs typeface="+mn-cs"/>
-            </a:endParaRPr>
-          </a:p>
-        </p:txBody>
-      </p:sp>
-      <p:sp>
-        <p:nvSpPr>
-          <p:cNvPr id="3" name="Bildplatzhalter 2"/>
-          <p:cNvSpPr>
-            <a:spLocks noGrp="1"/>
-          </p:cNvSpPr>
-          <p:nvPr>
-            <p:ph type="pic" idx="1"/>
-          </p:nvPr>
-        </p:nvSpPr>
-        <p:spPr>
-          <a:xfrm>
-            <a:off x="838200" y="1143003"/>
-            <a:ext cx="4419600" cy="3514531"/>
-          </a:xfrm>
-          <a:prstGeom prst="roundRect">
-            <a:avLst>
-              <a:gd name="adj" fmla="val 783"/>
-            </a:avLst>
-          </a:prstGeom>
-          <a:solidFill>
-            <a:schemeClr val="bg2"/>
-          </a:solidFill>
-          <a:ln w="127000">
-            <a:noFill/>
-            <a:miter lim="800000"/>
-          </a:ln>
-          <a:effectLst/>
-        </p:spPr>
-        <p:txBody>
-          <a:bodyPr lIns="91440" tIns="274320" anchor="t"/>
-          <a:lstStyle>
-            <a:lvl1pPr indent="0">
+            <a:lvl1pPr marL="0" indent="0">
               <a:buNone/>
               <a:defRPr sz="3200"/>
             </a:lvl1pPr>
             <a:extLst/>
           </a:lstStyle>
           <a:p>
-            <a:pPr marL="0" algn="l" eaLnBrk="1" latinLnBrk="0" hangingPunct="1"/>
             <a:r>
               <a:rPr kumimoji="0" lang="de-DE" smtClean="0"/>
               <a:t>Bild durch Klicken auf Symbol hinzufügen</a:t>
@@ -4030,39 +3873,403 @@
       </p:sp>
       <p:sp>
         <p:nvSpPr>
-          <p:cNvPr id="9" name="Flussdiagramm: Prozess 8"/>
-          <p:cNvSpPr/>
+          <p:cNvPr id="5" name="Datumsplatzhalter 4"/>
+          <p:cNvSpPr>
+            <a:spLocks noGrp="1"/>
+          </p:cNvSpPr>
+          <p:nvPr>
+            <p:ph type="dt" sz="half" idx="10"/>
+          </p:nvPr>
+        </p:nvSpPr>
+        <p:spPr/>
+        <p:txBody>
+          <a:bodyPr/>
+          <a:lstStyle>
+            <a:lvl1pPr>
+              <a:defRPr>
+                <a:solidFill>
+                  <a:schemeClr val="tx1"/>
+                </a:solidFill>
+              </a:defRPr>
+            </a:lvl1pPr>
+            <a:extLst/>
+          </a:lstStyle>
+          <a:p>
+            <a:r>
+              <a:rPr lang="de-DE" smtClean="0"/>
+              <a:t>28.11.2016</a:t>
+            </a:r>
+            <a:endParaRPr lang="de-DE"/>
+          </a:p>
+        </p:txBody>
+      </p:sp>
+      <p:sp>
+        <p:nvSpPr>
+          <p:cNvPr id="6" name="Fußzeilenplatzhalter 5"/>
+          <p:cNvSpPr>
+            <a:spLocks noGrp="1"/>
+          </p:cNvSpPr>
+          <p:nvPr>
+            <p:ph type="ftr" sz="quarter" idx="11"/>
+          </p:nvPr>
+        </p:nvSpPr>
+        <p:spPr>
+          <a:xfrm>
+            <a:off x="4380072" y="6407944"/>
+            <a:ext cx="2350681" cy="365125"/>
+          </a:xfrm>
+        </p:spPr>
+        <p:txBody>
+          <a:bodyPr/>
+          <a:lstStyle>
+            <a:lvl1pPr>
+              <a:defRPr>
+                <a:solidFill>
+                  <a:schemeClr val="tx1"/>
+                </a:solidFill>
+              </a:defRPr>
+            </a:lvl1pPr>
+            <a:extLst/>
+          </a:lstStyle>
+          <a:p>
+            <a:r>
+              <a:rPr lang="de-DE" smtClean="0"/>
+              <a:t>Martin Schneider, 6000513</a:t>
+            </a:r>
+            <a:endParaRPr lang="de-DE" dirty="0"/>
+          </a:p>
+        </p:txBody>
+      </p:sp>
+      <p:sp>
+        <p:nvSpPr>
+          <p:cNvPr id="7" name="Foliennummernplatzhalter 6"/>
+          <p:cNvSpPr>
+            <a:spLocks noGrp="1"/>
+          </p:cNvSpPr>
+          <p:nvPr>
+            <p:ph type="sldNum" sz="quarter" idx="12"/>
+          </p:nvPr>
+        </p:nvSpPr>
+        <p:spPr/>
+        <p:txBody>
+          <a:bodyPr/>
+          <a:lstStyle>
+            <a:lvl1pPr>
+              <a:defRPr>
+                <a:solidFill>
+                  <a:schemeClr val="tx1"/>
+                </a:solidFill>
+              </a:defRPr>
+            </a:lvl1pPr>
+            <a:extLst/>
+          </a:lstStyle>
+          <a:p>
+            <a:fld id="{166D15F3-9A1A-4AEC-BA89-32D146ECA64D}" type="slidenum">
+              <a:rPr lang="de-DE" smtClean="0"/>
+              <a:t>‹Nr.›</a:t>
+            </a:fld>
+            <a:endParaRPr lang="de-DE"/>
+          </a:p>
+        </p:txBody>
+      </p:sp>
+      <p:sp>
+        <p:nvSpPr>
+          <p:cNvPr id="2" name="Titel 1"/>
+          <p:cNvSpPr>
+            <a:spLocks noGrp="1"/>
+          </p:cNvSpPr>
+          <p:nvPr>
+            <p:ph type="title"/>
+          </p:nvPr>
+        </p:nvSpPr>
+        <p:spPr>
+          <a:xfrm>
+            <a:off x="228600" y="4865122"/>
+            <a:ext cx="8075432" cy="562672"/>
+          </a:xfrm>
+          <a:noFill/>
+        </p:spPr>
+        <p:txBody>
+          <a:bodyPr anchor="t">
+            <a:sp3d prstMaterial="softEdge"/>
+          </a:bodyPr>
+          <a:lstStyle>
+            <a:lvl1pPr marR="0" algn="r">
+              <a:buNone/>
+              <a:defRPr sz="3000" b="0">
+                <a:solidFill>
+                  <a:schemeClr val="accent1"/>
+                </a:solidFill>
+                <a:effectLst>
+                  <a:outerShdw blurRad="50800" dist="25000" dir="5400000" algn="t" rotWithShape="0">
+                    <a:prstClr val="black">
+                      <a:alpha val="45000"/>
+                    </a:prstClr>
+                  </a:outerShdw>
+                </a:effectLst>
+              </a:defRPr>
+            </a:lvl1pPr>
+            <a:extLst/>
+          </a:lstStyle>
+          <a:p>
+            <a:r>
+              <a:rPr kumimoji="0" lang="de-DE" smtClean="0"/>
+              <a:t>Titelmasterformat durch Klicken bearbeiten</a:t>
+            </a:r>
+            <a:endParaRPr kumimoji="0" lang="en-US"/>
+          </a:p>
+        </p:txBody>
+      </p:sp>
+      <p:sp>
+        <p:nvSpPr>
+          <p:cNvPr id="8" name="Freihandform 7"/>
+          <p:cNvSpPr>
+            <a:spLocks/>
+          </p:cNvSpPr>
           <p:nvPr/>
         </p:nvSpPr>
-        <p:spPr>
-          <a:xfrm rot="19468671">
-            <a:off x="396725" y="954341"/>
-            <a:ext cx="685800" cy="204310"/>
+        <p:spPr bwMode="auto">
+          <a:xfrm>
+            <a:off x="499273" y="5944936"/>
+            <a:ext cx="4940624" cy="921076"/>
           </a:xfrm>
-          <a:prstGeom prst="flowChartProcess">
+          <a:custGeom>
+            <a:avLst>
+              <a:gd name="A1" fmla="val 0"/>
+              <a:gd name="A2" fmla="val 0"/>
+              <a:gd name="A3" fmla="val 0"/>
+              <a:gd name="A4" fmla="val 0"/>
+              <a:gd name="A5" fmla="val 0"/>
+              <a:gd name="A6" fmla="val 0"/>
+              <a:gd name="A7" fmla="val 0"/>
+              <a:gd name="A8" fmla="val 0"/>
+            </a:avLst>
+            <a:gdLst/>
+            <a:ahLst/>
+            <a:cxnLst>
+              <a:cxn ang="0">
+                <a:pos x="0" y="0"/>
+              </a:cxn>
+              <a:cxn ang="0">
+                <a:pos x="5760" y="0"/>
+              </a:cxn>
+              <a:cxn ang="0">
+                <a:pos x="5760" y="528"/>
+              </a:cxn>
+              <a:cxn ang="0">
+                <a:pos x="48" y="0"/>
+              </a:cxn>
+            </a:cxnLst>
+            <a:rect l="0" t="0" r="0" b="0"/>
+            <a:pathLst>
+              <a:path w="7485" h="337">
+                <a:moveTo>
+                  <a:pt x="0" y="2"/>
+                </a:moveTo>
+                <a:lnTo>
+                  <a:pt x="7485" y="337"/>
+                </a:lnTo>
+                <a:lnTo>
+                  <a:pt x="5558" y="337"/>
+                </a:lnTo>
+                <a:lnTo>
+                  <a:pt x="1" y="0"/>
+                </a:lnTo>
+              </a:path>
+            </a:pathLst>
+          </a:custGeom>
+          <a:solidFill>
+            <a:schemeClr val="accent1">
+              <a:tint val="65000"/>
+              <a:satMod val="115000"/>
+              <a:alpha val="40000"/>
+            </a:schemeClr>
+          </a:solidFill>
+          <a:ln w="9525" cap="flat" cmpd="sng" algn="ctr">
+            <a:noFill/>
+            <a:prstDash val="solid"/>
+            <a:round/>
+            <a:headEnd type="none" w="med" len="med"/>
+            <a:tailEnd type="none" w="med" len="med"/>
+          </a:ln>
+          <a:effectLst/>
+        </p:spPr>
+        <p:txBody>
+          <a:bodyPr vert="horz" wrap="square" lIns="91440" tIns="45720" rIns="91440" bIns="45720" anchor="t" compatLnSpc="1"/>
+          <a:lstStyle>
+            <a:extLst/>
+          </a:lstStyle>
+          <a:p>
+            <a:endParaRPr kumimoji="0" lang="en-US"/>
+          </a:p>
+        </p:txBody>
+      </p:sp>
+      <p:sp>
+        <p:nvSpPr>
+          <p:cNvPr id="9" name="Freihandform 8"/>
+          <p:cNvSpPr>
+            <a:spLocks/>
+          </p:cNvSpPr>
+          <p:nvPr/>
+        </p:nvSpPr>
+        <p:spPr bwMode="auto">
+          <a:xfrm>
+            <a:off x="485717" y="5939011"/>
+            <a:ext cx="3690451" cy="933450"/>
+          </a:xfrm>
+          <a:custGeom>
+            <a:avLst>
+              <a:gd name="A1" fmla="val 0"/>
+              <a:gd name="A2" fmla="val 0"/>
+              <a:gd name="A3" fmla="val 0"/>
+              <a:gd name="A4" fmla="val 0"/>
+              <a:gd name="A5" fmla="val 0"/>
+              <a:gd name="A6" fmla="val 0"/>
+              <a:gd name="A7" fmla="val 0"/>
+              <a:gd name="A8" fmla="val 0"/>
+            </a:avLst>
+            <a:gdLst/>
+            <a:ahLst/>
+            <a:cxnLst>
+              <a:cxn ang="0">
+                <a:pos x="0" y="0"/>
+              </a:cxn>
+              <a:cxn ang="0">
+                <a:pos x="5760" y="0"/>
+              </a:cxn>
+              <a:cxn ang="0">
+                <a:pos x="5760" y="528"/>
+              </a:cxn>
+              <a:cxn ang="0">
+                <a:pos x="48" y="0"/>
+              </a:cxn>
+            </a:cxnLst>
+            <a:rect l="0" t="0" r="0" b="0"/>
+            <a:pathLst>
+              <a:path w="5591" h="588">
+                <a:moveTo>
+                  <a:pt x="0" y="0"/>
+                </a:moveTo>
+                <a:lnTo>
+                  <a:pt x="5591" y="585"/>
+                </a:lnTo>
+                <a:lnTo>
+                  <a:pt x="4415" y="588"/>
+                </a:lnTo>
+                <a:lnTo>
+                  <a:pt x="12" y="4"/>
+                </a:lnTo>
+              </a:path>
+            </a:pathLst>
+          </a:custGeom>
+          <a:solidFill>
+            <a:srgbClr val="000000">
+              <a:alpha val="100000"/>
+            </a:srgbClr>
+          </a:solidFill>
+          <a:ln w="9525" cap="flat" cmpd="sng" algn="ctr">
+            <a:noFill/>
+            <a:prstDash val="solid"/>
+            <a:round/>
+            <a:headEnd type="none" w="med" len="med"/>
+            <a:tailEnd type="none" w="med" len="med"/>
+          </a:ln>
+          <a:effectLst/>
+        </p:spPr>
+        <p:txBody>
+          <a:bodyPr vert="horz" wrap="square" lIns="91440" tIns="45720" rIns="91440" bIns="45720" anchor="t" compatLnSpc="1"/>
+          <a:lstStyle>
+            <a:extLst/>
+          </a:lstStyle>
+          <a:p>
+            <a:endParaRPr kumimoji="0" lang="en-US"/>
+          </a:p>
+        </p:txBody>
+      </p:sp>
+      <p:sp>
+        <p:nvSpPr>
+          <p:cNvPr id="10" name="Rechtwinkliges Dreieck 9"/>
+          <p:cNvSpPr>
+            <a:spLocks/>
+          </p:cNvSpPr>
+          <p:nvPr/>
+        </p:nvSpPr>
+        <p:spPr bwMode="auto">
+          <a:xfrm>
+            <a:off x="-6042" y="5791253"/>
+            <a:ext cx="3402314" cy="1080868"/>
+          </a:xfrm>
+          <a:prstGeom prst="rtTriangle">
             <a:avLst/>
           </a:prstGeom>
-          <a:solidFill>
-            <a:srgbClr val="FBFBFB">
-              <a:alpha val="45098"/>
-            </a:srgbClr>
-          </a:solidFill>
-          <a:ln w="6350" cap="rnd" cmpd="sng" algn="ctr">
-            <a:solidFill>
-              <a:srgbClr val="FFFFFF">
-                <a:alpha val="100000"/>
-              </a:srgbClr>
-            </a:solidFill>
+          <a:blipFill>
+            <a:blip r:embed="rId2">
+              <a:alphaModFix amt="50000"/>
+            </a:blip>
+            <a:tile tx="0" ty="0" sx="50000" sy="50000" flip="none" algn="t"/>
+          </a:blipFill>
+          <a:ln w="12700" cap="rnd" cmpd="thickThin" algn="ctr">
+            <a:noFill/>
             <a:prstDash val="solid"/>
           </a:ln>
           <a:effectLst>
-            <a:outerShdw blurRad="25400" dist="25400" dir="3300000" sx="96000" sy="96000" algn="tl" rotWithShape="0">
-              <a:schemeClr val="bg2">
-                <a:shade val="90000"/>
-                <a:satMod val="200000"/>
-                <a:alpha val="40000"/>
-              </a:schemeClr>
-            </a:outerShdw>
+            <a:fillOverlay blend="mult">
+              <a:gradFill flip="none" rotWithShape="1">
+                <a:gsLst>
+                  <a:gs pos="0">
+                    <a:schemeClr val="accent1">
+                      <a:shade val="20000"/>
+                      <a:satMod val="176000"/>
+                      <a:alpha val="100000"/>
+                    </a:schemeClr>
+                  </a:gs>
+                  <a:gs pos="18000">
+                    <a:schemeClr val="accent1">
+                      <a:shade val="48000"/>
+                      <a:satMod val="153000"/>
+                      <a:alpha val="100000"/>
+                    </a:schemeClr>
+                  </a:gs>
+                  <a:gs pos="43000">
+                    <a:schemeClr val="accent1">
+                      <a:tint val="86000"/>
+                      <a:satMod val="149000"/>
+                      <a:alpha val="100000"/>
+                    </a:schemeClr>
+                  </a:gs>
+                  <a:gs pos="45000">
+                    <a:schemeClr val="accent1">
+                      <a:tint val="85000"/>
+                      <a:satMod val="150000"/>
+                      <a:alpha val="100000"/>
+                    </a:schemeClr>
+                  </a:gs>
+                  <a:gs pos="50000">
+                    <a:schemeClr val="accent1">
+                      <a:tint val="86000"/>
+                      <a:satMod val="149000"/>
+                      <a:alpha val="100000"/>
+                    </a:schemeClr>
+                  </a:gs>
+                  <a:gs pos="79000">
+                    <a:schemeClr val="accent1">
+                      <a:shade val="53000"/>
+                      <a:satMod val="150000"/>
+                      <a:alpha val="100000"/>
+                    </a:schemeClr>
+                  </a:gs>
+                  <a:gs pos="100000">
+                    <a:schemeClr val="accent1">
+                      <a:shade val="25000"/>
+                      <a:satMod val="170000"/>
+                      <a:alpha val="100000"/>
+                    </a:schemeClr>
+                  </a:gs>
+                </a:gsLst>
+                <a:lin ang="450000" scaled="1"/>
+                <a:tileRect/>
+              </a:gradFill>
+            </a:fillOverlay>
           </a:effectLst>
         </p:spPr>
         <p:style>
@@ -4080,49 +4287,509 @@
           </a:fontRef>
         </p:style>
         <p:txBody>
+          <a:bodyPr vert="horz" wrap="square" lIns="91440" tIns="45720" rIns="91440" bIns="45720" anchor="ctr" compatLnSpc="1"/>
+          <a:lstStyle>
+            <a:extLst/>
+          </a:lstStyle>
+          <a:p>
+            <a:pPr algn="ctr" eaLnBrk="1" latinLnBrk="0" hangingPunct="1"/>
+            <a:endParaRPr kumimoji="0" lang="en-US"/>
+          </a:p>
+        </p:txBody>
+      </p:sp>
+      <p:cxnSp>
+        <p:nvCxnSpPr>
+          <p:cNvPr id="11" name="Gerade Verbindung 10"/>
+          <p:cNvCxnSpPr/>
+          <p:nvPr/>
+        </p:nvCxnSpPr>
+        <p:spPr>
+          <a:xfrm>
+            <a:off x="-9237" y="5787738"/>
+            <a:ext cx="3405509" cy="1084383"/>
+          </a:xfrm>
+          <a:prstGeom prst="line">
+            <a:avLst/>
+          </a:prstGeom>
+          <a:noFill/>
+          <a:ln w="12065" cap="flat" cmpd="sng" algn="ctr">
+            <a:gradFill>
+              <a:gsLst>
+                <a:gs pos="45000">
+                  <a:schemeClr val="accent1">
+                    <a:tint val="70000"/>
+                    <a:satMod val="110000"/>
+                  </a:schemeClr>
+                </a:gs>
+                <a:gs pos="15000">
+                  <a:schemeClr val="accent1">
+                    <a:shade val="40000"/>
+                    <a:satMod val="110000"/>
+                  </a:schemeClr>
+                </a:gs>
+              </a:gsLst>
+              <a:lin ang="5400000" scaled="1"/>
+            </a:gradFill>
+            <a:prstDash val="solid"/>
+            <a:miter lim="800000"/>
+          </a:ln>
+          <a:effectLst/>
+        </p:spPr>
+        <p:style>
+          <a:lnRef idx="2">
+            <a:schemeClr val="accent1"/>
+          </a:lnRef>
+          <a:fillRef idx="0">
+            <a:schemeClr val="accent1"/>
+          </a:fillRef>
+          <a:effectRef idx="1">
+            <a:schemeClr val="accent1"/>
+          </a:effectRef>
+          <a:fontRef idx="minor">
+            <a:schemeClr val="tx1"/>
+          </a:fontRef>
+        </p:style>
+      </p:cxnSp>
+      <p:sp>
+        <p:nvSpPr>
+          <p:cNvPr id="12" name="Eingekerbter Richtungspfeil 11"/>
+          <p:cNvSpPr/>
+          <p:nvPr/>
+        </p:nvSpPr>
+        <p:spPr>
+          <a:xfrm>
+            <a:off x="8664112" y="4988440"/>
+            <a:ext cx="182880" cy="228600"/>
+          </a:xfrm>
+          <a:prstGeom prst="chevron">
+            <a:avLst>
+              <a:gd name="adj" fmla="val 50000"/>
+            </a:avLst>
+          </a:prstGeom>
+          <a:gradFill flip="none" rotWithShape="1">
+            <a:gsLst>
+              <a:gs pos="0">
+                <a:schemeClr val="accent1">
+                  <a:shade val="60000"/>
+                  <a:satMod val="125000"/>
+                </a:schemeClr>
+              </a:gs>
+              <a:gs pos="72000">
+                <a:schemeClr val="accent1">
+                  <a:tint val="90000"/>
+                  <a:satMod val="138000"/>
+                </a:schemeClr>
+              </a:gs>
+              <a:gs pos="100000">
+                <a:schemeClr val="accent1">
+                  <a:tint val="76000"/>
+                  <a:satMod val="136000"/>
+                </a:schemeClr>
+              </a:gs>
+            </a:gsLst>
+            <a:lin ang="16200000" scaled="0"/>
+          </a:gradFill>
+          <a:ln w="3175" cap="rnd" cmpd="sng" algn="ctr">
+            <a:solidFill>
+              <a:schemeClr val="accent1">
+                <a:shade val="50000"/>
+              </a:schemeClr>
+            </a:solidFill>
+            <a:prstDash val="solid"/>
+          </a:ln>
+          <a:effectLst>
+            <a:outerShdw blurRad="50800" dist="25400" dir="5400000">
+              <a:srgbClr val="000000">
+                <a:alpha val="46000"/>
+              </a:srgbClr>
+            </a:outerShdw>
+          </a:effectLst>
+        </p:spPr>
+        <p:style>
+          <a:lnRef idx="1">
+            <a:schemeClr val="accent1"/>
+          </a:lnRef>
+          <a:fillRef idx="3">
+            <a:schemeClr val="accent1"/>
+          </a:fillRef>
+          <a:effectRef idx="2">
+            <a:schemeClr val="accent1"/>
+          </a:effectRef>
+          <a:fontRef idx="minor">
+            <a:schemeClr val="lt1"/>
+          </a:fontRef>
+        </p:style>
+        <p:txBody>
           <a:bodyPr anchor="ctr"/>
           <a:lstStyle>
             <a:extLst/>
           </a:lstStyle>
           <a:p>
-            <a:pPr algn="ctr" eaLnBrk="1" latinLnBrk="0" hangingPunct="1"/>
+            <a:pPr algn="l" eaLnBrk="1" latinLnBrk="0" hangingPunct="1"/>
             <a:endParaRPr kumimoji="0" lang="en-US"/>
           </a:p>
         </p:txBody>
       </p:sp>
       <p:sp>
         <p:nvSpPr>
-          <p:cNvPr id="10" name="Flussdiagramm: Prozess 9"/>
+          <p:cNvPr id="13" name="Eingekerbter Richtungspfeil 12"/>
           <p:cNvSpPr/>
           <p:nvPr/>
         </p:nvSpPr>
         <p:spPr>
-          <a:xfrm rot="2103354" flipH="1">
-            <a:off x="5003667" y="936786"/>
-            <a:ext cx="649224" cy="204310"/>
+          <a:xfrm>
+            <a:off x="8477696" y="4988440"/>
+            <a:ext cx="182880" cy="228600"/>
           </a:xfrm>
-          <a:prstGeom prst="flowChartProcess">
-            <a:avLst/>
+          <a:prstGeom prst="chevron">
+            <a:avLst>
+              <a:gd name="adj" fmla="val 50000"/>
+            </a:avLst>
           </a:prstGeom>
-          <a:solidFill>
-            <a:srgbClr val="FBFBFB">
-              <a:alpha val="45098"/>
-            </a:srgbClr>
-          </a:solidFill>
-          <a:ln w="6350" cap="rnd" cmpd="sng" algn="ctr">
+          <a:gradFill flip="none" rotWithShape="1">
+            <a:gsLst>
+              <a:gs pos="0">
+                <a:schemeClr val="accent1">
+                  <a:shade val="60000"/>
+                  <a:satMod val="125000"/>
+                </a:schemeClr>
+              </a:gs>
+              <a:gs pos="72000">
+                <a:schemeClr val="accent1">
+                  <a:tint val="90000"/>
+                  <a:satMod val="138000"/>
+                </a:schemeClr>
+              </a:gs>
+              <a:gs pos="100000">
+                <a:schemeClr val="accent1">
+                  <a:tint val="76000"/>
+                  <a:satMod val="136000"/>
+                </a:schemeClr>
+              </a:gs>
+            </a:gsLst>
+            <a:lin ang="16200000" scaled="0"/>
+          </a:gradFill>
+          <a:ln w="3175" cap="rnd" cmpd="sng" algn="ctr">
             <a:solidFill>
-              <a:srgbClr val="FFFFFF">
-                <a:alpha val="100000"/>
-              </a:srgbClr>
+              <a:schemeClr val="accent1">
+                <a:shade val="50000"/>
+              </a:schemeClr>
             </a:solidFill>
             <a:prstDash val="solid"/>
           </a:ln>
           <a:effectLst>
-            <a:outerShdw blurRad="25400" dist="25400" dir="3300000" sx="96000" sy="96000" algn="tl" rotWithShape="0">
-              <a:schemeClr val="bg2">
-                <a:alpha val="20000"/>
-              </a:schemeClr>
+            <a:outerShdw blurRad="50800" dist="25400" dir="5400000">
+              <a:srgbClr val="000000">
+                <a:alpha val="46000"/>
+              </a:srgbClr>
             </a:outerShdw>
+          </a:effectLst>
+        </p:spPr>
+        <p:style>
+          <a:lnRef idx="1">
+            <a:schemeClr val="accent1"/>
+          </a:lnRef>
+          <a:fillRef idx="3">
+            <a:schemeClr val="accent1"/>
+          </a:fillRef>
+          <a:effectRef idx="2">
+            <a:schemeClr val="accent1"/>
+          </a:effectRef>
+          <a:fontRef idx="minor">
+            <a:schemeClr val="lt1"/>
+          </a:fontRef>
+        </p:style>
+        <p:txBody>
+          <a:bodyPr anchor="ctr"/>
+          <a:lstStyle>
+            <a:extLst/>
+          </a:lstStyle>
+          <a:p>
+            <a:pPr algn="l" eaLnBrk="1" latinLnBrk="0" hangingPunct="1"/>
+            <a:endParaRPr kumimoji="0" lang="en-US"/>
+          </a:p>
+        </p:txBody>
+      </p:sp>
+    </p:spTree>
+  </p:cSld>
+  <p:clrMapOvr>
+    <a:overrideClrMapping bg1="dk1" tx1="lt1" bg2="dk2" tx2="lt2" accent1="accent1" accent2="accent2" accent3="accent3" accent4="accent4" accent5="accent5" accent6="accent6" hlink="hlink" folHlink="folHlink"/>
+  </p:clrMapOvr>
+</p:sldLayout>
+</file>
+
+<file path=ppt/slideMasters/slideMaster1.xml><?xml version="1.0" encoding="utf-8"?>
+<p:sldMaster xmlns:a="http://schemas.openxmlformats.org/drawingml/2006/main" xmlns:r="http://schemas.openxmlformats.org/officeDocument/2006/relationships" xmlns:p="http://schemas.openxmlformats.org/presentationml/2006/main">
+  <p:cSld>
+    <p:bg>
+      <p:bgRef idx="1001">
+        <a:schemeClr val="bg1"/>
+      </p:bgRef>
+    </p:bg>
+    <p:spTree>
+      <p:nvGrpSpPr>
+        <p:cNvPr id="1" name=""/>
+        <p:cNvGrpSpPr/>
+        <p:nvPr/>
+      </p:nvGrpSpPr>
+      <p:grpSpPr>
+        <a:xfrm>
+          <a:off x="0" y="0"/>
+          <a:ext cx="0" cy="0"/>
+          <a:chOff x="0" y="0"/>
+          <a:chExt cx="0" cy="0"/>
+        </a:xfrm>
+      </p:grpSpPr>
+      <p:sp>
+        <p:nvSpPr>
+          <p:cNvPr id="13" name="Freihandform 12"/>
+          <p:cNvSpPr>
+            <a:spLocks/>
+          </p:cNvSpPr>
+          <p:nvPr/>
+        </p:nvSpPr>
+        <p:spPr bwMode="auto">
+          <a:xfrm>
+            <a:off x="499273" y="5944936"/>
+            <a:ext cx="4940624" cy="921076"/>
+          </a:xfrm>
+          <a:custGeom>
+            <a:avLst>
+              <a:gd name="A1" fmla="val 0"/>
+              <a:gd name="A2" fmla="val 0"/>
+              <a:gd name="A3" fmla="val 0"/>
+              <a:gd name="A4" fmla="val 0"/>
+              <a:gd name="A5" fmla="val 0"/>
+              <a:gd name="A6" fmla="val 0"/>
+              <a:gd name="A7" fmla="val 0"/>
+              <a:gd name="A8" fmla="val 0"/>
+            </a:avLst>
+            <a:gdLst/>
+            <a:ahLst/>
+            <a:cxnLst>
+              <a:cxn ang="0">
+                <a:pos x="0" y="0"/>
+              </a:cxn>
+              <a:cxn ang="0">
+                <a:pos x="5760" y="0"/>
+              </a:cxn>
+              <a:cxn ang="0">
+                <a:pos x="5760" y="528"/>
+              </a:cxn>
+              <a:cxn ang="0">
+                <a:pos x="48" y="0"/>
+              </a:cxn>
+            </a:cxnLst>
+            <a:rect l="0" t="0" r="0" b="0"/>
+            <a:pathLst>
+              <a:path w="7485" h="337">
+                <a:moveTo>
+                  <a:pt x="0" y="2"/>
+                </a:moveTo>
+                <a:lnTo>
+                  <a:pt x="7485" y="337"/>
+                </a:lnTo>
+                <a:lnTo>
+                  <a:pt x="5558" y="337"/>
+                </a:lnTo>
+                <a:lnTo>
+                  <a:pt x="1" y="0"/>
+                </a:lnTo>
+              </a:path>
+            </a:pathLst>
+          </a:custGeom>
+          <a:solidFill>
+            <a:schemeClr val="accent1">
+              <a:tint val="65000"/>
+              <a:satMod val="115000"/>
+              <a:alpha val="40000"/>
+            </a:schemeClr>
+          </a:solidFill>
+          <a:ln w="9525" cap="flat" cmpd="sng" algn="ctr">
+            <a:noFill/>
+            <a:prstDash val="solid"/>
+            <a:round/>
+            <a:headEnd type="none" w="med" len="med"/>
+            <a:tailEnd type="none" w="med" len="med"/>
+          </a:ln>
+          <a:effectLst/>
+        </p:spPr>
+        <p:txBody>
+          <a:bodyPr vert="horz" wrap="square" lIns="91440" tIns="45720" rIns="91440" bIns="45720" anchor="t" compatLnSpc="1"/>
+          <a:lstStyle>
+            <a:extLst/>
+          </a:lstStyle>
+          <a:p>
+            <a:endParaRPr kumimoji="0" lang="en-US"/>
+          </a:p>
+        </p:txBody>
+      </p:sp>
+      <p:sp>
+        <p:nvSpPr>
+          <p:cNvPr id="12" name="Freihandform 11"/>
+          <p:cNvSpPr>
+            <a:spLocks/>
+          </p:cNvSpPr>
+          <p:nvPr/>
+        </p:nvSpPr>
+        <p:spPr bwMode="auto">
+          <a:xfrm>
+            <a:off x="485717" y="5939011"/>
+            <a:ext cx="3690451" cy="933450"/>
+          </a:xfrm>
+          <a:custGeom>
+            <a:avLst>
+              <a:gd name="A1" fmla="val 0"/>
+              <a:gd name="A2" fmla="val 0"/>
+              <a:gd name="A3" fmla="val 0"/>
+              <a:gd name="A4" fmla="val 0"/>
+              <a:gd name="A5" fmla="val 0"/>
+              <a:gd name="A6" fmla="val 0"/>
+              <a:gd name="A7" fmla="val 0"/>
+              <a:gd name="A8" fmla="val 0"/>
+            </a:avLst>
+            <a:gdLst/>
+            <a:ahLst/>
+            <a:cxnLst>
+              <a:cxn ang="0">
+                <a:pos x="0" y="0"/>
+              </a:cxn>
+              <a:cxn ang="0">
+                <a:pos x="5760" y="0"/>
+              </a:cxn>
+              <a:cxn ang="0">
+                <a:pos x="5760" y="528"/>
+              </a:cxn>
+              <a:cxn ang="0">
+                <a:pos x="48" y="0"/>
+              </a:cxn>
+            </a:cxnLst>
+            <a:rect l="0" t="0" r="0" b="0"/>
+            <a:pathLst>
+              <a:path w="5591" h="588">
+                <a:moveTo>
+                  <a:pt x="0" y="0"/>
+                </a:moveTo>
+                <a:lnTo>
+                  <a:pt x="5591" y="585"/>
+                </a:lnTo>
+                <a:lnTo>
+                  <a:pt x="4415" y="588"/>
+                </a:lnTo>
+                <a:lnTo>
+                  <a:pt x="12" y="4"/>
+                </a:lnTo>
+              </a:path>
+            </a:pathLst>
+          </a:custGeom>
+          <a:solidFill>
+            <a:srgbClr val="000000">
+              <a:alpha val="100000"/>
+            </a:srgbClr>
+          </a:solidFill>
+          <a:ln w="9525" cap="flat" cmpd="sng" algn="ctr">
+            <a:noFill/>
+            <a:prstDash val="solid"/>
+            <a:round/>
+            <a:headEnd type="none" w="med" len="med"/>
+            <a:tailEnd type="none" w="med" len="med"/>
+          </a:ln>
+          <a:effectLst/>
+        </p:spPr>
+        <p:txBody>
+          <a:bodyPr vert="horz" wrap="square" lIns="91440" tIns="45720" rIns="91440" bIns="45720" anchor="t" compatLnSpc="1"/>
+          <a:lstStyle>
+            <a:extLst/>
+          </a:lstStyle>
+          <a:p>
+            <a:endParaRPr kumimoji="0" lang="en-US"/>
+          </a:p>
+        </p:txBody>
+      </p:sp>
+      <p:sp>
+        <p:nvSpPr>
+          <p:cNvPr id="14" name="Rechtwinkliges Dreieck 13"/>
+          <p:cNvSpPr>
+            <a:spLocks/>
+          </p:cNvSpPr>
+          <p:nvPr/>
+        </p:nvSpPr>
+        <p:spPr bwMode="auto">
+          <a:xfrm>
+            <a:off x="-6042" y="5791253"/>
+            <a:ext cx="3402314" cy="1080868"/>
+          </a:xfrm>
+          <a:prstGeom prst="rtTriangle">
+            <a:avLst/>
+          </a:prstGeom>
+          <a:blipFill>
+            <a:blip r:embed="rId13">
+              <a:alphaModFix amt="50000"/>
+            </a:blip>
+            <a:tile tx="0" ty="0" sx="50000" sy="50000" flip="none" algn="t"/>
+          </a:blipFill>
+          <a:ln w="12700" cap="rnd" cmpd="thickThin" algn="ctr">
+            <a:noFill/>
+            <a:prstDash val="solid"/>
+          </a:ln>
+          <a:effectLst>
+            <a:fillOverlay blend="mult">
+              <a:gradFill flip="none" rotWithShape="1">
+                <a:gsLst>
+                  <a:gs pos="0">
+                    <a:schemeClr val="accent1">
+                      <a:shade val="20000"/>
+                      <a:satMod val="176000"/>
+                      <a:alpha val="100000"/>
+                    </a:schemeClr>
+                  </a:gs>
+                  <a:gs pos="18000">
+                    <a:schemeClr val="accent1">
+                      <a:shade val="48000"/>
+                      <a:satMod val="153000"/>
+                      <a:alpha val="100000"/>
+                    </a:schemeClr>
+                  </a:gs>
+                  <a:gs pos="43000">
+                    <a:schemeClr val="accent1">
+                      <a:tint val="86000"/>
+                      <a:satMod val="149000"/>
+                      <a:alpha val="100000"/>
+                    </a:schemeClr>
+                  </a:gs>
+                  <a:gs pos="45000">
+                    <a:schemeClr val="accent1">
+                      <a:tint val="85000"/>
+                      <a:satMod val="150000"/>
+                      <a:alpha val="100000"/>
+                    </a:schemeClr>
+                  </a:gs>
+                  <a:gs pos="50000">
+                    <a:schemeClr val="accent1">
+                      <a:tint val="86000"/>
+                      <a:satMod val="149000"/>
+                      <a:alpha val="100000"/>
+                    </a:schemeClr>
+                  </a:gs>
+                  <a:gs pos="79000">
+                    <a:schemeClr val="accent1">
+                      <a:shade val="53000"/>
+                      <a:satMod val="150000"/>
+                      <a:alpha val="100000"/>
+                    </a:schemeClr>
+                  </a:gs>
+                  <a:gs pos="100000">
+                    <a:schemeClr val="accent1">
+                      <a:shade val="25000"/>
+                      <a:satMod val="170000"/>
+                      <a:alpha val="100000"/>
+                    </a:schemeClr>
+                  </a:gs>
+                </a:gsLst>
+                <a:lin ang="450000" scaled="1"/>
+                <a:tileRect/>
+              </a:gradFill>
+            </a:fillOverlay>
           </a:effectLst>
         </p:spPr>
         <p:style>
@@ -4140,535 +4807,241 @@
           </a:fontRef>
         </p:style>
         <p:txBody>
-          <a:bodyPr anchor="ctr"/>
+          <a:bodyPr vert="horz" wrap="square" lIns="91440" tIns="45720" rIns="91440" bIns="45720" anchor="ctr" compatLnSpc="1"/>
           <a:lstStyle>
             <a:extLst/>
           </a:lstStyle>
           <a:p>
             <a:pPr algn="ctr" eaLnBrk="1" latinLnBrk="0" hangingPunct="1"/>
-            <a:endParaRPr kumimoji="0" lang="en-US" dirty="0"/>
-          </a:p>
-        </p:txBody>
-      </p:sp>
-      <p:sp>
-        <p:nvSpPr>
-          <p:cNvPr id="4" name="Textplatzhalter 3"/>
-          <p:cNvSpPr>
-            <a:spLocks noGrp="1"/>
-          </p:cNvSpPr>
-          <p:nvPr>
-            <p:ph type="body" sz="half" idx="2"/>
-          </p:nvPr>
-        </p:nvSpPr>
+            <a:endParaRPr kumimoji="0" lang="en-US"/>
+          </a:p>
+        </p:txBody>
+      </p:sp>
+      <p:cxnSp>
+        <p:nvCxnSpPr>
+          <p:cNvPr id="15" name="Gerade Verbindung 14"/>
+          <p:cNvCxnSpPr/>
+          <p:nvPr/>
+        </p:nvCxnSpPr>
         <p:spPr>
           <a:xfrm>
-            <a:off x="838200" y="4800600"/>
-            <a:ext cx="4419600" cy="762000"/>
+            <a:off x="-9237" y="5787738"/>
+            <a:ext cx="3405509" cy="1084383"/>
           </a:xfrm>
-        </p:spPr>
-        <p:txBody>
-          <a:bodyPr anchor="ctr"/>
-          <a:lstStyle>
-            <a:lvl1pPr marL="0" indent="0" algn="l">
-              <a:lnSpc>
-                <a:spcPts val="1600"/>
-              </a:lnSpc>
-              <a:spcBef>
-                <a:spcPts val="0"/>
-              </a:spcBef>
-              <a:buNone/>
-              <a:defRPr sz="1400">
-                <a:solidFill>
-                  <a:srgbClr val="777777"/>
-                </a:solidFill>
-              </a:defRPr>
-            </a:lvl1pPr>
-            <a:lvl2pPr>
-              <a:defRPr sz="1200"/>
-            </a:lvl2pPr>
-            <a:lvl3pPr>
-              <a:defRPr sz="1000"/>
-            </a:lvl3pPr>
-            <a:lvl4pPr>
-              <a:defRPr sz="900"/>
-            </a:lvl4pPr>
-            <a:lvl5pPr>
-              <a:defRPr sz="900"/>
-            </a:lvl5pPr>
-            <a:extLst/>
-          </a:lstStyle>
-          <a:p>
-            <a:pPr lvl="0" eaLnBrk="1" latinLnBrk="0" hangingPunct="1"/>
-            <a:r>
-              <a:rPr kumimoji="0" lang="de-DE" smtClean="0"/>
-              <a:t>Textmasterformat bearbeiten</a:t>
-            </a:r>
-          </a:p>
-        </p:txBody>
-      </p:sp>
-      <p:sp>
-        <p:nvSpPr>
-          <p:cNvPr id="11" name="Fußzeilenplatzhalter 9"/>
-          <p:cNvSpPr>
-            <a:spLocks noGrp="1"/>
-          </p:cNvSpPr>
-          <p:nvPr>
-            <p:ph type="ftr" sz="quarter" idx="3"/>
-          </p:nvPr>
-        </p:nvSpPr>
-        <p:spPr>
-          <a:xfrm>
-            <a:off x="5796136" y="44624"/>
-            <a:ext cx="2880320" cy="380720"/>
-          </a:xfrm>
-          <a:prstGeom prst="rect">
+          <a:prstGeom prst="line">
             <a:avLst/>
           </a:prstGeom>
-        </p:spPr>
-        <p:txBody>
-          <a:bodyPr anchor="b"/>
-          <a:lstStyle>
-            <a:lvl1pPr eaLnBrk="1" latinLnBrk="0" hangingPunct="1">
-              <a:defRPr kumimoji="0" sz="1600">
-                <a:solidFill>
-                  <a:schemeClr val="bg2">
-                    <a:shade val="50000"/>
-                    <a:satMod val="200000"/>
+          <a:noFill/>
+          <a:ln w="12065" cap="flat" cmpd="sng" algn="ctr">
+            <a:gradFill>
+              <a:gsLst>
+                <a:gs pos="45000">
+                  <a:schemeClr val="accent1">
+                    <a:tint val="70000"/>
+                    <a:satMod val="110000"/>
                   </a:schemeClr>
-                </a:solidFill>
-                <a:effectLst/>
-              </a:defRPr>
-            </a:lvl1pPr>
-            <a:extLst/>
-          </a:lstStyle>
-          <a:p>
-            <a:r>
-              <a:rPr lang="de-DE" dirty="0" smtClean="0"/>
-              <a:t>Martin Schneider, 6000513</a:t>
-            </a:r>
-            <a:endParaRPr lang="de-DE" dirty="0"/>
-          </a:p>
-        </p:txBody>
-      </p:sp>
-    </p:spTree>
-  </p:cSld>
-  <p:clrMapOvr>
-    <a:masterClrMapping/>
-  </p:clrMapOvr>
-</p:sldLayout>
-</file>
-
-<file path=ppt/slideMasters/slideMaster1.xml><?xml version="1.0" encoding="utf-8"?>
-<p:sldMaster xmlns:a="http://schemas.openxmlformats.org/drawingml/2006/main" xmlns:r="http://schemas.openxmlformats.org/officeDocument/2006/relationships" xmlns:p="http://schemas.openxmlformats.org/presentationml/2006/main">
-  <p:cSld>
-    <p:bg>
-      <p:bgRef idx="1003">
-        <a:schemeClr val="bg2"/>
-      </p:bgRef>
-    </p:bg>
-    <p:spTree>
-      <p:nvGrpSpPr>
-        <p:cNvPr id="1" name=""/>
-        <p:cNvGrpSpPr/>
-        <p:nvPr/>
-      </p:nvGrpSpPr>
-      <p:grpSpPr>
-        <a:xfrm>
-          <a:off x="0" y="0"/>
-          <a:ext cx="0" cy="0"/>
-          <a:chOff x="0" y="0"/>
-          <a:chExt cx="0" cy="0"/>
-        </a:xfrm>
-      </p:grpSpPr>
-      <p:sp>
-        <p:nvSpPr>
-          <p:cNvPr id="7" name="Kreis 6"/>
-          <p:cNvSpPr/>
-          <p:nvPr/>
-        </p:nvSpPr>
-        <p:spPr>
-          <a:xfrm>
-            <a:off x="-815927" y="-815922"/>
-            <a:ext cx="1638887" cy="1638887"/>
-          </a:xfrm>
-          <a:prstGeom prst="pie">
-            <a:avLst>
-              <a:gd name="adj1" fmla="val 0"/>
-              <a:gd name="adj2" fmla="val 5402120"/>
-            </a:avLst>
-          </a:prstGeom>
-          <a:solidFill>
-            <a:schemeClr val="bg2">
-              <a:tint val="18000"/>
-              <a:satMod val="220000"/>
-              <a:alpha val="33000"/>
-            </a:schemeClr>
-          </a:solidFill>
-          <a:ln w="3175" cap="rnd" cmpd="sng" algn="ctr">
-            <a:solidFill>
-              <a:schemeClr val="bg2">
-                <a:shade val="70000"/>
-                <a:satMod val="200000"/>
-                <a:alpha val="100000"/>
-              </a:schemeClr>
-            </a:solidFill>
+                </a:gs>
+                <a:gs pos="15000">
+                  <a:schemeClr val="accent1">
+                    <a:shade val="40000"/>
+                    <a:satMod val="110000"/>
+                  </a:schemeClr>
+                </a:gs>
+              </a:gsLst>
+              <a:lin ang="5400000" scaled="1"/>
+            </a:gradFill>
             <a:prstDash val="solid"/>
+            <a:miter lim="800000"/>
           </a:ln>
           <a:effectLst/>
         </p:spPr>
         <p:style>
-          <a:lnRef idx="3">
-            <a:schemeClr val="lt1"/>
+          <a:lnRef idx="2">
+            <a:schemeClr val="accent1"/>
           </a:lnRef>
-          <a:fillRef idx="1">
+          <a:fillRef idx="0">
             <a:schemeClr val="accent1"/>
           </a:fillRef>
           <a:effectRef idx="1">
             <a:schemeClr val="accent1"/>
           </a:effectRef>
           <a:fontRef idx="minor">
-            <a:schemeClr val="lt1"/>
+            <a:schemeClr val="tx1"/>
           </a:fontRef>
         </p:style>
-        <p:txBody>
-          <a:bodyPr anchor="ctr"/>
-          <a:lstStyle>
-            <a:extLst/>
-          </a:lstStyle>
-          <a:p>
-            <a:pPr algn="ctr" eaLnBrk="1" latinLnBrk="0" hangingPunct="1"/>
-            <a:endParaRPr kumimoji="0" lang="en-US"/>
-          </a:p>
-        </p:txBody>
-      </p:sp>
-      <p:sp>
-        <p:nvSpPr>
-          <p:cNvPr id="8" name="Ellipse 7"/>
-          <p:cNvSpPr/>
-          <p:nvPr/>
+      </p:cxnSp>
+      <p:sp>
+        <p:nvSpPr>
+          <p:cNvPr id="9" name="Titelplatzhalter 8"/>
+          <p:cNvSpPr>
+            <a:spLocks noGrp="1"/>
+          </p:cNvSpPr>
+          <p:nvPr>
+            <p:ph type="title"/>
+          </p:nvPr>
         </p:nvSpPr>
         <p:spPr>
           <a:xfrm>
-            <a:off x="168816" y="21102"/>
-            <a:ext cx="1702191" cy="1702191"/>
-          </a:xfrm>
-          <a:prstGeom prst="ellipse">
-            <a:avLst/>
-          </a:prstGeom>
-          <a:noFill/>
-          <a:ln w="27305" cap="rnd" cmpd="sng" algn="ctr">
-            <a:solidFill>
-              <a:schemeClr val="bg2">
-                <a:tint val="45000"/>
-                <a:satMod val="325000"/>
-                <a:alpha val="100000"/>
-              </a:schemeClr>
-            </a:solidFill>
-            <a:prstDash val="solid"/>
-          </a:ln>
-          <a:effectLst>
-            <a:outerShdw blurRad="25400" dist="25400" dir="5400000" algn="tl" rotWithShape="0">
-              <a:schemeClr val="bg2">
-                <a:shade val="50000"/>
-                <a:satMod val="150000"/>
-                <a:alpha val="85000"/>
-              </a:schemeClr>
-            </a:outerShdw>
-          </a:effectLst>
-        </p:spPr>
-        <p:style>
-          <a:lnRef idx="3">
-            <a:schemeClr val="lt1"/>
-          </a:lnRef>
-          <a:fillRef idx="1">
-            <a:schemeClr val="accent1"/>
-          </a:fillRef>
-          <a:effectRef idx="1">
-            <a:schemeClr val="accent1"/>
-          </a:effectRef>
-          <a:fontRef idx="minor">
-            <a:schemeClr val="lt1"/>
-          </a:fontRef>
-        </p:style>
-        <p:txBody>
-          <a:bodyPr anchor="ctr"/>
-          <a:lstStyle>
-            <a:extLst/>
-          </a:lstStyle>
-          <a:p>
-            <a:pPr algn="ctr" eaLnBrk="1" latinLnBrk="0" hangingPunct="1"/>
-            <a:endParaRPr kumimoji="0" lang="en-US"/>
-          </a:p>
-        </p:txBody>
-      </p:sp>
-      <p:sp>
-        <p:nvSpPr>
-          <p:cNvPr id="11" name="Rad 10"/>
-          <p:cNvSpPr/>
-          <p:nvPr/>
-        </p:nvSpPr>
-        <p:spPr>
-          <a:xfrm rot="2315675">
-            <a:off x="182881" y="1055077"/>
-            <a:ext cx="1125717" cy="1102624"/>
-          </a:xfrm>
-          <a:prstGeom prst="donut">
-            <a:avLst>
-              <a:gd name="adj" fmla="val 11833"/>
-            </a:avLst>
-          </a:prstGeom>
-          <a:gradFill rotWithShape="1">
-            <a:gsLst>
-              <a:gs pos="0">
-                <a:schemeClr val="bg2">
-                  <a:tint val="10000"/>
-                  <a:shade val="99000"/>
-                  <a:satMod val="355000"/>
-                  <a:alpha val="70000"/>
-                </a:schemeClr>
-              </a:gs>
-              <a:gs pos="70000">
-                <a:schemeClr val="bg2">
-                  <a:tint val="6000"/>
-                  <a:shade val="100000"/>
-                  <a:satMod val="400000"/>
-                  <a:alpha val="55000"/>
-                </a:schemeClr>
-              </a:gs>
-              <a:gs pos="100000">
-                <a:schemeClr val="bg2">
-                  <a:tint val="100000"/>
-                  <a:shade val="75000"/>
-                  <a:satMod val="370000"/>
-                  <a:alpha val="60000"/>
-                </a:schemeClr>
-              </a:gs>
-            </a:gsLst>
-            <a:path path="circle">
-              <a:fillToRect l="-407500" t="-50000" r="507500" b="150000"/>
-            </a:path>
-          </a:gradFill>
-          <a:ln w="7350" cap="rnd" cmpd="sng" algn="ctr">
-            <a:solidFill>
-              <a:schemeClr val="bg2">
-                <a:shade val="60000"/>
-                <a:satMod val="220000"/>
-                <a:alpha val="100000"/>
-              </a:schemeClr>
-            </a:solidFill>
-            <a:prstDash val="solid"/>
-          </a:ln>
-          <a:effectLst>
-            <a:outerShdw blurRad="12700" dist="15000" dir="4500000" algn="tl" rotWithShape="0">
-              <a:schemeClr val="bg2">
-                <a:shade val="10000"/>
-                <a:satMod val="200000"/>
-                <a:alpha val="35000"/>
-              </a:schemeClr>
-            </a:outerShdw>
-          </a:effectLst>
-        </p:spPr>
-        <p:style>
-          <a:lnRef idx="3">
-            <a:schemeClr val="lt1"/>
-          </a:lnRef>
-          <a:fillRef idx="1">
-            <a:schemeClr val="accent1"/>
-          </a:fillRef>
-          <a:effectRef idx="1">
-            <a:schemeClr val="accent1"/>
-          </a:effectRef>
-          <a:fontRef idx="minor">
-            <a:schemeClr val="lt1"/>
-          </a:fontRef>
-        </p:style>
-        <p:txBody>
-          <a:bodyPr anchor="ctr"/>
-          <a:lstStyle>
-            <a:extLst/>
-          </a:lstStyle>
-          <a:p>
-            <a:pPr algn="ctr" eaLnBrk="1" latinLnBrk="0" hangingPunct="1"/>
-            <a:endParaRPr kumimoji="0" lang="en-US"/>
-          </a:p>
-        </p:txBody>
-      </p:sp>
-      <p:sp>
-        <p:nvSpPr>
-          <p:cNvPr id="12" name="Rechteck 11"/>
-          <p:cNvSpPr/>
-          <p:nvPr/>
-        </p:nvSpPr>
-        <p:spPr>
-          <a:xfrm>
-            <a:off x="1012873" y="-27384"/>
-            <a:ext cx="8131127" cy="6858054"/>
-          </a:xfrm>
-          <a:prstGeom prst="rect">
-            <a:avLst/>
-          </a:prstGeom>
-          <a:solidFill>
-            <a:schemeClr val="bg1"/>
-          </a:solidFill>
-          <a:ln w="25400" cap="rnd" cmpd="sng" algn="ctr">
-            <a:noFill/>
-            <a:prstDash val="solid"/>
-          </a:ln>
-          <a:effectLst/>
-        </p:spPr>
-        <p:style>
-          <a:lnRef idx="3">
-            <a:schemeClr val="lt1"/>
-          </a:lnRef>
-          <a:fillRef idx="1">
-            <a:schemeClr val="accent1"/>
-          </a:fillRef>
-          <a:effectRef idx="1">
-            <a:schemeClr val="accent1"/>
-          </a:effectRef>
-          <a:fontRef idx="minor">
-            <a:schemeClr val="lt1"/>
-          </a:fontRef>
-        </p:style>
-        <p:txBody>
-          <a:bodyPr anchor="ctr"/>
-          <a:lstStyle>
-            <a:extLst/>
-          </a:lstStyle>
-          <a:p>
-            <a:pPr algn="ctr" eaLnBrk="1" latinLnBrk="0" hangingPunct="1"/>
-            <a:endParaRPr kumimoji="0" lang="en-US"/>
-          </a:p>
-        </p:txBody>
-      </p:sp>
-      <p:sp>
-        <p:nvSpPr>
-          <p:cNvPr id="5" name="Titelplatzhalter 4"/>
-          <p:cNvSpPr>
-            <a:spLocks noGrp="1"/>
-          </p:cNvSpPr>
-          <p:nvPr>
-            <p:ph type="title"/>
-          </p:nvPr>
-        </p:nvSpPr>
-        <p:spPr>
-          <a:xfrm>
-            <a:off x="1435608" y="274638"/>
-            <a:ext cx="7498080" cy="1143000"/>
+            <a:off x="457200" y="274638"/>
+            <a:ext cx="8229600" cy="1143000"/>
           </a:xfrm>
           <a:prstGeom prst="rect">
             <a:avLst/>
           </a:prstGeom>
         </p:spPr>
         <p:txBody>
-          <a:bodyPr anchor="ctr">
+          <a:bodyPr vert="horz" anchor="ctr">
+            <a:normAutofit/>
+            <a:scene3d>
+              <a:camera prst="orthographicFront"/>
+              <a:lightRig rig="soft" dir="t"/>
+            </a:scene3d>
+            <a:sp3d prstMaterial="softEdge">
+              <a:bevelT w="25400" h="25400"/>
+            </a:sp3d>
+          </a:bodyPr>
+          <a:lstStyle>
+            <a:extLst/>
+          </a:lstStyle>
+          <a:p>
+            <a:r>
+              <a:rPr kumimoji="0" lang="de-DE" smtClean="0"/>
+              <a:t>Titelmasterformat durch Klicken bearbeiten</a:t>
+            </a:r>
+            <a:endParaRPr kumimoji="0" lang="en-US"/>
+          </a:p>
+        </p:txBody>
+      </p:sp>
+      <p:sp>
+        <p:nvSpPr>
+          <p:cNvPr id="30" name="Textplatzhalter 29"/>
+          <p:cNvSpPr>
+            <a:spLocks noGrp="1"/>
+          </p:cNvSpPr>
+          <p:nvPr>
+            <p:ph type="body" idx="1"/>
+          </p:nvPr>
+        </p:nvSpPr>
+        <p:spPr>
+          <a:xfrm>
+            <a:off x="457200" y="1481328"/>
+            <a:ext cx="8229600" cy="4525963"/>
+          </a:xfrm>
+          <a:prstGeom prst="rect">
+            <a:avLst/>
+          </a:prstGeom>
+        </p:spPr>
+        <p:txBody>
+          <a:bodyPr vert="horz">
             <a:normAutofit/>
           </a:bodyPr>
           <a:lstStyle>
             <a:extLst/>
           </a:lstStyle>
           <a:p>
-            <a:r>
-              <a:rPr kumimoji="0" lang="de-DE" dirty="0" smtClean="0"/>
-              <a:t>Titelmasterformat durch Klicken bearbeiten</a:t>
-            </a:r>
-            <a:endParaRPr kumimoji="0" lang="en-US" dirty="0"/>
-          </a:p>
-        </p:txBody>
-      </p:sp>
-      <p:sp>
-        <p:nvSpPr>
-          <p:cNvPr id="9" name="Textplatzhalter 8"/>
-          <p:cNvSpPr>
-            <a:spLocks noGrp="1"/>
-          </p:cNvSpPr>
-          <p:nvPr>
-            <p:ph type="body" idx="1"/>
+            <a:pPr lvl="0" eaLnBrk="1" latinLnBrk="0" hangingPunct="1"/>
+            <a:r>
+              <a:rPr kumimoji="0" lang="de-DE" smtClean="0"/>
+              <a:t>Textmasterformat bearbeiten</a:t>
+            </a:r>
+          </a:p>
+          <a:p>
+            <a:pPr lvl="1" eaLnBrk="1" latinLnBrk="0" hangingPunct="1"/>
+            <a:r>
+              <a:rPr kumimoji="0" lang="de-DE" smtClean="0"/>
+              <a:t>Zweite Ebene</a:t>
+            </a:r>
+          </a:p>
+          <a:p>
+            <a:pPr lvl="2" eaLnBrk="1" latinLnBrk="0" hangingPunct="1"/>
+            <a:r>
+              <a:rPr kumimoji="0" lang="de-DE" smtClean="0"/>
+              <a:t>Dritte Ebene</a:t>
+            </a:r>
+          </a:p>
+          <a:p>
+            <a:pPr lvl="3" eaLnBrk="1" latinLnBrk="0" hangingPunct="1"/>
+            <a:r>
+              <a:rPr kumimoji="0" lang="de-DE" smtClean="0"/>
+              <a:t>Vierte Ebene</a:t>
+            </a:r>
+          </a:p>
+          <a:p>
+            <a:pPr lvl="4" eaLnBrk="1" latinLnBrk="0" hangingPunct="1"/>
+            <a:r>
+              <a:rPr kumimoji="0" lang="de-DE" smtClean="0"/>
+              <a:t>Fünfte Ebene</a:t>
+            </a:r>
+            <a:endParaRPr kumimoji="0" lang="en-US"/>
+          </a:p>
+        </p:txBody>
+      </p:sp>
+      <p:sp>
+        <p:nvSpPr>
+          <p:cNvPr id="10" name="Datumsplatzhalter 9"/>
+          <p:cNvSpPr>
+            <a:spLocks noGrp="1"/>
+          </p:cNvSpPr>
+          <p:nvPr>
+            <p:ph type="dt" sz="half" idx="2"/>
           </p:nvPr>
         </p:nvSpPr>
         <p:spPr>
           <a:xfrm>
-            <a:off x="1435608" y="1447800"/>
-            <a:ext cx="7498080" cy="4800600"/>
+            <a:off x="6727032" y="6407944"/>
+            <a:ext cx="1920240" cy="365760"/>
           </a:xfrm>
           <a:prstGeom prst="rect">
             <a:avLst/>
           </a:prstGeom>
         </p:spPr>
         <p:txBody>
-          <a:bodyPr>
-            <a:normAutofit/>
-          </a:bodyPr>
+          <a:bodyPr vert="horz" anchor="b"/>
           <a:lstStyle>
+            <a:lvl1pPr algn="l" eaLnBrk="1" latinLnBrk="0" hangingPunct="1">
+              <a:defRPr kumimoji="0" sz="1000">
+                <a:solidFill>
+                  <a:schemeClr val="tx1"/>
+                </a:solidFill>
+              </a:defRPr>
+            </a:lvl1pPr>
             <a:extLst/>
           </a:lstStyle>
           <a:p>
-            <a:pPr lvl="0" eaLnBrk="1" latinLnBrk="0" hangingPunct="1"/>
-            <a:r>
-              <a:rPr kumimoji="0" lang="de-DE" dirty="0" smtClean="0"/>
-              <a:t>Textmasterformat bearbeiten</a:t>
-            </a:r>
-          </a:p>
-          <a:p>
-            <a:pPr lvl="1" eaLnBrk="1" latinLnBrk="0" hangingPunct="1"/>
-            <a:r>
-              <a:rPr kumimoji="0" lang="de-DE" dirty="0" smtClean="0"/>
-              <a:t>Zweite Ebene</a:t>
-            </a:r>
-          </a:p>
-          <a:p>
-            <a:pPr lvl="2" eaLnBrk="1" latinLnBrk="0" hangingPunct="1"/>
-            <a:r>
-              <a:rPr kumimoji="0" lang="de-DE" dirty="0" smtClean="0"/>
-              <a:t>Dritte Ebene</a:t>
-            </a:r>
-          </a:p>
-          <a:p>
-            <a:pPr lvl="3" eaLnBrk="1" latinLnBrk="0" hangingPunct="1"/>
-            <a:r>
-              <a:rPr kumimoji="0" lang="de-DE" dirty="0" smtClean="0"/>
-              <a:t>Vierte Ebene</a:t>
-            </a:r>
-          </a:p>
-          <a:p>
-            <a:pPr lvl="4" eaLnBrk="1" latinLnBrk="0" hangingPunct="1"/>
-            <a:r>
-              <a:rPr kumimoji="0" lang="de-DE" dirty="0" smtClean="0"/>
-              <a:t>Fünfte Ebene</a:t>
-            </a:r>
-            <a:endParaRPr kumimoji="0" lang="en-US" dirty="0"/>
-          </a:p>
-        </p:txBody>
-      </p:sp>
-      <p:sp>
-        <p:nvSpPr>
-          <p:cNvPr id="24" name="Datumsplatzhalter 23"/>
-          <p:cNvSpPr>
-            <a:spLocks noGrp="1"/>
-          </p:cNvSpPr>
-          <p:nvPr>
-            <p:ph type="dt" sz="half" idx="2"/>
+            <a:r>
+              <a:rPr lang="de-DE" smtClean="0"/>
+              <a:t>28.11.2016</a:t>
+            </a:r>
+            <a:endParaRPr lang="de-DE" dirty="0"/>
+          </a:p>
+        </p:txBody>
+      </p:sp>
+      <p:sp>
+        <p:nvSpPr>
+          <p:cNvPr id="22" name="Fußzeilenplatzhalter 21"/>
+          <p:cNvSpPr>
+            <a:spLocks noGrp="1"/>
+          </p:cNvSpPr>
+          <p:nvPr>
+            <p:ph type="ftr" sz="quarter" idx="3"/>
           </p:nvPr>
         </p:nvSpPr>
         <p:spPr>
           <a:xfrm>
-            <a:off x="6516216" y="6309320"/>
-            <a:ext cx="2133600" cy="476250"/>
+            <a:off x="4380072" y="6407944"/>
+            <a:ext cx="2350681" cy="365125"/>
           </a:xfrm>
           <a:prstGeom prst="rect">
             <a:avLst/>
           </a:prstGeom>
         </p:spPr>
         <p:txBody>
-          <a:bodyPr anchor="b"/>
+          <a:bodyPr vert="horz" anchor="b"/>
           <a:lstStyle>
             <a:lvl1pPr algn="r" eaLnBrk="1" latinLnBrk="0" hangingPunct="1">
-              <a:defRPr kumimoji="0" sz="1600">
+              <a:defRPr kumimoji="0" sz="1000">
                 <a:solidFill>
-                  <a:schemeClr val="bg2">
-                    <a:shade val="50000"/>
-                    <a:satMod val="200000"/>
-                  </a:schemeClr>
+                  <a:schemeClr val="tx1"/>
                 </a:solidFill>
               </a:defRPr>
             </a:lvl1pPr>
@@ -4677,7 +5050,7 @@
           <a:p>
             <a:r>
               <a:rPr lang="de-DE" smtClean="0"/>
-              <a:t>28.11.2016</a:t>
+              <a:t>Martin Schneider, 6000513</a:t>
             </a:r>
             <a:endParaRPr lang="de-DE" dirty="0"/>
           </a:p>
@@ -4685,84 +5058,36 @@
       </p:sp>
       <p:sp>
         <p:nvSpPr>
-          <p:cNvPr id="10" name="Fußzeilenplatzhalter 9"/>
-          <p:cNvSpPr>
-            <a:spLocks noGrp="1"/>
-          </p:cNvSpPr>
-          <p:nvPr>
-            <p:ph type="ftr" sz="quarter" idx="3"/>
+          <p:cNvPr id="18" name="Foliennummernplatzhalter 17"/>
+          <p:cNvSpPr>
+            <a:spLocks noGrp="1"/>
+          </p:cNvSpPr>
+          <p:nvPr>
+            <p:ph type="sldNum" sz="quarter" idx="4"/>
           </p:nvPr>
         </p:nvSpPr>
         <p:spPr>
           <a:xfrm>
-            <a:off x="5796136" y="44624"/>
-            <a:ext cx="2880320" cy="380720"/>
+            <a:off x="8647272" y="6407944"/>
+            <a:ext cx="365760" cy="365125"/>
           </a:xfrm>
           <a:prstGeom prst="rect">
             <a:avLst/>
           </a:prstGeom>
         </p:spPr>
         <p:txBody>
-          <a:bodyPr anchor="b"/>
+          <a:bodyPr vert="horz" anchor="b"/>
           <a:lstStyle>
-            <a:lvl1pPr eaLnBrk="1" latinLnBrk="0" hangingPunct="1">
-              <a:defRPr kumimoji="0" sz="1600">
+            <a:lvl1pPr algn="r" eaLnBrk="1" latinLnBrk="0" hangingPunct="1">
+              <a:defRPr kumimoji="0" sz="1000" b="0">
                 <a:solidFill>
-                  <a:schemeClr val="bg2">
-                    <a:shade val="50000"/>
-                    <a:satMod val="200000"/>
-                  </a:schemeClr>
+                  <a:schemeClr val="tx1"/>
                 </a:solidFill>
-                <a:effectLst/>
               </a:defRPr>
             </a:lvl1pPr>
             <a:extLst/>
           </a:lstStyle>
           <a:p>
-            <a:r>
-              <a:rPr lang="de-DE" dirty="0" smtClean="0"/>
-              <a:t>Martin Schneider, 6000513</a:t>
-            </a:r>
-            <a:endParaRPr lang="de-DE" dirty="0"/>
-          </a:p>
-        </p:txBody>
-      </p:sp>
-      <p:sp>
-        <p:nvSpPr>
-          <p:cNvPr id="22" name="Foliennummernplatzhalter 21"/>
-          <p:cNvSpPr>
-            <a:spLocks noGrp="1"/>
-          </p:cNvSpPr>
-          <p:nvPr>
-            <p:ph type="sldNum" sz="quarter" idx="4"/>
-          </p:nvPr>
-        </p:nvSpPr>
-        <p:spPr>
-          <a:xfrm>
-            <a:off x="8613648" y="6305550"/>
-            <a:ext cx="457200" cy="476250"/>
-          </a:xfrm>
-          <a:prstGeom prst="rect">
-            <a:avLst/>
-          </a:prstGeom>
-        </p:spPr>
-        <p:txBody>
-          <a:bodyPr anchor="b"/>
-          <a:lstStyle>
-            <a:lvl1pPr algn="ctr" eaLnBrk="1" latinLnBrk="0" hangingPunct="1">
-              <a:defRPr kumimoji="0" sz="1600">
-                <a:solidFill>
-                  <a:schemeClr val="bg2">
-                    <a:shade val="50000"/>
-                    <a:satMod val="200000"/>
-                  </a:schemeClr>
-                </a:solidFill>
-                <a:effectLst/>
-              </a:defRPr>
-            </a:lvl1pPr>
-            <a:extLst/>
-          </a:lstStyle>
-          <a:p>
             <a:fld id="{166D15F3-9A1A-4AEC-BA89-32D146ECA64D}" type="slidenum">
               <a:rPr lang="de-DE" smtClean="0"/>
               <a:pPr/>
@@ -4772,72 +5097,16 @@
           </a:p>
         </p:txBody>
       </p:sp>
-      <p:sp>
-        <p:nvSpPr>
-          <p:cNvPr id="15" name="Rechteck 14"/>
-          <p:cNvSpPr/>
-          <p:nvPr/>
-        </p:nvSpPr>
-        <p:spPr bwMode="invGray">
-          <a:xfrm>
-            <a:off x="1014984" y="-54"/>
-            <a:ext cx="73152" cy="6858054"/>
-          </a:xfrm>
-          <a:prstGeom prst="rect">
-            <a:avLst/>
-          </a:prstGeom>
-          <a:solidFill>
-            <a:schemeClr val="bg1"/>
-          </a:solidFill>
-          <a:ln w="25400" cap="rnd" cmpd="sng" algn="ctr">
-            <a:noFill/>
-            <a:prstDash val="solid"/>
-          </a:ln>
-          <a:effectLst>
-            <a:outerShdw blurRad="38550" dist="38000" dir="10800000" algn="tl" rotWithShape="0">
-              <a:schemeClr val="bg2">
-                <a:shade val="20000"/>
-                <a:satMod val="110000"/>
-                <a:alpha val="25000"/>
-              </a:schemeClr>
-            </a:outerShdw>
-          </a:effectLst>
-        </p:spPr>
-        <p:style>
-          <a:lnRef idx="3">
-            <a:schemeClr val="lt1"/>
-          </a:lnRef>
-          <a:fillRef idx="1">
-            <a:schemeClr val="accent1"/>
-          </a:fillRef>
-          <a:effectRef idx="1">
-            <a:schemeClr val="accent1"/>
-          </a:effectRef>
-          <a:fontRef idx="minor">
-            <a:schemeClr val="lt1"/>
-          </a:fontRef>
-        </p:style>
-        <p:txBody>
-          <a:bodyPr anchor="ctr"/>
-          <a:lstStyle>
-            <a:extLst/>
-          </a:lstStyle>
-          <a:p>
-            <a:pPr algn="ctr" eaLnBrk="1" latinLnBrk="0" hangingPunct="1"/>
-            <a:endParaRPr kumimoji="0" lang="en-US"/>
-          </a:p>
-        </p:txBody>
-      </p:sp>
       <p:pic>
         <p:nvPicPr>
-          <p:cNvPr id="3074" name="Picture 2" descr="http://ranking.zeit.de/che2015/images/logos/ba_riesa.png"/>
+          <p:cNvPr id="11" name="Picture 2" descr="http://ranking.zeit.de/che2015/images/logos/ba_riesa.png"/>
           <p:cNvPicPr>
             <a:picLocks noChangeAspect="1" noChangeArrowheads="1"/>
           </p:cNvPicPr>
           <p:nvPr userDrawn="1"/>
         </p:nvPicPr>
         <p:blipFill>
-          <a:blip r:embed="rId13">
+          <a:blip r:embed="rId14">
             <a:extLst>
               <a:ext uri="{28A0092B-C50C-407E-A947-70E740481C1C}">
                 <a14:useLocalDpi xmlns:a14="http://schemas.microsoft.com/office/drawing/2010/main" val="0"/>
@@ -4851,7 +5120,7 @@
         </p:blipFill>
         <p:spPr bwMode="auto">
           <a:xfrm>
-            <a:off x="1115616" y="44624"/>
+            <a:off x="7705119" y="51498"/>
             <a:ext cx="755313" cy="531355"/>
           </a:xfrm>
           <a:prstGeom prst="rect">
@@ -4871,14 +5140,14 @@
       </p:pic>
       <p:pic>
         <p:nvPicPr>
-          <p:cNvPr id="13" name="Picture 4" descr="https://pbs.twimg.com/profile_images/1912927383/QuoData_Basis_ohne_Text_quadratisch.png"/>
+          <p:cNvPr id="16" name="Picture 4" descr="https://pbs.twimg.com/profile_images/1912927383/QuoData_Basis_ohne_Text_quadratisch.png"/>
           <p:cNvPicPr>
             <a:picLocks noChangeAspect="1" noChangeArrowheads="1"/>
           </p:cNvPicPr>
           <p:nvPr userDrawn="1"/>
         </p:nvPicPr>
         <p:blipFill>
-          <a:blip r:embed="rId14" cstate="print">
+          <a:blip r:embed="rId15" cstate="print">
             <a:extLst>
               <a:ext uri="{28A0092B-C50C-407E-A947-70E740481C1C}">
                 <a14:useLocalDpi xmlns:a14="http://schemas.microsoft.com/office/drawing/2010/main" val="0"/>
@@ -4914,25 +5183,18 @@
   </p:cSld>
   <p:clrMap bg1="lt1" tx1="dk1" bg2="lt2" tx2="dk2" accent1="accent1" accent2="accent2" accent3="accent3" accent4="accent4" accent5="accent5" accent6="accent6" hlink="hlink" folHlink="folHlink"/>
   <p:sldLayoutIdLst>
-    <p:sldLayoutId id="2147483661" r:id="rId1"/>
-    <p:sldLayoutId id="2147483662" r:id="rId2"/>
-    <p:sldLayoutId id="2147483663" r:id="rId3"/>
-    <p:sldLayoutId id="2147483664" r:id="rId4"/>
-    <p:sldLayoutId id="2147483665" r:id="rId5"/>
-    <p:sldLayoutId id="2147483666" r:id="rId6"/>
-    <p:sldLayoutId id="2147483667" r:id="rId7"/>
-    <p:sldLayoutId id="2147483668" r:id="rId8"/>
-    <p:sldLayoutId id="2147483669" r:id="rId9"/>
-    <p:sldLayoutId id="2147483670" r:id="rId10"/>
-    <p:sldLayoutId id="2147483671" r:id="rId11"/>
+    <p:sldLayoutId id="2147483673" r:id="rId1"/>
+    <p:sldLayoutId id="2147483674" r:id="rId2"/>
+    <p:sldLayoutId id="2147483675" r:id="rId3"/>
+    <p:sldLayoutId id="2147483676" r:id="rId4"/>
+    <p:sldLayoutId id="2147483677" r:id="rId5"/>
+    <p:sldLayoutId id="2147483678" r:id="rId6"/>
+    <p:sldLayoutId id="2147483679" r:id="rId7"/>
+    <p:sldLayoutId id="2147483680" r:id="rId8"/>
+    <p:sldLayoutId id="2147483681" r:id="rId9"/>
+    <p:sldLayoutId id="2147483682" r:id="rId10"/>
+    <p:sldLayoutId id="2147483683" r:id="rId11"/>
   </p:sldLayoutIdLst>
-  <p:timing>
-    <p:tnLst>
-      <p:par>
-        <p:cTn id="1" dur="indefinite" restart="never" nodeType="tmRoot"/>
-      </p:par>
-    </p:tnLst>
-  </p:timing>
   <p:hf hdr="0"/>
   <p:txStyles>
     <p:titleStyle>
@@ -4941,16 +5203,14 @@
           <a:spcPct val="0"/>
         </a:spcBef>
         <a:buNone/>
-        <a:defRPr kumimoji="0" sz="3200" kern="1200">
+        <a:defRPr kumimoji="0" sz="4100" b="1" kern="1200">
           <a:solidFill>
-            <a:schemeClr val="tx2">
-              <a:satMod val="130000"/>
-            </a:schemeClr>
+            <a:schemeClr val="tx2"/>
           </a:solidFill>
           <a:effectLst>
-            <a:outerShdw blurRad="50000" dist="30000" dir="5400000" algn="tl" rotWithShape="0">
+            <a:outerShdw blurRad="31750" dist="25400" dir="5400000" algn="tl" rotWithShape="0">
               <a:srgbClr val="000000">
-                <a:alpha val="30000"/>
+                <a:alpha val="25000"/>
               </a:srgbClr>
             </a:outerShdw>
           </a:effectLst>
@@ -4962,20 +5222,20 @@
       <a:extLst/>
     </p:titleStyle>
     <p:bodyStyle>
-      <a:lvl1pPr marL="365760" indent="-283464" algn="l" rtl="0" eaLnBrk="1" latinLnBrk="0" hangingPunct="1">
-        <a:lnSpc>
-          <a:spcPct val="100000"/>
-        </a:lnSpc>
+      <a:lvl1pPr marL="365760" indent="-256032" algn="l" rtl="0" eaLnBrk="1" latinLnBrk="0" hangingPunct="1">
         <a:spcBef>
-          <a:spcPts val="600"/>
+          <a:spcPts val="400"/>
         </a:spcBef>
+        <a:spcAft>
+          <a:spcPts val="0"/>
+        </a:spcAft>
         <a:buClr>
           <a:schemeClr val="accent1"/>
         </a:buClr>
-        <a:buSzPct val="80000"/>
-        <a:buFont typeface="Wingdings 2"/>
-        <a:buChar char=""/>
-        <a:defRPr kumimoji="0" sz="3200" kern="1200">
+        <a:buSzPct val="68000"/>
+        <a:buFont typeface="Wingdings 3"/>
+        <a:buChar char=""/>
+        <a:defRPr kumimoji="0" sz="2700" kern="1200">
           <a:solidFill>
             <a:schemeClr val="tx1"/>
           </a:solidFill>
@@ -4984,19 +5244,16 @@
           <a:cs typeface="+mn-cs"/>
         </a:defRPr>
       </a:lvl1pPr>
-      <a:lvl2pPr marL="640080" indent="-237744" algn="l" rtl="0" eaLnBrk="1" latinLnBrk="0" hangingPunct="1">
-        <a:lnSpc>
-          <a:spcPct val="100000"/>
-        </a:lnSpc>
+      <a:lvl2pPr marL="621792" indent="-228600" algn="l" rtl="0" eaLnBrk="1" latinLnBrk="0" hangingPunct="1">
         <a:spcBef>
-          <a:spcPts val="550"/>
+          <a:spcPts val="324"/>
         </a:spcBef>
         <a:buClr>
           <a:schemeClr val="accent1"/>
         </a:buClr>
         <a:buFont typeface="Verdana"/>
         <a:buChar char="◦"/>
-        <a:defRPr kumimoji="0" sz="2800" kern="1200">
+        <a:defRPr kumimoji="0" sz="2300" kern="1200">
           <a:solidFill>
             <a:schemeClr val="tx1"/>
           </a:solidFill>
@@ -5005,19 +5262,17 @@
           <a:cs typeface="+mn-cs"/>
         </a:defRPr>
       </a:lvl2pPr>
-      <a:lvl3pPr marL="886968" indent="-228600" algn="l" rtl="0" eaLnBrk="1" latinLnBrk="0" hangingPunct="1">
-        <a:lnSpc>
-          <a:spcPct val="100000"/>
-        </a:lnSpc>
+      <a:lvl3pPr marL="859536" indent="-228600" algn="l" rtl="0" eaLnBrk="1" latinLnBrk="0" hangingPunct="1">
         <a:spcBef>
-          <a:spcPct val="20000"/>
+          <a:spcPts val="350"/>
         </a:spcBef>
         <a:buClr>
           <a:schemeClr val="accent2"/>
         </a:buClr>
+        <a:buSzPct val="100000"/>
         <a:buFont typeface="Wingdings 2"/>
         <a:buChar char=""/>
-        <a:defRPr kumimoji="0" sz="2400" kern="1200">
+        <a:defRPr kumimoji="0" sz="2100" kern="1200">
           <a:solidFill>
             <a:schemeClr val="tx1"/>
           </a:solidFill>
@@ -5026,19 +5281,16 @@
           <a:cs typeface="+mn-cs"/>
         </a:defRPr>
       </a:lvl3pPr>
-      <a:lvl4pPr marL="1097280" indent="-173736" algn="l" rtl="0" eaLnBrk="1" latinLnBrk="0" hangingPunct="1">
-        <a:lnSpc>
-          <a:spcPct val="100000"/>
-        </a:lnSpc>
+      <a:lvl4pPr marL="1143000" indent="-228600" algn="l" rtl="0" eaLnBrk="1" latinLnBrk="0" hangingPunct="1">
         <a:spcBef>
-          <a:spcPct val="20000"/>
+          <a:spcPts val="350"/>
         </a:spcBef>
         <a:buClr>
-          <a:schemeClr val="accent3"/>
+          <a:schemeClr val="accent2"/>
         </a:buClr>
         <a:buFont typeface="Wingdings 2"/>
         <a:buChar char=""/>
-        <a:defRPr kumimoji="0" sz="2000" kern="1200">
+        <a:defRPr kumimoji="0" sz="1900" kern="1200">
           <a:solidFill>
             <a:schemeClr val="tx1"/>
           </a:solidFill>
@@ -5047,19 +5299,16 @@
           <a:cs typeface="+mn-cs"/>
         </a:defRPr>
       </a:lvl4pPr>
-      <a:lvl5pPr marL="1298448" indent="-182880" algn="l" rtl="0" eaLnBrk="1" latinLnBrk="0" hangingPunct="1">
-        <a:lnSpc>
-          <a:spcPct val="100000"/>
-        </a:lnSpc>
+      <a:lvl5pPr marL="1371600" indent="-228600" algn="l" rtl="0" eaLnBrk="1" latinLnBrk="0" hangingPunct="1">
         <a:spcBef>
-          <a:spcPct val="20000"/>
+          <a:spcPts val="350"/>
         </a:spcBef>
         <a:buClr>
-          <a:schemeClr val="accent4"/>
+          <a:schemeClr val="accent2"/>
         </a:buClr>
         <a:buFont typeface="Wingdings 2"/>
         <a:buChar char=""/>
-        <a:defRPr kumimoji="0" sz="2000" kern="1200">
+        <a:defRPr kumimoji="0" sz="1800" kern="1200">
           <a:solidFill>
             <a:schemeClr val="tx1"/>
           </a:solidFill>
@@ -5068,19 +5317,16 @@
           <a:cs typeface="+mn-cs"/>
         </a:defRPr>
       </a:lvl5pPr>
-      <a:lvl6pPr marL="1508760" indent="-182880" algn="l" rtl="0" eaLnBrk="1" latinLnBrk="0" hangingPunct="1">
-        <a:lnSpc>
-          <a:spcPct val="100000"/>
-        </a:lnSpc>
+      <a:lvl6pPr marL="1600200" indent="-228600" algn="l" rtl="0" eaLnBrk="1" latinLnBrk="0" hangingPunct="1">
         <a:spcBef>
-          <a:spcPct val="20000"/>
+          <a:spcPts val="350"/>
         </a:spcBef>
         <a:buClr>
-          <a:schemeClr val="accent5"/>
+          <a:schemeClr val="accent3"/>
         </a:buClr>
         <a:buFont typeface="Wingdings 2"/>
-        <a:buChar char=""/>
-        <a:defRPr kumimoji="0" sz="2000" kern="1200">
+        <a:buChar char=""/>
+        <a:defRPr kumimoji="0" sz="1800" kern="1200">
           <a:solidFill>
             <a:schemeClr val="tx1"/>
           </a:solidFill>
@@ -5089,19 +5335,16 @@
           <a:cs typeface="+mn-cs"/>
         </a:defRPr>
       </a:lvl6pPr>
-      <a:lvl7pPr marL="1719072" indent="-182880" algn="l" rtl="0" eaLnBrk="1" latinLnBrk="0" hangingPunct="1">
-        <a:lnSpc>
-          <a:spcPct val="100000"/>
-        </a:lnSpc>
+      <a:lvl7pPr marL="1828800" indent="-228600" algn="l" rtl="0" eaLnBrk="1" latinLnBrk="0" hangingPunct="1">
         <a:spcBef>
-          <a:spcPct val="20000"/>
+          <a:spcPts val="350"/>
         </a:spcBef>
         <a:buClr>
-          <a:schemeClr val="accent6"/>
+          <a:schemeClr val="accent3"/>
         </a:buClr>
         <a:buFont typeface="Wingdings 2"/>
-        <a:buChar char=""/>
-        <a:defRPr kumimoji="0" sz="2000" kern="1200">
+        <a:buChar char=""/>
+        <a:defRPr kumimoji="0" sz="1600" kern="1200">
           <a:solidFill>
             <a:schemeClr val="tx1"/>
           </a:solidFill>
@@ -5110,19 +5353,16 @@
           <a:cs typeface="+mn-cs"/>
         </a:defRPr>
       </a:lvl7pPr>
-      <a:lvl8pPr marL="1920240" indent="-182880" algn="l" rtl="0" eaLnBrk="1" latinLnBrk="0" hangingPunct="1">
-        <a:lnSpc>
-          <a:spcPct val="100000"/>
-        </a:lnSpc>
+      <a:lvl8pPr marL="2057400" indent="-228600" algn="l" rtl="0" eaLnBrk="1" latinLnBrk="0" hangingPunct="1">
         <a:spcBef>
-          <a:spcPct val="20000"/>
+          <a:spcPts val="350"/>
         </a:spcBef>
         <a:buClr>
-          <a:schemeClr val="accent6"/>
+          <a:schemeClr val="accent3"/>
         </a:buClr>
         <a:buFont typeface="Wingdings 2"/>
-        <a:buChar char=""/>
-        <a:defRPr kumimoji="0" sz="2000" kern="1200">
+        <a:buChar char=""/>
+        <a:defRPr kumimoji="0" sz="1600" kern="1200">
           <a:solidFill>
             <a:schemeClr val="tx1"/>
           </a:solidFill>
@@ -5131,19 +5371,16 @@
           <a:cs typeface="+mn-cs"/>
         </a:defRPr>
       </a:lvl8pPr>
-      <a:lvl9pPr marL="2130552" indent="-182880" algn="l" rtl="0" eaLnBrk="1" latinLnBrk="0" hangingPunct="1">
-        <a:lnSpc>
-          <a:spcPct val="100000"/>
-        </a:lnSpc>
+      <a:lvl9pPr marL="2286000" indent="-228600" algn="l" rtl="0" eaLnBrk="1" latinLnBrk="0" hangingPunct="1">
         <a:spcBef>
-          <a:spcPct val="20000"/>
+          <a:spcPts val="350"/>
         </a:spcBef>
         <a:buClr>
-          <a:schemeClr val="accent6"/>
+          <a:schemeClr val="accent3"/>
         </a:buClr>
         <a:buFont typeface="Wingdings 2"/>
-        <a:buChar char=""/>
-        <a:defRPr kumimoji="0" sz="2000" kern="1200">
+        <a:buChar char=""/>
+        <a:defRPr kumimoji="0" sz="1600" kern="1200" baseline="0">
           <a:solidFill>
             <a:schemeClr val="tx1"/>
           </a:solidFill>
@@ -5280,7 +5517,7 @@
         </p:nvSpPr>
         <p:spPr>
           <a:xfrm>
-            <a:off x="1403648" y="1844824"/>
+            <a:off x="539552" y="1844824"/>
             <a:ext cx="7406640" cy="2480296"/>
           </a:xfrm>
         </p:spPr>
@@ -5290,18 +5527,42 @@
           </a:bodyPr>
           <a:lstStyle/>
           <a:p>
-            <a:r>
-              <a:rPr lang="de-DE" dirty="0"/>
+            <a:pPr algn="l"/>
+            <a:r>
+              <a:rPr lang="de-DE" sz="3200" dirty="0"/>
               <a:t/>
             </a:r>
             <a:br>
-              <a:rPr lang="de-DE" dirty="0"/>
+              <a:rPr lang="de-DE" sz="3200" dirty="0"/>
             </a:br>
             <a:r>
-              <a:rPr lang="de-DE" dirty="0"/>
+              <a:rPr lang="de-DE" sz="3200" dirty="0"/>
               <a:t>Entwicklung eines webbasierten Chemikalienmanagementsystems zur Dokumentation der Bestandsmengen mittels Echtzeiterfassung der Auswaagen</a:t>
             </a:r>
-            <a:endParaRPr lang="de-DE" sz="3200" dirty="0"/>
+            <a:endParaRPr lang="de-DE" sz="1800" dirty="0"/>
+          </a:p>
+        </p:txBody>
+      </p:sp>
+      <p:sp>
+        <p:nvSpPr>
+          <p:cNvPr id="5" name="Datumsplatzhalter 4"/>
+          <p:cNvSpPr>
+            <a:spLocks noGrp="1"/>
+          </p:cNvSpPr>
+          <p:nvPr>
+            <p:ph type="dt" sz="half" idx="10"/>
+          </p:nvPr>
+        </p:nvSpPr>
+        <p:spPr/>
+        <p:txBody>
+          <a:bodyPr/>
+          <a:lstStyle/>
+          <a:p>
+            <a:r>
+              <a:rPr lang="de-DE" smtClean="0"/>
+              <a:t>28.11.2016</a:t>
+            </a:r>
+            <a:endParaRPr lang="de-DE" dirty="0"/>
           </a:p>
         </p:txBody>
       </p:sp>
@@ -5312,7 +5573,7 @@
             <a:spLocks noGrp="1"/>
           </p:cNvSpPr>
           <p:nvPr>
-            <p:ph type="ftr" sz="quarter" idx="3"/>
+            <p:ph type="ftr" sz="quarter" idx="11"/>
           </p:nvPr>
         </p:nvSpPr>
         <p:spPr>
@@ -5352,29 +5613,6 @@
               <a:rPr lang="de-DE" smtClean="0"/>
               <a:t>1</a:t>
             </a:fld>
-            <a:endParaRPr lang="de-DE" dirty="0"/>
-          </a:p>
-        </p:txBody>
-      </p:sp>
-      <p:sp>
-        <p:nvSpPr>
-          <p:cNvPr id="5" name="Datumsplatzhalter 4"/>
-          <p:cNvSpPr>
-            <a:spLocks noGrp="1"/>
-          </p:cNvSpPr>
-          <p:nvPr>
-            <p:ph type="dt" sz="half" idx="10"/>
-          </p:nvPr>
-        </p:nvSpPr>
-        <p:spPr/>
-        <p:txBody>
-          <a:bodyPr/>
-          <a:lstStyle/>
-          <a:p>
-            <a:r>
-              <a:rPr lang="de-DE" smtClean="0"/>
-              <a:t>28.11.2016</a:t>
-            </a:r>
             <a:endParaRPr lang="de-DE" dirty="0"/>
           </a:p>
         </p:txBody>
@@ -5428,7 +5666,7 @@
         </p:nvSpPr>
         <p:spPr>
           <a:xfrm>
-            <a:off x="1403648" y="2564904"/>
+            <a:off x="611560" y="2564904"/>
             <a:ext cx="7406640" cy="1472184"/>
           </a:xfrm>
         </p:spPr>
@@ -5449,12 +5687,35 @@
       </p:sp>
       <p:sp>
         <p:nvSpPr>
+          <p:cNvPr id="3" name="Datumsplatzhalter 2"/>
+          <p:cNvSpPr>
+            <a:spLocks noGrp="1"/>
+          </p:cNvSpPr>
+          <p:nvPr>
+            <p:ph type="dt" sz="half" idx="10"/>
+          </p:nvPr>
+        </p:nvSpPr>
+        <p:spPr/>
+        <p:txBody>
+          <a:bodyPr/>
+          <a:lstStyle/>
+          <a:p>
+            <a:r>
+              <a:rPr lang="de-DE" smtClean="0"/>
+              <a:t>28.11.2016</a:t>
+            </a:r>
+            <a:endParaRPr lang="de-DE" dirty="0"/>
+          </a:p>
+        </p:txBody>
+      </p:sp>
+      <p:sp>
+        <p:nvSpPr>
           <p:cNvPr id="4" name="Fußzeilenplatzhalter 3"/>
           <p:cNvSpPr>
             <a:spLocks noGrp="1"/>
           </p:cNvSpPr>
           <p:nvPr>
-            <p:ph type="ftr" sz="quarter" idx="3"/>
+            <p:ph type="ftr" sz="quarter" idx="11"/>
           </p:nvPr>
         </p:nvSpPr>
         <p:spPr>
@@ -5495,29 +5756,6 @@
               <a:t>10</a:t>
             </a:fld>
             <a:endParaRPr lang="de-DE"/>
-          </a:p>
-        </p:txBody>
-      </p:sp>
-      <p:sp>
-        <p:nvSpPr>
-          <p:cNvPr id="3" name="Datumsplatzhalter 2"/>
-          <p:cNvSpPr>
-            <a:spLocks noGrp="1"/>
-          </p:cNvSpPr>
-          <p:nvPr>
-            <p:ph type="dt" sz="half" idx="10"/>
-          </p:nvPr>
-        </p:nvSpPr>
-        <p:spPr/>
-        <p:txBody>
-          <a:bodyPr/>
-          <a:lstStyle/>
-          <a:p>
-            <a:r>
-              <a:rPr lang="de-DE" smtClean="0"/>
-              <a:t>28.11.2016</a:t>
-            </a:r>
-            <a:endParaRPr lang="de-DE" dirty="0"/>
           </a:p>
         </p:txBody>
       </p:sp>
@@ -5560,29 +5798,6 @@
       </p:grpSpPr>
       <p:sp>
         <p:nvSpPr>
-          <p:cNvPr id="2" name="Titel 1"/>
-          <p:cNvSpPr>
-            <a:spLocks noGrp="1"/>
-          </p:cNvSpPr>
-          <p:nvPr>
-            <p:ph type="title"/>
-          </p:nvPr>
-        </p:nvSpPr>
-        <p:spPr/>
-        <p:txBody>
-          <a:bodyPr/>
-          <a:lstStyle/>
-          <a:p>
-            <a:r>
-              <a:rPr lang="de-DE" dirty="0" smtClean="0"/>
-              <a:t>Bildquellen</a:t>
-            </a:r>
-            <a:endParaRPr lang="de-DE" dirty="0"/>
-          </a:p>
-        </p:txBody>
-      </p:sp>
-      <p:sp>
-        <p:nvSpPr>
           <p:cNvPr id="3" name="Inhaltsplatzhalter 2"/>
           <p:cNvSpPr>
             <a:spLocks noGrp="1"/>
@@ -5598,10 +5813,6 @@
           </a:bodyPr>
           <a:lstStyle/>
           <a:p>
-            <a:r>
-              <a:rPr lang="en-US" sz="2000" dirty="0"/>
-              <a:t>FRENZEL, L. (2016): Handbook of Serial Communications Interfaces, Elsevier Inc., Oxford, 2016</a:t>
-            </a:r>
             <a:endParaRPr lang="de-DE" sz="2000" dirty="0"/>
           </a:p>
         </p:txBody>
@@ -5672,6 +5883,29 @@
               <a:t>11</a:t>
             </a:fld>
             <a:endParaRPr lang="de-DE"/>
+          </a:p>
+        </p:txBody>
+      </p:sp>
+      <p:sp>
+        <p:nvSpPr>
+          <p:cNvPr id="2" name="Titel 1"/>
+          <p:cNvSpPr>
+            <a:spLocks noGrp="1"/>
+          </p:cNvSpPr>
+          <p:nvPr>
+            <p:ph type="title"/>
+          </p:nvPr>
+        </p:nvSpPr>
+        <p:spPr/>
+        <p:txBody>
+          <a:bodyPr/>
+          <a:lstStyle/>
+          <a:p>
+            <a:r>
+              <a:rPr lang="de-DE" dirty="0" smtClean="0"/>
+              <a:t>Bildquellen</a:t>
+            </a:r>
+            <a:endParaRPr lang="de-DE" dirty="0"/>
           </a:p>
         </p:txBody>
       </p:sp>
@@ -5714,29 +5948,6 @@
       </p:grpSpPr>
       <p:sp>
         <p:nvSpPr>
-          <p:cNvPr id="2" name="Titel 1"/>
-          <p:cNvSpPr>
-            <a:spLocks noGrp="1"/>
-          </p:cNvSpPr>
-          <p:nvPr>
-            <p:ph type="title"/>
-          </p:nvPr>
-        </p:nvSpPr>
-        <p:spPr/>
-        <p:txBody>
-          <a:bodyPr/>
-          <a:lstStyle/>
-          <a:p>
-            <a:r>
-              <a:rPr lang="de-DE" dirty="0" smtClean="0"/>
-              <a:t>Gliederung</a:t>
-            </a:r>
-            <a:endParaRPr lang="de-DE" dirty="0"/>
-          </a:p>
-        </p:txBody>
-      </p:sp>
-      <p:sp>
-        <p:nvSpPr>
           <p:cNvPr id="3" name="Inhaltsplatzhalter 2"/>
           <p:cNvSpPr>
             <a:spLocks noGrp="1"/>
@@ -5798,7 +6009,6 @@
               <a:rPr lang="de-DE" dirty="0" smtClean="0"/>
               <a:t>2 Anforderungen</a:t>
             </a:r>
-            <a:endParaRPr lang="de-DE" dirty="0" smtClean="0"/>
           </a:p>
           <a:p>
             <a:pPr marL="82296" indent="0">
@@ -5806,13 +6016,8 @@
             </a:pPr>
             <a:r>
               <a:rPr lang="de-DE" dirty="0" smtClean="0"/>
-              <a:t>3 </a:t>
-            </a:r>
-            <a:r>
-              <a:rPr lang="de-DE" dirty="0" smtClean="0"/>
-              <a:t>Umsetzung</a:t>
-            </a:r>
-            <a:endParaRPr lang="de-DE" dirty="0" smtClean="0"/>
+              <a:t>3 Umsetzung</a:t>
+            </a:r>
           </a:p>
           <a:p>
             <a:pPr marL="82296" indent="0">
@@ -5849,6 +6054,29 @@
       </p:sp>
       <p:sp>
         <p:nvSpPr>
+          <p:cNvPr id="6" name="Datumsplatzhalter 5"/>
+          <p:cNvSpPr>
+            <a:spLocks noGrp="1"/>
+          </p:cNvSpPr>
+          <p:nvPr>
+            <p:ph type="dt" sz="half" idx="10"/>
+          </p:nvPr>
+        </p:nvSpPr>
+        <p:spPr/>
+        <p:txBody>
+          <a:bodyPr/>
+          <a:lstStyle/>
+          <a:p>
+            <a:r>
+              <a:rPr lang="de-DE" smtClean="0"/>
+              <a:t>28.11.2016</a:t>
+            </a:r>
+            <a:endParaRPr lang="de-DE"/>
+          </a:p>
+        </p:txBody>
+      </p:sp>
+      <p:sp>
+        <p:nvSpPr>
           <p:cNvPr id="4" name="Fußzeilenplatzhalter 3"/>
           <p:cNvSpPr>
             <a:spLocks noGrp="1"/>
@@ -5895,12 +6123,12 @@
       </p:sp>
       <p:sp>
         <p:nvSpPr>
-          <p:cNvPr id="6" name="Datumsplatzhalter 5"/>
-          <p:cNvSpPr>
-            <a:spLocks noGrp="1"/>
-          </p:cNvSpPr>
-          <p:nvPr>
-            <p:ph type="dt" sz="half" idx="10"/>
+          <p:cNvPr id="2" name="Titel 1"/>
+          <p:cNvSpPr>
+            <a:spLocks noGrp="1"/>
+          </p:cNvSpPr>
+          <p:nvPr>
+            <p:ph type="title"/>
           </p:nvPr>
         </p:nvSpPr>
         <p:spPr/>
@@ -5909,10 +6137,10 @@
           <a:lstStyle/>
           <a:p>
             <a:r>
-              <a:rPr lang="de-DE" smtClean="0"/>
-              <a:t>28.11.2016</a:t>
-            </a:r>
-            <a:endParaRPr lang="de-DE"/>
+              <a:rPr lang="de-DE" dirty="0" smtClean="0"/>
+              <a:t>Gliederung</a:t>
+            </a:r>
+            <a:endParaRPr lang="de-DE" dirty="0"/>
           </a:p>
         </p:txBody>
       </p:sp>
@@ -5974,7 +6202,7 @@
         </p:blipFill>
         <p:spPr bwMode="auto">
           <a:xfrm>
-            <a:off x="1187624" y="2789346"/>
+            <a:off x="755576" y="2789346"/>
             <a:ext cx="7864003" cy="1314450"/>
           </a:xfrm>
           <a:prstGeom prst="rect">
@@ -6007,12 +6235,12 @@
       </p:pic>
       <p:sp>
         <p:nvSpPr>
-          <p:cNvPr id="2" name="Titel 1"/>
-          <p:cNvSpPr>
-            <a:spLocks noGrp="1"/>
-          </p:cNvSpPr>
-          <p:nvPr>
-            <p:ph type="title"/>
+          <p:cNvPr id="5" name="Datumsplatzhalter 4"/>
+          <p:cNvSpPr>
+            <a:spLocks noGrp="1"/>
+          </p:cNvSpPr>
+          <p:nvPr>
+            <p:ph type="dt" sz="half" idx="10"/>
           </p:nvPr>
         </p:nvSpPr>
         <p:spPr/>
@@ -6021,10 +6249,10 @@
           <a:lstStyle/>
           <a:p>
             <a:r>
-              <a:rPr lang="de-DE" dirty="0" smtClean="0"/>
-              <a:t>1.1 Relationale Datenbanken</a:t>
-            </a:r>
-            <a:endParaRPr lang="de-DE" dirty="0"/>
+              <a:rPr lang="de-DE" smtClean="0"/>
+              <a:t>28.11.2016</a:t>
+            </a:r>
+            <a:endParaRPr lang="de-DE"/>
           </a:p>
         </p:txBody>
       </p:sp>
@@ -6076,12 +6304,12 @@
       </p:sp>
       <p:sp>
         <p:nvSpPr>
-          <p:cNvPr id="5" name="Datumsplatzhalter 4"/>
-          <p:cNvSpPr>
-            <a:spLocks noGrp="1"/>
-          </p:cNvSpPr>
-          <p:nvPr>
-            <p:ph type="dt" sz="half" idx="10"/>
+          <p:cNvPr id="2" name="Titel 1"/>
+          <p:cNvSpPr>
+            <a:spLocks noGrp="1"/>
+          </p:cNvSpPr>
+          <p:nvPr>
+            <p:ph type="title"/>
           </p:nvPr>
         </p:nvSpPr>
         <p:spPr/>
@@ -6090,10 +6318,10 @@
           <a:lstStyle/>
           <a:p>
             <a:r>
-              <a:rPr lang="de-DE" smtClean="0"/>
-              <a:t>28.11.2016</a:t>
-            </a:r>
-            <a:endParaRPr lang="de-DE"/>
+              <a:rPr lang="de-DE" dirty="0" smtClean="0"/>
+              <a:t>1.1 Relationale Datenbanken</a:t>
+            </a:r>
+            <a:endParaRPr lang="de-DE" dirty="0"/>
           </a:p>
         </p:txBody>
       </p:sp>
@@ -6327,7 +6555,7 @@
         </p:nvSpPr>
         <p:spPr>
           <a:xfrm>
-            <a:off x="1187624" y="4103796"/>
+            <a:off x="755576" y="4103796"/>
             <a:ext cx="2626809" cy="276999"/>
           </a:xfrm>
           <a:prstGeom prst="rect">
@@ -6741,29 +6969,6 @@
       </p:grpSpPr>
       <p:sp>
         <p:nvSpPr>
-          <p:cNvPr id="2" name="Titel 1"/>
-          <p:cNvSpPr>
-            <a:spLocks noGrp="1"/>
-          </p:cNvSpPr>
-          <p:nvPr>
-            <p:ph type="title"/>
-          </p:nvPr>
-        </p:nvSpPr>
-        <p:spPr/>
-        <p:txBody>
-          <a:bodyPr/>
-          <a:lstStyle/>
-          <a:p>
-            <a:r>
-              <a:rPr lang="de-DE" dirty="0" smtClean="0"/>
-              <a:t>1.2 HTML</a:t>
-            </a:r>
-            <a:endParaRPr lang="de-DE" dirty="0"/>
-          </a:p>
-        </p:txBody>
-      </p:sp>
-      <p:sp>
-        <p:nvSpPr>
           <p:cNvPr id="3" name="Inhaltsplatzhalter 2"/>
           <p:cNvSpPr>
             <a:spLocks noGrp="1"/>
@@ -6792,6 +6997,29 @@
       </p:sp>
       <p:sp>
         <p:nvSpPr>
+          <p:cNvPr id="6" name="Datumsplatzhalter 5"/>
+          <p:cNvSpPr>
+            <a:spLocks noGrp="1"/>
+          </p:cNvSpPr>
+          <p:nvPr>
+            <p:ph type="dt" sz="half" idx="10"/>
+          </p:nvPr>
+        </p:nvSpPr>
+        <p:spPr/>
+        <p:txBody>
+          <a:bodyPr/>
+          <a:lstStyle/>
+          <a:p>
+            <a:r>
+              <a:rPr lang="de-DE" dirty="0" smtClean="0"/>
+              <a:t>28.11.2016</a:t>
+            </a:r>
+            <a:endParaRPr lang="de-DE" dirty="0"/>
+          </a:p>
+        </p:txBody>
+      </p:sp>
+      <p:sp>
+        <p:nvSpPr>
           <p:cNvPr id="4" name="Fußzeilenplatzhalter 3"/>
           <p:cNvSpPr>
             <a:spLocks noGrp="1"/>
@@ -6838,12 +7066,12 @@
       </p:sp>
       <p:sp>
         <p:nvSpPr>
-          <p:cNvPr id="6" name="Datumsplatzhalter 5"/>
-          <p:cNvSpPr>
-            <a:spLocks noGrp="1"/>
-          </p:cNvSpPr>
-          <p:nvPr>
-            <p:ph type="dt" sz="half" idx="10"/>
+          <p:cNvPr id="2" name="Titel 1"/>
+          <p:cNvSpPr>
+            <a:spLocks noGrp="1"/>
+          </p:cNvSpPr>
+          <p:nvPr>
+            <p:ph type="title"/>
           </p:nvPr>
         </p:nvSpPr>
         <p:spPr/>
@@ -6852,16 +7080,16 @@
           <a:lstStyle/>
           <a:p>
             <a:r>
-              <a:rPr lang="de-DE" smtClean="0"/>
-              <a:t>28.11.2016</a:t>
-            </a:r>
-            <a:endParaRPr lang="de-DE"/>
+              <a:rPr lang="de-DE" dirty="0" smtClean="0"/>
+              <a:t>1.2 HTML</a:t>
+            </a:r>
+            <a:endParaRPr lang="de-DE" dirty="0"/>
           </a:p>
         </p:txBody>
       </p:sp>
       <p:pic>
         <p:nvPicPr>
-          <p:cNvPr id="2050" name="Picture 2"/>
+          <p:cNvPr id="7" name="Picture 2"/>
           <p:cNvPicPr>
             <a:picLocks noChangeAspect="1" noChangeArrowheads="1"/>
           </p:cNvPicPr>
@@ -6882,61 +7110,7 @@
         </p:blipFill>
         <p:spPr bwMode="auto">
           <a:xfrm>
-            <a:off x="1547664" y="1988840"/>
-            <a:ext cx="6534150" cy="4495800"/>
-          </a:xfrm>
-          <a:prstGeom prst="rect">
-            <a:avLst/>
-          </a:prstGeom>
-          <a:noFill/>
-          <a:ln>
-            <a:noFill/>
-          </a:ln>
-          <a:extLst>
-            <a:ext uri="{909E8E84-426E-40DD-AFC4-6F175D3DCCD1}">
-              <a14:hiddenFill xmlns:a14="http://schemas.microsoft.com/office/drawing/2010/main">
-                <a:solidFill>
-                  <a:schemeClr val="accent1"/>
-                </a:solidFill>
-              </a14:hiddenFill>
-            </a:ext>
-            <a:ext uri="{91240B29-F687-4F45-9708-019B960494DF}">
-              <a14:hiddenLine xmlns:a14="http://schemas.microsoft.com/office/drawing/2010/main" w="9525">
-                <a:solidFill>
-                  <a:schemeClr val="tx1"/>
-                </a:solidFill>
-                <a:miter lim="800000"/>
-                <a:headEnd/>
-                <a:tailEnd/>
-              </a14:hiddenLine>
-            </a:ext>
-          </a:extLst>
-        </p:spPr>
-      </p:pic>
-      <p:pic>
-        <p:nvPicPr>
-          <p:cNvPr id="7" name="Picture 2"/>
-          <p:cNvPicPr>
-            <a:picLocks noChangeAspect="1" noChangeArrowheads="1"/>
-          </p:cNvPicPr>
-          <p:nvPr/>
-        </p:nvPicPr>
-        <p:blipFill>
-          <a:blip r:embed="rId4">
-            <a:extLst>
-              <a:ext uri="{28A0092B-C50C-407E-A947-70E740481C1C}">
-                <a14:useLocalDpi xmlns:a14="http://schemas.microsoft.com/office/drawing/2010/main" val="0"/>
-              </a:ext>
-            </a:extLst>
-          </a:blip>
-          <a:srcRect/>
-          <a:stretch>
-            <a:fillRect/>
-          </a:stretch>
-        </p:blipFill>
-        <p:spPr bwMode="auto">
-          <a:xfrm>
-            <a:off x="1565920" y="1988840"/>
+            <a:off x="611560" y="1988840"/>
             <a:ext cx="7110536" cy="3336749"/>
           </a:xfrm>
           <a:prstGeom prst="rect">
@@ -6975,7 +7149,7 @@
         </p:nvSpPr>
         <p:spPr>
           <a:xfrm>
-            <a:off x="1565920" y="5346020"/>
+            <a:off x="611560" y="5346020"/>
             <a:ext cx="1606530" cy="276999"/>
           </a:xfrm>
           <a:prstGeom prst="rect">
@@ -6997,6 +7171,70 @@
           </a:p>
         </p:txBody>
       </p:sp>
+      <p:pic>
+        <p:nvPicPr>
+          <p:cNvPr id="1026" name="Picture 2"/>
+          <p:cNvPicPr>
+            <a:picLocks noChangeAspect="1" noChangeArrowheads="1"/>
+          </p:cNvPicPr>
+          <p:nvPr/>
+        </p:nvPicPr>
+        <p:blipFill>
+          <a:blip r:embed="rId4">
+            <a:extLst>
+              <a:ext uri="{28A0092B-C50C-407E-A947-70E740481C1C}">
+                <a14:useLocalDpi xmlns:a14="http://schemas.microsoft.com/office/drawing/2010/main" val="0"/>
+              </a:ext>
+            </a:extLst>
+          </a:blip>
+          <a:srcRect/>
+          <a:stretch>
+            <a:fillRect/>
+          </a:stretch>
+        </p:blipFill>
+        <p:spPr bwMode="auto">
+          <a:xfrm>
+            <a:off x="611560" y="2132856"/>
+            <a:ext cx="6408712" cy="4237920"/>
+          </a:xfrm>
+          <a:prstGeom prst="rect">
+            <a:avLst/>
+          </a:prstGeom>
+          <a:noFill/>
+          <a:ln>
+            <a:noFill/>
+          </a:ln>
+          <a:effectLst/>
+          <a:extLst>
+            <a:ext uri="{909E8E84-426E-40DD-AFC4-6F175D3DCCD1}">
+              <a14:hiddenFill xmlns:a14="http://schemas.microsoft.com/office/drawing/2010/main">
+                <a:solidFill>
+                  <a:schemeClr val="accent1"/>
+                </a:solidFill>
+              </a14:hiddenFill>
+            </a:ext>
+            <a:ext uri="{91240B29-F687-4F45-9708-019B960494DF}">
+              <a14:hiddenLine xmlns:a14="http://schemas.microsoft.com/office/drawing/2010/main" w="9525">
+                <a:solidFill>
+                  <a:schemeClr val="tx1"/>
+                </a:solidFill>
+                <a:miter lim="800000"/>
+                <a:headEnd/>
+                <a:tailEnd/>
+              </a14:hiddenLine>
+            </a:ext>
+            <a:ext uri="{AF507438-7753-43E0-B8FC-AC1667EBCBE1}">
+              <a14:hiddenEffects xmlns:a14="http://schemas.microsoft.com/office/drawing/2010/main">
+                <a:effectLst>
+                  <a:outerShdw dist="35921" dir="2700000" algn="ctr" rotWithShape="0">
+                    <a:schemeClr val="bg2"/>
+                  </a:outerShdw>
+                </a:effectLst>
+              </a14:hiddenEffects>
+            </a:ext>
+          </a:extLst>
+        </p:spPr>
+      </p:pic>
     </p:spTree>
     <p:extLst>
       <p:ext uri="{BB962C8B-B14F-4D97-AF65-F5344CB8AC3E}">
@@ -7095,7 +7333,7 @@
                                           </p:stCondLst>
                                         </p:cTn>
                                         <p:tgtEl>
-                                          <p:spTgt spid="2050"/>
+                                          <p:spTgt spid="1026"/>
                                         </p:tgtEl>
                                         <p:attrNameLst>
                                           <p:attrName>style.visibility</p:attrName>
@@ -7161,29 +7399,6 @@
       </p:grpSpPr>
       <p:sp>
         <p:nvSpPr>
-          <p:cNvPr id="2" name="Titel 1"/>
-          <p:cNvSpPr>
-            <a:spLocks noGrp="1"/>
-          </p:cNvSpPr>
-          <p:nvPr>
-            <p:ph type="title"/>
-          </p:nvPr>
-        </p:nvSpPr>
-        <p:spPr/>
-        <p:txBody>
-          <a:bodyPr/>
-          <a:lstStyle/>
-          <a:p>
-            <a:r>
-              <a:rPr lang="de-DE" dirty="0" smtClean="0"/>
-              <a:t>1.2 PHP</a:t>
-            </a:r>
-            <a:endParaRPr lang="de-DE" dirty="0"/>
-          </a:p>
-        </p:txBody>
-      </p:sp>
-      <p:sp>
-        <p:nvSpPr>
           <p:cNvPr id="3" name="Inhaltsplatzhalter 2"/>
           <p:cNvSpPr>
             <a:spLocks noGrp="1"/>
@@ -7288,6 +7503,29 @@
               <a:t>5</a:t>
             </a:fld>
             <a:endParaRPr lang="de-DE"/>
+          </a:p>
+        </p:txBody>
+      </p:sp>
+      <p:sp>
+        <p:nvSpPr>
+          <p:cNvPr id="2" name="Titel 1"/>
+          <p:cNvSpPr>
+            <a:spLocks noGrp="1"/>
+          </p:cNvSpPr>
+          <p:nvPr>
+            <p:ph type="title"/>
+          </p:nvPr>
+        </p:nvSpPr>
+        <p:spPr/>
+        <p:txBody>
+          <a:bodyPr/>
+          <a:lstStyle/>
+          <a:p>
+            <a:r>
+              <a:rPr lang="de-DE" dirty="0" smtClean="0"/>
+              <a:t>1.2 PHP</a:t>
+            </a:r>
+            <a:endParaRPr lang="de-DE" dirty="0"/>
           </a:p>
         </p:txBody>
       </p:sp>
@@ -7401,29 +7639,6 @@
       </p:grpSpPr>
       <p:sp>
         <p:nvSpPr>
-          <p:cNvPr id="2" name="Titel 1"/>
-          <p:cNvSpPr>
-            <a:spLocks noGrp="1"/>
-          </p:cNvSpPr>
-          <p:nvPr>
-            <p:ph type="title"/>
-          </p:nvPr>
-        </p:nvSpPr>
-        <p:spPr/>
-        <p:txBody>
-          <a:bodyPr/>
-          <a:lstStyle/>
-          <a:p>
-            <a:r>
-              <a:rPr lang="de-DE" dirty="0" smtClean="0"/>
-              <a:t>1.2 CSS und Javascript</a:t>
-            </a:r>
-            <a:endParaRPr lang="de-DE" dirty="0"/>
-          </a:p>
-        </p:txBody>
-      </p:sp>
-      <p:sp>
-        <p:nvSpPr>
           <p:cNvPr id="3" name="Inhaltsplatzhalter 2"/>
           <p:cNvSpPr>
             <a:spLocks noGrp="1"/>
@@ -7564,6 +7779,29 @@
               <a:t>6</a:t>
             </a:fld>
             <a:endParaRPr lang="de-DE"/>
+          </a:p>
+        </p:txBody>
+      </p:sp>
+      <p:sp>
+        <p:nvSpPr>
+          <p:cNvPr id="2" name="Titel 1"/>
+          <p:cNvSpPr>
+            <a:spLocks noGrp="1"/>
+          </p:cNvSpPr>
+          <p:nvPr>
+            <p:ph type="title"/>
+          </p:nvPr>
+        </p:nvSpPr>
+        <p:spPr/>
+        <p:txBody>
+          <a:bodyPr/>
+          <a:lstStyle/>
+          <a:p>
+            <a:r>
+              <a:rPr lang="de-DE" dirty="0" smtClean="0"/>
+              <a:t>1.2 CSS und Javascript</a:t>
+            </a:r>
+            <a:endParaRPr lang="de-DE" dirty="0"/>
           </a:p>
         </p:txBody>
       </p:sp>
@@ -7740,29 +7978,6 @@
       </p:grpSpPr>
       <p:sp>
         <p:nvSpPr>
-          <p:cNvPr id="2" name="Titel 1"/>
-          <p:cNvSpPr>
-            <a:spLocks noGrp="1"/>
-          </p:cNvSpPr>
-          <p:nvPr>
-            <p:ph type="title"/>
-          </p:nvPr>
-        </p:nvSpPr>
-        <p:spPr/>
-        <p:txBody>
-          <a:bodyPr/>
-          <a:lstStyle/>
-          <a:p>
-            <a:r>
-              <a:rPr lang="de-DE" dirty="0" smtClean="0"/>
-              <a:t>2 Anforderungen</a:t>
-            </a:r>
-            <a:endParaRPr lang="de-DE" dirty="0"/>
-          </a:p>
-        </p:txBody>
-      </p:sp>
-      <p:sp>
-        <p:nvSpPr>
           <p:cNvPr id="10" name="Inhaltsplatzhalter 9"/>
           <p:cNvSpPr>
             <a:spLocks noGrp="1"/>
@@ -7784,11 +7999,7 @@
           <a:p>
             <a:r>
               <a:rPr lang="de-DE" dirty="0" smtClean="0"/>
-              <a:t>Bereitstellung </a:t>
-            </a:r>
-            <a:r>
-              <a:rPr lang="de-DE" dirty="0" smtClean="0"/>
-              <a:t>von Grundfunktionen:</a:t>
+              <a:t>Bereitstellung von Grundfunktionen:</a:t>
             </a:r>
           </a:p>
           <a:p>
@@ -7809,11 +8020,7 @@
             <a:pPr lvl="1"/>
             <a:r>
               <a:rPr lang="de-DE" dirty="0" smtClean="0"/>
-              <a:t>Einträge anzeigen und </a:t>
-            </a:r>
-            <a:r>
-              <a:rPr lang="de-DE" dirty="0" smtClean="0"/>
-              <a:t>filtern</a:t>
+              <a:t>Einträge anzeigen und filtern</a:t>
             </a:r>
           </a:p>
           <a:p>
@@ -7822,7 +8029,6 @@
               <a:rPr lang="de-DE" dirty="0" smtClean="0"/>
               <a:t>Verbrauch erfassen und speichern</a:t>
             </a:r>
-            <a:endParaRPr lang="de-DE" dirty="0" smtClean="0"/>
           </a:p>
           <a:p>
             <a:r>
@@ -7905,6 +8111,29 @@
               <a:t>7</a:t>
             </a:fld>
             <a:endParaRPr lang="de-DE"/>
+          </a:p>
+        </p:txBody>
+      </p:sp>
+      <p:sp>
+        <p:nvSpPr>
+          <p:cNvPr id="2" name="Titel 1"/>
+          <p:cNvSpPr>
+            <a:spLocks noGrp="1"/>
+          </p:cNvSpPr>
+          <p:nvPr>
+            <p:ph type="title"/>
+          </p:nvPr>
+        </p:nvSpPr>
+        <p:spPr/>
+        <p:txBody>
+          <a:bodyPr/>
+          <a:lstStyle/>
+          <a:p>
+            <a:r>
+              <a:rPr lang="de-DE" dirty="0" smtClean="0"/>
+              <a:t>2 Anforderungen</a:t>
+            </a:r>
+            <a:endParaRPr lang="de-DE" dirty="0"/>
           </a:p>
         </p:txBody>
       </p:sp>
@@ -7945,41 +8174,6 @@
           <a:chExt cx="0" cy="0"/>
         </a:xfrm>
       </p:grpSpPr>
-      <p:sp>
-        <p:nvSpPr>
-          <p:cNvPr id="2" name="Titel 1"/>
-          <p:cNvSpPr>
-            <a:spLocks noGrp="1"/>
-          </p:cNvSpPr>
-          <p:nvPr>
-            <p:ph type="title"/>
-          </p:nvPr>
-        </p:nvSpPr>
-        <p:spPr>
-          <a:xfrm>
-            <a:off x="1435608" y="485800"/>
-            <a:ext cx="7498080" cy="1143000"/>
-          </a:xfrm>
-        </p:spPr>
-        <p:txBody>
-          <a:bodyPr/>
-          <a:lstStyle/>
-          <a:p>
-            <a:r>
-              <a:rPr lang="de-DE" dirty="0" smtClean="0"/>
-              <a:t>3 Implementierung</a:t>
-            </a:r>
-            <a:br>
-              <a:rPr lang="de-DE" dirty="0" smtClean="0"/>
-            </a:br>
-            <a:r>
-              <a:rPr lang="de-DE" dirty="0" smtClean="0"/>
-              <a:t>3.1 Datenbankstruktur</a:t>
-            </a:r>
-            <a:endParaRPr lang="de-DE" dirty="0"/>
-          </a:p>
-        </p:txBody>
-      </p:sp>
       <p:sp>
         <p:nvSpPr>
           <p:cNvPr id="4" name="Datumsplatzhalter 3"/>
@@ -8103,6 +8297,67 @@
           </a:extLst>
         </p:spPr>
       </p:pic>
+      <p:sp>
+        <p:nvSpPr>
+          <p:cNvPr id="8" name="Titel 1"/>
+          <p:cNvSpPr txBox="1">
+            <a:spLocks/>
+          </p:cNvSpPr>
+          <p:nvPr/>
+        </p:nvSpPr>
+        <p:spPr>
+          <a:xfrm>
+            <a:off x="609600" y="427038"/>
+            <a:ext cx="8229600" cy="1143000"/>
+          </a:xfrm>
+          <a:prstGeom prst="rect">
+            <a:avLst/>
+          </a:prstGeom>
+        </p:spPr>
+        <p:txBody>
+          <a:bodyPr vert="horz" rtlCol="0" anchor="ctr">
+            <a:normAutofit/>
+            <a:scene3d>
+              <a:camera prst="orthographicFront"/>
+              <a:lightRig rig="soft" dir="t"/>
+            </a:scene3d>
+            <a:sp3d prstMaterial="softEdge">
+              <a:bevelT w="25400" h="25400"/>
+            </a:sp3d>
+          </a:bodyPr>
+          <a:lstStyle>
+            <a:lvl1pPr algn="l" rtl="0" eaLnBrk="1" latinLnBrk="0" hangingPunct="1">
+              <a:spcBef>
+                <a:spcPct val="0"/>
+              </a:spcBef>
+              <a:buNone/>
+              <a:defRPr kumimoji="0" sz="4100" b="1" kern="1200">
+                <a:solidFill>
+                  <a:schemeClr val="tx2"/>
+                </a:solidFill>
+                <a:effectLst>
+                  <a:outerShdw blurRad="31750" dist="25400" dir="5400000" algn="tl" rotWithShape="0">
+                    <a:srgbClr val="000000">
+                      <a:alpha val="25000"/>
+                    </a:srgbClr>
+                  </a:outerShdw>
+                </a:effectLst>
+                <a:latin typeface="+mj-lt"/>
+                <a:ea typeface="+mj-ea"/>
+                <a:cs typeface="+mj-cs"/>
+              </a:defRPr>
+            </a:lvl1pPr>
+            <a:extLst/>
+          </a:lstStyle>
+          <a:p>
+            <a:r>
+              <a:rPr lang="de-DE" dirty="0" smtClean="0"/>
+              <a:t>3 Implementierung</a:t>
+            </a:r>
+            <a:endParaRPr lang="de-DE" dirty="0"/>
+          </a:p>
+        </p:txBody>
+      </p:sp>
     </p:spTree>
     <p:extLst>
       <p:ext uri="{BB962C8B-B14F-4D97-AF65-F5344CB8AC3E}">
@@ -8142,12 +8397,12 @@
       </p:grpSpPr>
       <p:sp>
         <p:nvSpPr>
-          <p:cNvPr id="2" name="Titel 1"/>
-          <p:cNvSpPr>
-            <a:spLocks noGrp="1"/>
-          </p:cNvSpPr>
-          <p:nvPr>
-            <p:ph type="title"/>
+          <p:cNvPr id="3" name="Inhaltsplatzhalter 2"/>
+          <p:cNvSpPr>
+            <a:spLocks noGrp="1"/>
+          </p:cNvSpPr>
+          <p:nvPr>
+            <p:ph idx="1"/>
           </p:nvPr>
         </p:nvSpPr>
         <p:spPr/>
@@ -8157,38 +8412,7 @@
           <a:p>
             <a:r>
               <a:rPr lang="de-DE" dirty="0" smtClean="0"/>
-              <a:t>4 Ausblick</a:t>
-            </a:r>
-            <a:endParaRPr lang="de-DE" dirty="0"/>
-          </a:p>
-        </p:txBody>
-      </p:sp>
-      <p:sp>
-        <p:nvSpPr>
-          <p:cNvPr id="3" name="Inhaltsplatzhalter 2"/>
-          <p:cNvSpPr>
-            <a:spLocks noGrp="1"/>
-          </p:cNvSpPr>
-          <p:nvPr>
-            <p:ph idx="1"/>
-          </p:nvPr>
-        </p:nvSpPr>
-        <p:spPr/>
-        <p:txBody>
-          <a:bodyPr/>
-          <a:lstStyle/>
-          <a:p>
-            <a:r>
-              <a:rPr lang="de-DE" dirty="0" smtClean="0"/>
-              <a:t>Anbindung </a:t>
-            </a:r>
-            <a:r>
-              <a:rPr lang="de-DE" dirty="0" smtClean="0"/>
-              <a:t>an firmeninterne </a:t>
-            </a:r>
-            <a:r>
-              <a:rPr lang="de-DE" dirty="0" smtClean="0"/>
-              <a:t>Datenbanken</a:t>
+              <a:t>Anbindung an firmeninterne Datenbanken</a:t>
             </a:r>
           </a:p>
           <a:p>
@@ -8303,6 +8527,29 @@
               <a:t>9</a:t>
             </a:fld>
             <a:endParaRPr lang="de-DE"/>
+          </a:p>
+        </p:txBody>
+      </p:sp>
+      <p:sp>
+        <p:nvSpPr>
+          <p:cNvPr id="2" name="Titel 1"/>
+          <p:cNvSpPr>
+            <a:spLocks noGrp="1"/>
+          </p:cNvSpPr>
+          <p:nvPr>
+            <p:ph type="title"/>
+          </p:nvPr>
+        </p:nvSpPr>
+        <p:spPr/>
+        <p:txBody>
+          <a:bodyPr/>
+          <a:lstStyle/>
+          <a:p>
+            <a:r>
+              <a:rPr lang="de-DE" dirty="0" smtClean="0"/>
+              <a:t>4 Ausblick</a:t>
+            </a:r>
+            <a:endParaRPr lang="de-DE" dirty="0"/>
           </a:p>
         </p:txBody>
       </p:sp>
@@ -8327,9 +8574,9 @@
 </file>
 
 <file path=ppt/theme/theme1.xml><?xml version="1.0" encoding="utf-8"?>
-<a:theme xmlns:a="http://schemas.openxmlformats.org/drawingml/2006/main" name="Nyad">
+<a:theme xmlns:a="http://schemas.openxmlformats.org/drawingml/2006/main" name="Deimos">
   <a:themeElements>
-    <a:clrScheme name="Nyad">
+    <a:clrScheme name="Deimos">
       <a:dk1>
         <a:sysClr val="windowText" lastClr="000000"/>
       </a:dk1>
@@ -8337,48 +8584,46 @@
         <a:sysClr val="window" lastClr="FFFFFF"/>
       </a:lt1>
       <a:dk2>
-        <a:srgbClr val="4F271C"/>
+        <a:srgbClr val="464646"/>
       </a:dk2>
       <a:lt2>
-        <a:srgbClr val="E7DEC9"/>
+        <a:srgbClr val="DEF5FA"/>
       </a:lt2>
       <a:accent1>
-        <a:srgbClr val="3891A7"/>
+        <a:srgbClr val="2DA2BF"/>
       </a:accent1>
       <a:accent2>
-        <a:srgbClr val="FEB80A"/>
+        <a:srgbClr val="DA1F28"/>
       </a:accent2>
       <a:accent3>
-        <a:srgbClr val="C32D2E"/>
+        <a:srgbClr val="EB641B"/>
       </a:accent3>
       <a:accent4>
-        <a:srgbClr val="84AA33"/>
+        <a:srgbClr val="39639D"/>
       </a:accent4>
       <a:accent5>
-        <a:srgbClr val="964305"/>
+        <a:srgbClr val="474B78"/>
       </a:accent5>
       <a:accent6>
-        <a:srgbClr val="475A8D"/>
+        <a:srgbClr val="7D3C4A"/>
       </a:accent6>
       <a:hlink>
-        <a:srgbClr val="8DC765"/>
+        <a:srgbClr val="FF8119"/>
       </a:hlink>
       <a:folHlink>
-        <a:srgbClr val="AA8A14"/>
+        <a:srgbClr val="44B9E8"/>
       </a:folHlink>
     </a:clrScheme>
-    <a:fontScheme name="Nyad">
+    <a:fontScheme name="Deimos">
       <a:majorFont>
-        <a:latin typeface="Gill Sans MT"/>
+        <a:latin typeface="Lucida Sans Unicode"/>
         <a:ea typeface=""/>
         <a:cs typeface=""/>
-        <a:font script="Grek" typeface="Corbel"/>
-        <a:font script="Cyrl" typeface="Corbel"/>
-        <a:font script="Jpan" typeface="HGｺﾞｼｯｸE"/>
-        <a:font script="Hang" typeface="휴먼매직체"/>
-        <a:font script="Hans" typeface="华文中宋"/>
+        <a:font script="Jpan" typeface="ＭＳ Ｐゴシック"/>
+        <a:font script="Hang" typeface="맑은 고딕"/>
+        <a:font script="Hans" typeface="黑体"/>
         <a:font script="Hant" typeface="微軟正黑體"/>
-        <a:font script="Arab" typeface="Majalla UI"/>
+        <a:font script="Arab" typeface="Arial"/>
         <a:font script="Hebr" typeface="Arial"/>
         <a:font script="Thai" typeface="Cordia New"/>
         <a:font script="Ethi" typeface="Nyala"/>
@@ -8401,21 +8646,18 @@
         <a:font script="Laoo" typeface="DokChampa"/>
         <a:font script="Sinh" typeface="Iskoola Pota"/>
         <a:font script="Mong" typeface="Mongolian Baiti"/>
-        <a:font script="Viet" typeface="Tahoma"/>
         <a:font script="Uigh" typeface="Microsoft Uighur"/>
         <a:font script="Geor" typeface="Sylfaen"/>
       </a:majorFont>
       <a:minorFont>
-        <a:latin typeface="Gill Sans MT"/>
+        <a:latin typeface="Lucida Sans Unicode"/>
         <a:ea typeface=""/>
         <a:cs typeface=""/>
-        <a:font script="Grek" typeface="Corbel"/>
-        <a:font script="Cyrl" typeface="Corbel"/>
-        <a:font script="Jpan" typeface="HGｺﾞｼｯｸE"/>
-        <a:font script="Hang" typeface="HY엽서L"/>
-        <a:font script="Hans" typeface="华文中宋"/>
+        <a:font script="Jpan" typeface="ＭＳ Ｐゴシック"/>
+        <a:font script="Hang" typeface="맑은 고딕"/>
+        <a:font script="Hans" typeface="黑体"/>
         <a:font script="Hant" typeface="微軟正黑體"/>
-        <a:font script="Arab" typeface="Majalla UI"/>
+        <a:font script="Arab" typeface="Arial"/>
         <a:font script="Hebr" typeface="Arial"/>
         <a:font script="Thai" typeface="Cordia New"/>
         <a:font script="Ethi" typeface="Nyala"/>
@@ -8438,12 +8680,11 @@
         <a:font script="Laoo" typeface="DokChampa"/>
         <a:font script="Sinh" typeface="Iskoola Pota"/>
         <a:font script="Mong" typeface="Mongolian Baiti"/>
-        <a:font script="Viet" typeface="Tahoma"/>
         <a:font script="Uigh" typeface="Microsoft Uighur"/>
         <a:font script="Geor" typeface="Sylfaen"/>
       </a:minorFont>
     </a:fontScheme>
-    <a:fmtScheme name="Nyad">
+    <a:fmtScheme name="Deimos">
       <a:fillStyleLst>
         <a:solidFill>
           <a:schemeClr val="phClr"/>
@@ -8452,72 +8693,55 @@
           <a:gsLst>
             <a:gs pos="0">
               <a:schemeClr val="phClr">
-                <a:tint val="35000"/>
-                <a:satMod val="253000"/>
+                <a:tint val="62000"/>
+                <a:satMod val="180000"/>
               </a:schemeClr>
             </a:gs>
-            <a:gs pos="50000">
+            <a:gs pos="65000">
               <a:schemeClr val="phClr">
-                <a:tint val="42000"/>
-                <a:satMod val="255000"/>
-              </a:schemeClr>
-            </a:gs>
-            <a:gs pos="97000">
-              <a:schemeClr val="phClr">
-                <a:tint val="53000"/>
-                <a:satMod val="260000"/>
+                <a:tint val="32000"/>
+                <a:satMod val="250000"/>
               </a:schemeClr>
             </a:gs>
             <a:gs pos="100000">
               <a:schemeClr val="phClr">
-                <a:tint val="56000"/>
-                <a:satMod val="275000"/>
+                <a:tint val="23000"/>
+                <a:satMod val="300000"/>
               </a:schemeClr>
             </a:gs>
           </a:gsLst>
-          <a:path path="circle">
-            <a:fillToRect l="50000" t="50000" r="50000" b="50000"/>
-          </a:path>
+          <a:lin ang="16200000" scaled="0"/>
         </a:gradFill>
         <a:gradFill rotWithShape="1">
           <a:gsLst>
             <a:gs pos="0">
               <a:schemeClr val="phClr">
-                <a:tint val="92000"/>
+                <a:shade val="15000"/>
+                <a:satMod val="180000"/>
+              </a:schemeClr>
+            </a:gs>
+            <a:gs pos="50000">
+              <a:schemeClr val="phClr">
+                <a:shade val="45000"/>
                 <a:satMod val="170000"/>
               </a:schemeClr>
             </a:gs>
-            <a:gs pos="15000">
+            <a:gs pos="70000">
               <a:schemeClr val="phClr">
-                <a:tint val="92000"/>
-                <a:shade val="99000"/>
-                <a:satMod val="170000"/>
-              </a:schemeClr>
-            </a:gs>
-            <a:gs pos="62000">
-              <a:schemeClr val="phClr">
-                <a:tint val="96000"/>
-                <a:shade val="80000"/>
-                <a:satMod val="170000"/>
-              </a:schemeClr>
-            </a:gs>
-            <a:gs pos="97000">
-              <a:schemeClr val="phClr">
-                <a:tint val="98000"/>
-                <a:shade val="63000"/>
-                <a:satMod val="170000"/>
+                <a:tint val="99000"/>
+                <a:shade val="65000"/>
+                <a:satMod val="155000"/>
               </a:schemeClr>
             </a:gs>
             <a:gs pos="100000">
               <a:schemeClr val="phClr">
-                <a:shade val="62000"/>
-                <a:satMod val="170000"/>
+                <a:tint val="95500"/>
+                <a:shade val="100000"/>
+                <a:satMod val="155000"/>
               </a:schemeClr>
             </a:gs>
           </a:gsLst>
-          <a:path path="circle">
-            <a:fillToRect l="50000" t="50000" r="50000" b="50000"/>
-          </a:path>
+          <a:lin ang="16200000" scaled="0"/>
         </a:gradFill>
       </a:fillStyleLst>
       <a:lnStyleLst>
@@ -8527,13 +8751,13 @@
           </a:solidFill>
           <a:prstDash val="solid"/>
         </a:ln>
-        <a:ln w="25400" cap="flat" cmpd="sng" algn="ctr">
+        <a:ln w="55000" cap="flat" cmpd="thickThin" algn="ctr">
           <a:solidFill>
             <a:schemeClr val="phClr"/>
           </a:solidFill>
           <a:prstDash val="solid"/>
         </a:ln>
-        <a:ln w="25400" cap="flat" cmpd="sng" algn="ctr">
+        <a:ln w="63500" cap="flat" cmpd="thickThin" algn="ctr">
           <a:solidFill>
             <a:schemeClr val="phClr"/>
           </a:solidFill>
@@ -8543,18 +8767,27 @@
       <a:effectStyleLst>
         <a:effectStyle>
           <a:effectLst>
-            <a:outerShdw blurRad="63500" dist="25400" dir="5400000" rotWithShape="0">
+            <a:outerShdw blurRad="50800" dist="38100" dir="5400000" rotWithShape="0">
               <a:srgbClr val="000000">
-                <a:alpha val="43137"/>
+                <a:alpha val="35000"/>
               </a:srgbClr>
             </a:outerShdw>
           </a:effectLst>
         </a:effectStyle>
         <a:effectStyle>
           <a:effectLst>
-            <a:outerShdw blurRad="63500" dist="25400" dir="5400000" rotWithShape="0">
+            <a:outerShdw blurRad="50800" dist="38100" dir="5400000" rotWithShape="0">
               <a:srgbClr val="000000">
-                <a:alpha val="43137"/>
+                <a:alpha val="35000"/>
+              </a:srgbClr>
+            </a:outerShdw>
+          </a:effectLst>
+        </a:effectStyle>
+        <a:effectStyle>
+          <a:effectLst>
+            <a:outerShdw blurRad="63500" dist="38100" dir="5400000" rotWithShape="0">
+              <a:srgbClr val="000000">
+                <a:alpha val="45000"/>
               </a:srgbClr>
             </a:outerShdw>
           </a:effectLst>
@@ -8562,39 +8795,16 @@
             <a:camera prst="orthographicFront" fov="0">
               <a:rot lat="0" lon="0" rev="0"/>
             </a:camera>
-            <a:lightRig rig="brightRoom" dir="tl">
-              <a:rot lat="0" lon="0" rev="8700000"/>
+            <a:lightRig rig="glow" dir="t">
+              <a:rot lat="0" lon="0" rev="6360000"/>
             </a:lightRig>
           </a:scene3d>
-          <a:sp3d contourW="12700">
-            <a:bevelT w="0" h="0"/>
+          <a:sp3d contourW="1000" prstMaterial="flat">
+            <a:bevelT w="95250" h="101600"/>
             <a:contourClr>
               <a:schemeClr val="phClr">
-                <a:shade val="80000"/>
+                <a:satMod val="300000"/>
               </a:schemeClr>
-            </a:contourClr>
-          </a:sp3d>
-        </a:effectStyle>
-        <a:effectStyle>
-          <a:effectLst>
-            <a:outerShdw blurRad="63500" dist="25400" dir="5400000" rotWithShape="0">
-              <a:srgbClr val="000000">
-                <a:alpha val="43137"/>
-              </a:srgbClr>
-            </a:outerShdw>
-          </a:effectLst>
-          <a:scene3d>
-            <a:camera prst="orthographicFront" fov="0">
-              <a:rot lat="0" lon="0" rev="0"/>
-            </a:camera>
-            <a:lightRig rig="brightRoom" dir="tl">
-              <a:rot lat="0" lon="0" rev="5400000"/>
-            </a:lightRig>
-          </a:scene3d>
-          <a:sp3d contourW="12700">
-            <a:bevelT w="25400" h="50800" prst="angle"/>
-            <a:contourClr>
-              <a:schemeClr val="phClr"/>
             </a:contourClr>
           </a:sp3d>
         </a:effectStyle>
@@ -8607,41 +8817,40 @@
           <a:gsLst>
             <a:gs pos="0">
               <a:schemeClr val="phClr">
-                <a:tint val="60000"/>
-                <a:satMod val="355000"/>
+                <a:tint val="55000"/>
+                <a:satMod val="300000"/>
               </a:schemeClr>
             </a:gs>
             <a:gs pos="40000">
               <a:schemeClr val="phClr">
-                <a:tint val="85000"/>
-                <a:satMod val="320000"/>
+                <a:tint val="65000"/>
+                <a:satMod val="300000"/>
               </a:schemeClr>
             </a:gs>
             <a:gs pos="100000">
               <a:schemeClr val="phClr">
-                <a:shade val="55000"/>
+                <a:shade val="65000"/>
                 <a:satMod val="300000"/>
               </a:schemeClr>
             </a:gs>
           </a:gsLst>
           <a:path path="circle">
-            <a:fillToRect l="-24500" t="-20000" r="124500" b="120000"/>
+            <a:fillToRect l="65000" b="98000"/>
           </a:path>
         </a:gradFill>
         <a:blipFill>
           <a:blip xmlns:r="http://schemas.openxmlformats.org/officeDocument/2006/relationships" r:embed="rId1">
             <a:duotone>
               <a:schemeClr val="phClr">
-                <a:shade val="9000"/>
-                <a:satMod val="300000"/>
+                <a:shade val="60000"/>
+                <a:satMod val="110000"/>
               </a:schemeClr>
               <a:schemeClr val="phClr">
-                <a:tint val="90000"/>
-                <a:satMod val="225000"/>
+                <a:tint val="95000"/>
               </a:schemeClr>
             </a:duotone>
           </a:blip>
-          <a:tile tx="0" ty="0" sx="90000" sy="90000" flip="xy" algn="tl"/>
+          <a:tile tx="0" ty="0" sx="50000" sy="50000" flip="none" algn="tl"/>
         </a:blipFill>
       </a:bgFillStyleLst>
     </a:fmtScheme>

--- a/Bachelor/Präsentation Bachelor.pptx
+++ b/Bachelor/Präsentation Bachelor.pptx
@@ -202,7 +202,7 @@
           <a:p>
             <a:fld id="{D13AFE29-CA10-4DFC-BB72-78DA4D25FD73}" type="datetimeFigureOut">
               <a:rPr lang="de-DE" smtClean="0"/>
-              <a:t>16.08.2017</a:t>
+              <a:t>29.08.2017</a:t>
             </a:fld>
             <a:endParaRPr lang="de-DE"/>
           </a:p>
@@ -1515,7 +1515,7 @@
           <a:p>
             <a:r>
               <a:rPr lang="de-DE" smtClean="0"/>
-              <a:t>28.11.2016</a:t>
+              <a:t>01.09.2017</a:t>
             </a:r>
             <a:endParaRPr lang="de-DE" dirty="0"/>
           </a:p>
@@ -1715,7 +1715,7 @@
           <a:p>
             <a:r>
               <a:rPr lang="de-DE" smtClean="0"/>
-              <a:t>28.11.2016</a:t>
+              <a:t>01.09.2017</a:t>
             </a:r>
             <a:endParaRPr lang="de-DE"/>
           </a:p>
@@ -1904,7 +1904,7 @@
           <a:p>
             <a:r>
               <a:rPr lang="de-DE" smtClean="0"/>
-              <a:t>28.11.2016</a:t>
+              <a:t>01.09.2017</a:t>
             </a:r>
             <a:endParaRPr lang="de-DE"/>
           </a:p>
@@ -2053,14 +2053,17 @@
         <p:txBody>
           <a:bodyPr/>
           <a:lstStyle>
+            <a:lvl1pPr>
+              <a:defRPr/>
+            </a:lvl1pPr>
             <a:extLst/>
           </a:lstStyle>
           <a:p>
             <a:r>
               <a:rPr lang="de-DE" smtClean="0"/>
-              <a:t>28.11.2016</a:t>
-            </a:r>
-            <a:endParaRPr lang="de-DE"/>
+              <a:t>01.09.2017</a:t>
+            </a:r>
+            <a:endParaRPr lang="de-DE" dirty="0"/>
           </a:p>
         </p:txBody>
       </p:sp>
@@ -2317,7 +2320,7 @@
           <a:p>
             <a:r>
               <a:rPr lang="de-DE" smtClean="0"/>
-              <a:t>28.11.2016</a:t>
+              <a:t>01.09.2017</a:t>
             </a:r>
             <a:endParaRPr lang="de-DE"/>
           </a:p>
@@ -2730,7 +2733,7 @@
           <a:p>
             <a:r>
               <a:rPr lang="de-DE" smtClean="0"/>
-              <a:t>28.11.2016</a:t>
+              <a:t>01.09.2017</a:t>
             </a:r>
             <a:endParaRPr lang="de-DE"/>
           </a:p>
@@ -3180,7 +3183,7 @@
           <a:p>
             <a:r>
               <a:rPr lang="de-DE" smtClean="0"/>
-              <a:t>28.11.2016</a:t>
+              <a:t>01.09.2017</a:t>
             </a:r>
             <a:endParaRPr lang="de-DE"/>
           </a:p>
@@ -3285,7 +3288,7 @@
           <a:p>
             <a:r>
               <a:rPr lang="de-DE" smtClean="0"/>
-              <a:t>28.11.2016</a:t>
+              <a:t>01.09.2017</a:t>
             </a:r>
             <a:endParaRPr lang="de-DE"/>
           </a:p>
@@ -3410,7 +3413,7 @@
           <a:p>
             <a:r>
               <a:rPr lang="de-DE" smtClean="0"/>
-              <a:t>28.11.2016</a:t>
+              <a:t>01.09.2017</a:t>
             </a:r>
             <a:endParaRPr lang="de-DE"/>
           </a:p>
@@ -3688,7 +3691,7 @@
           <a:p>
             <a:r>
               <a:rPr lang="de-DE" smtClean="0"/>
-              <a:t>28.11.2016</a:t>
+              <a:t>01.09.2017</a:t>
             </a:r>
             <a:endParaRPr lang="de-DE"/>
           </a:p>
@@ -3897,7 +3900,7 @@
           <a:p>
             <a:r>
               <a:rPr lang="de-DE" smtClean="0"/>
-              <a:t>28.11.2016</a:t>
+              <a:t>01.09.2017</a:t>
             </a:r>
             <a:endParaRPr lang="de-DE"/>
           </a:p>
@@ -5010,7 +5013,7 @@
           <a:p>
             <a:r>
               <a:rPr lang="de-DE" smtClean="0"/>
-              <a:t>28.11.2016</a:t>
+              <a:t>01.09.2017</a:t>
             </a:r>
             <a:endParaRPr lang="de-DE" dirty="0"/>
           </a:p>
@@ -5560,7 +5563,7 @@
           <a:p>
             <a:r>
               <a:rPr lang="de-DE" smtClean="0"/>
-              <a:t>28.11.2016</a:t>
+              <a:t>01.09.2017</a:t>
             </a:r>
             <a:endParaRPr lang="de-DE" dirty="0"/>
           </a:p>
@@ -5587,10 +5590,22 @@
           <a:lstStyle/>
           <a:p>
             <a:r>
-              <a:rPr lang="de-DE" dirty="0" smtClean="0"/>
+              <a:rPr lang="de-DE" dirty="0" smtClean="0">
+                <a:solidFill>
+                  <a:schemeClr val="bg1">
+                    <a:lumMod val="65000"/>
+                  </a:schemeClr>
+                </a:solidFill>
+              </a:rPr>
               <a:t>Martin Schneider, 6000513</a:t>
             </a:r>
-            <a:endParaRPr lang="de-DE" dirty="0"/>
+            <a:endParaRPr lang="de-DE" dirty="0">
+              <a:solidFill>
+                <a:schemeClr val="bg1">
+                  <a:lumMod val="65000"/>
+                </a:schemeClr>
+              </a:solidFill>
+            </a:endParaRPr>
           </a:p>
         </p:txBody>
       </p:sp>
@@ -5702,7 +5717,7 @@
           <a:p>
             <a:r>
               <a:rPr lang="de-DE" smtClean="0"/>
-              <a:t>28.11.2016</a:t>
+              <a:t>01.09.2017</a:t>
             </a:r>
             <a:endParaRPr lang="de-DE" dirty="0"/>
           </a:p>
@@ -5813,6 +5828,109 @@
           </a:bodyPr>
           <a:lstStyle/>
           <a:p>
+            <a:pPr>
+              <a:spcBef>
+                <a:spcPct val="0"/>
+              </a:spcBef>
+            </a:pPr>
+            <a:r>
+              <a:rPr lang="de-DE" altLang="de-DE" sz="1600" dirty="0">
+                <a:hlinkClick r:id="rId2"/>
+              </a:rPr>
+              <a:t>http://www.iconarchive.com/show/vista-hardware-devices-icons-by-icons-land/Home-Server-icon.html</a:t>
+            </a:r>
+            <a:endParaRPr lang="de-DE" altLang="de-DE" sz="1600" dirty="0"/>
+          </a:p>
+          <a:p>
+            <a:pPr>
+              <a:spcBef>
+                <a:spcPct val="0"/>
+              </a:spcBef>
+            </a:pPr>
+            <a:r>
+              <a:rPr lang="de-DE" altLang="de-DE" sz="1600" dirty="0">
+                <a:hlinkClick r:id="rId3"/>
+              </a:rPr>
+              <a:t>http://www.iconarchive.com/show/ivista-2-icons-by-gakuseisean/Misc-Web-Database-icon.html</a:t>
+            </a:r>
+            <a:endParaRPr lang="de-DE" altLang="de-DE" sz="1600" dirty="0"/>
+          </a:p>
+          <a:p>
+            <a:pPr>
+              <a:spcBef>
+                <a:spcPct val="0"/>
+              </a:spcBef>
+            </a:pPr>
+            <a:r>
+              <a:rPr lang="de-DE" altLang="de-DE" sz="1600" dirty="0">
+                <a:hlinkClick r:id="rId4"/>
+              </a:rPr>
+              <a:t>http://www.iconarchive.com/show/ios7-icons-by-icons8/Network-Windows-Client-icon.html</a:t>
+            </a:r>
+          </a:p>
+          <a:p>
+            <a:pPr>
+              <a:spcBef>
+                <a:spcPct val="0"/>
+              </a:spcBef>
+            </a:pPr>
+            <a:r>
+              <a:rPr lang="de-DE" altLang="de-DE" sz="1600" dirty="0">
+                <a:hlinkClick r:id="rId4"/>
+              </a:rPr>
+              <a:t>http://www.iconarchive.com/show/sleek-xp-basic-icons-by-hopstarter/Clients-icon.html</a:t>
+            </a:r>
+            <a:endParaRPr lang="de-DE" altLang="de-DE" sz="1600" dirty="0"/>
+          </a:p>
+          <a:p>
+            <a:pPr>
+              <a:spcBef>
+                <a:spcPct val="0"/>
+              </a:spcBef>
+            </a:pPr>
+            <a:r>
+              <a:rPr lang="de-DE" altLang="de-DE" sz="1600" dirty="0">
+                <a:hlinkClick r:id="rId5"/>
+              </a:rPr>
+              <a:t>http://</a:t>
+            </a:r>
+            <a:r>
+              <a:rPr lang="de-DE" altLang="de-DE" sz="1600" dirty="0" smtClean="0">
+                <a:hlinkClick r:id="rId5"/>
+              </a:rPr>
+              <a:t>www.iconarchive.com/show/windows-8-icons-by-icons8/Science-Scale-icon.html</a:t>
+            </a:r>
+            <a:endParaRPr lang="de-DE" altLang="de-DE" sz="1600" dirty="0" smtClean="0"/>
+          </a:p>
+          <a:p>
+            <a:pPr>
+              <a:spcBef>
+                <a:spcPct val="0"/>
+              </a:spcBef>
+            </a:pPr>
+            <a:r>
+              <a:rPr lang="de-DE" altLang="de-DE" sz="1600" dirty="0">
+                <a:hlinkClick r:id="rId6"/>
+              </a:rPr>
+              <a:t>https://</a:t>
+            </a:r>
+            <a:r>
+              <a:rPr lang="de-DE" altLang="de-DE" sz="1600" dirty="0" smtClean="0">
+                <a:hlinkClick r:id="rId6"/>
+              </a:rPr>
+              <a:t>www.neuhold.pro/php/kapitel0</a:t>
+            </a:r>
+            <a:endParaRPr lang="de-DE" altLang="de-DE" sz="1600" dirty="0" smtClean="0"/>
+          </a:p>
+          <a:p>
+            <a:pPr>
+              <a:spcBef>
+                <a:spcPct val="0"/>
+              </a:spcBef>
+            </a:pPr>
+            <a:endParaRPr lang="de-DE" altLang="de-DE" sz="1600" dirty="0"/>
+          </a:p>
+          <a:p>
             <a:endParaRPr lang="de-DE" sz="2000" dirty="0"/>
           </a:p>
         </p:txBody>
@@ -5834,7 +5952,7 @@
           <a:p>
             <a:r>
               <a:rPr lang="de-DE" smtClean="0"/>
-              <a:t>28.11.2016</a:t>
+              <a:t>01.09.2017</a:t>
             </a:r>
             <a:endParaRPr lang="de-DE"/>
           </a:p>
@@ -6069,9 +6187,9 @@
           <a:p>
             <a:r>
               <a:rPr lang="de-DE" smtClean="0"/>
-              <a:t>28.11.2016</a:t>
-            </a:r>
-            <a:endParaRPr lang="de-DE"/>
+              <a:t>01.09.2017</a:t>
+            </a:r>
+            <a:endParaRPr lang="de-DE" dirty="0"/>
           </a:p>
         </p:txBody>
       </p:sp>
@@ -6250,9 +6368,9 @@
           <a:p>
             <a:r>
               <a:rPr lang="de-DE" smtClean="0"/>
-              <a:t>28.11.2016</a:t>
-            </a:r>
-            <a:endParaRPr lang="de-DE"/>
+              <a:t>01.09.2017</a:t>
+            </a:r>
+            <a:endParaRPr lang="de-DE" dirty="0"/>
           </a:p>
         </p:txBody>
       </p:sp>
@@ -7011,8 +7129,8 @@
           <a:lstStyle/>
           <a:p>
             <a:r>
-              <a:rPr lang="de-DE" dirty="0" smtClean="0"/>
-              <a:t>28.11.2016</a:t>
+              <a:rPr lang="de-DE" smtClean="0"/>
+              <a:t>01.09.2017</a:t>
             </a:r>
             <a:endParaRPr lang="de-DE" dirty="0"/>
           </a:p>
@@ -7454,7 +7572,7 @@
           <a:p>
             <a:r>
               <a:rPr lang="de-DE" smtClean="0"/>
-              <a:t>28.11.2016</a:t>
+              <a:t>01.09.2017</a:t>
             </a:r>
             <a:endParaRPr lang="de-DE"/>
           </a:p>
@@ -7552,7 +7670,7 @@
         </p:blipFill>
         <p:spPr bwMode="auto">
           <a:xfrm>
-            <a:off x="1331639" y="3356992"/>
+            <a:off x="899592" y="3356992"/>
             <a:ext cx="7419975" cy="1857376"/>
           </a:xfrm>
           <a:prstGeom prst="rect">
@@ -7578,7 +7696,7 @@
         </p:nvSpPr>
         <p:spPr>
           <a:xfrm>
-            <a:off x="1250529" y="5229200"/>
+            <a:off x="899592" y="5229200"/>
             <a:ext cx="4329583" cy="276999"/>
           </a:xfrm>
           <a:prstGeom prst="rect">
@@ -7730,7 +7848,7 @@
           <a:p>
             <a:r>
               <a:rPr lang="de-DE" smtClean="0"/>
-              <a:t>28.11.2016</a:t>
+              <a:t>01.09.2017</a:t>
             </a:r>
             <a:endParaRPr lang="de-DE"/>
           </a:p>
@@ -7976,6 +8094,36 @@
           <a:chExt cx="0" cy="0"/>
         </a:xfrm>
       </p:grpSpPr>
+      <p:pic>
+        <p:nvPicPr>
+          <p:cNvPr id="5" name="Grafik 4"/>
+          <p:cNvPicPr>
+            <a:picLocks noChangeAspect="1"/>
+          </p:cNvPicPr>
+          <p:nvPr/>
+        </p:nvPicPr>
+        <p:blipFill>
+          <a:blip r:embed="rId3">
+            <a:extLst>
+              <a:ext uri="{28A0092B-C50C-407E-A947-70E740481C1C}">
+                <a14:useLocalDpi xmlns:a14="http://schemas.microsoft.com/office/drawing/2010/main" val="0"/>
+              </a:ext>
+            </a:extLst>
+          </a:blip>
+          <a:stretch>
+            <a:fillRect/>
+          </a:stretch>
+        </p:blipFill>
+        <p:spPr>
+          <a:xfrm>
+            <a:off x="611560" y="404664"/>
+            <a:ext cx="6717060" cy="5616624"/>
+          </a:xfrm>
+          <a:prstGeom prst="rect">
+            <a:avLst/>
+          </a:prstGeom>
+        </p:spPr>
+      </p:pic>
       <p:sp>
         <p:nvSpPr>
           <p:cNvPr id="10" name="Inhaltsplatzhalter 9"/>
@@ -8062,7 +8210,7 @@
           <a:p>
             <a:r>
               <a:rPr lang="de-DE" smtClean="0"/>
-              <a:t>28.11.2016</a:t>
+              <a:t>01.09.2017</a:t>
             </a:r>
             <a:endParaRPr lang="de-DE"/>
           </a:p>
@@ -8150,9 +8298,328 @@
   <p:timing>
     <p:tnLst>
       <p:par>
-        <p:cTn id="1" dur="indefinite" restart="never" nodeType="tmRoot"/>
+        <p:cTn id="1" dur="indefinite" restart="never" nodeType="tmRoot">
+          <p:childTnLst>
+            <p:seq concurrent="1" nextAc="seek">
+              <p:cTn id="2" dur="indefinite" nodeType="mainSeq">
+                <p:childTnLst>
+                  <p:par>
+                    <p:cTn id="3" fill="hold">
+                      <p:stCondLst>
+                        <p:cond delay="indefinite"/>
+                      </p:stCondLst>
+                      <p:childTnLst>
+                        <p:par>
+                          <p:cTn id="4" fill="hold">
+                            <p:stCondLst>
+                              <p:cond delay="0"/>
+                            </p:stCondLst>
+                            <p:childTnLst>
+                              <p:par>
+                                <p:cTn id="5" presetID="1" presetClass="entr" presetSubtype="0" fill="hold" nodeType="clickEffect">
+                                  <p:stCondLst>
+                                    <p:cond delay="0"/>
+                                  </p:stCondLst>
+                                  <p:childTnLst>
+                                    <p:set>
+                                      <p:cBhvr>
+                                        <p:cTn id="6" dur="1" fill="hold">
+                                          <p:stCondLst>
+                                            <p:cond delay="0"/>
+                                          </p:stCondLst>
+                                        </p:cTn>
+                                        <p:tgtEl>
+                                          <p:spTgt spid="5"/>
+                                        </p:tgtEl>
+                                        <p:attrNameLst>
+                                          <p:attrName>style.visibility</p:attrName>
+                                        </p:attrNameLst>
+                                      </p:cBhvr>
+                                      <p:to>
+                                        <p:strVal val="visible"/>
+                                      </p:to>
+                                    </p:set>
+                                  </p:childTnLst>
+                                </p:cTn>
+                              </p:par>
+                              <p:par>
+                                <p:cTn id="7" presetID="1" presetClass="exit" presetSubtype="0" fill="hold" grpId="0" nodeType="withEffect">
+                                  <p:stCondLst>
+                                    <p:cond delay="0"/>
+                                  </p:stCondLst>
+                                  <p:childTnLst>
+                                    <p:set>
+                                      <p:cBhvr>
+                                        <p:cTn id="8" dur="1" fill="hold">
+                                          <p:stCondLst>
+                                            <p:cond delay="0"/>
+                                          </p:stCondLst>
+                                        </p:cTn>
+                                        <p:tgtEl>
+                                          <p:spTgt spid="10">
+                                            <p:txEl>
+                                              <p:pRg st="0" end="0"/>
+                                            </p:txEl>
+                                          </p:spTgt>
+                                        </p:tgtEl>
+                                        <p:attrNameLst>
+                                          <p:attrName>style.visibility</p:attrName>
+                                        </p:attrNameLst>
+                                      </p:cBhvr>
+                                      <p:to>
+                                        <p:strVal val="hidden"/>
+                                      </p:to>
+                                    </p:set>
+                                  </p:childTnLst>
+                                </p:cTn>
+                              </p:par>
+                              <p:par>
+                                <p:cTn id="9" presetID="1" presetClass="exit" presetSubtype="0" fill="hold" grpId="0" nodeType="withEffect">
+                                  <p:stCondLst>
+                                    <p:cond delay="0"/>
+                                  </p:stCondLst>
+                                  <p:childTnLst>
+                                    <p:set>
+                                      <p:cBhvr>
+                                        <p:cTn id="10" dur="1" fill="hold">
+                                          <p:stCondLst>
+                                            <p:cond delay="0"/>
+                                          </p:stCondLst>
+                                        </p:cTn>
+                                        <p:tgtEl>
+                                          <p:spTgt spid="10">
+                                            <p:txEl>
+                                              <p:pRg st="1" end="1"/>
+                                            </p:txEl>
+                                          </p:spTgt>
+                                        </p:tgtEl>
+                                        <p:attrNameLst>
+                                          <p:attrName>style.visibility</p:attrName>
+                                        </p:attrNameLst>
+                                      </p:cBhvr>
+                                      <p:to>
+                                        <p:strVal val="hidden"/>
+                                      </p:to>
+                                    </p:set>
+                                  </p:childTnLst>
+                                </p:cTn>
+                              </p:par>
+                              <p:par>
+                                <p:cTn id="11" presetID="1" presetClass="exit" presetSubtype="0" fill="hold" grpId="0" nodeType="withEffect">
+                                  <p:stCondLst>
+                                    <p:cond delay="0"/>
+                                  </p:stCondLst>
+                                  <p:childTnLst>
+                                    <p:set>
+                                      <p:cBhvr>
+                                        <p:cTn id="12" dur="1" fill="hold">
+                                          <p:stCondLst>
+                                            <p:cond delay="0"/>
+                                          </p:stCondLst>
+                                        </p:cTn>
+                                        <p:tgtEl>
+                                          <p:spTgt spid="10">
+                                            <p:txEl>
+                                              <p:pRg st="2" end="2"/>
+                                            </p:txEl>
+                                          </p:spTgt>
+                                        </p:tgtEl>
+                                        <p:attrNameLst>
+                                          <p:attrName>style.visibility</p:attrName>
+                                        </p:attrNameLst>
+                                      </p:cBhvr>
+                                      <p:to>
+                                        <p:strVal val="hidden"/>
+                                      </p:to>
+                                    </p:set>
+                                  </p:childTnLst>
+                                </p:cTn>
+                              </p:par>
+                              <p:par>
+                                <p:cTn id="13" presetID="1" presetClass="exit" presetSubtype="0" fill="hold" grpId="0" nodeType="withEffect">
+                                  <p:stCondLst>
+                                    <p:cond delay="0"/>
+                                  </p:stCondLst>
+                                  <p:childTnLst>
+                                    <p:set>
+                                      <p:cBhvr>
+                                        <p:cTn id="14" dur="1" fill="hold">
+                                          <p:stCondLst>
+                                            <p:cond delay="0"/>
+                                          </p:stCondLst>
+                                        </p:cTn>
+                                        <p:tgtEl>
+                                          <p:spTgt spid="10">
+                                            <p:txEl>
+                                              <p:pRg st="3" end="3"/>
+                                            </p:txEl>
+                                          </p:spTgt>
+                                        </p:tgtEl>
+                                        <p:attrNameLst>
+                                          <p:attrName>style.visibility</p:attrName>
+                                        </p:attrNameLst>
+                                      </p:cBhvr>
+                                      <p:to>
+                                        <p:strVal val="hidden"/>
+                                      </p:to>
+                                    </p:set>
+                                  </p:childTnLst>
+                                </p:cTn>
+                              </p:par>
+                              <p:par>
+                                <p:cTn id="15" presetID="1" presetClass="exit" presetSubtype="0" fill="hold" grpId="0" nodeType="withEffect">
+                                  <p:stCondLst>
+                                    <p:cond delay="0"/>
+                                  </p:stCondLst>
+                                  <p:childTnLst>
+                                    <p:set>
+                                      <p:cBhvr>
+                                        <p:cTn id="16" dur="1" fill="hold">
+                                          <p:stCondLst>
+                                            <p:cond delay="0"/>
+                                          </p:stCondLst>
+                                        </p:cTn>
+                                        <p:tgtEl>
+                                          <p:spTgt spid="10">
+                                            <p:txEl>
+                                              <p:pRg st="4" end="4"/>
+                                            </p:txEl>
+                                          </p:spTgt>
+                                        </p:tgtEl>
+                                        <p:attrNameLst>
+                                          <p:attrName>style.visibility</p:attrName>
+                                        </p:attrNameLst>
+                                      </p:cBhvr>
+                                      <p:to>
+                                        <p:strVal val="hidden"/>
+                                      </p:to>
+                                    </p:set>
+                                  </p:childTnLst>
+                                </p:cTn>
+                              </p:par>
+                              <p:par>
+                                <p:cTn id="17" presetID="1" presetClass="exit" presetSubtype="0" fill="hold" grpId="0" nodeType="withEffect">
+                                  <p:stCondLst>
+                                    <p:cond delay="0"/>
+                                  </p:stCondLst>
+                                  <p:childTnLst>
+                                    <p:set>
+                                      <p:cBhvr>
+                                        <p:cTn id="18" dur="1" fill="hold">
+                                          <p:stCondLst>
+                                            <p:cond delay="0"/>
+                                          </p:stCondLst>
+                                        </p:cTn>
+                                        <p:tgtEl>
+                                          <p:spTgt spid="10">
+                                            <p:txEl>
+                                              <p:pRg st="5" end="5"/>
+                                            </p:txEl>
+                                          </p:spTgt>
+                                        </p:tgtEl>
+                                        <p:attrNameLst>
+                                          <p:attrName>style.visibility</p:attrName>
+                                        </p:attrNameLst>
+                                      </p:cBhvr>
+                                      <p:to>
+                                        <p:strVal val="hidden"/>
+                                      </p:to>
+                                    </p:set>
+                                  </p:childTnLst>
+                                </p:cTn>
+                              </p:par>
+                              <p:par>
+                                <p:cTn id="19" presetID="1" presetClass="exit" presetSubtype="0" fill="hold" grpId="0" nodeType="withEffect">
+                                  <p:stCondLst>
+                                    <p:cond delay="0"/>
+                                  </p:stCondLst>
+                                  <p:childTnLst>
+                                    <p:set>
+                                      <p:cBhvr>
+                                        <p:cTn id="20" dur="1" fill="hold">
+                                          <p:stCondLst>
+                                            <p:cond delay="0"/>
+                                          </p:stCondLst>
+                                        </p:cTn>
+                                        <p:tgtEl>
+                                          <p:spTgt spid="10">
+                                            <p:txEl>
+                                              <p:pRg st="6" end="6"/>
+                                            </p:txEl>
+                                          </p:spTgt>
+                                        </p:tgtEl>
+                                        <p:attrNameLst>
+                                          <p:attrName>style.visibility</p:attrName>
+                                        </p:attrNameLst>
+                                      </p:cBhvr>
+                                      <p:to>
+                                        <p:strVal val="hidden"/>
+                                      </p:to>
+                                    </p:set>
+                                  </p:childTnLst>
+                                </p:cTn>
+                              </p:par>
+                              <p:par>
+                                <p:cTn id="21" presetID="1" presetClass="exit" presetSubtype="0" fill="hold" grpId="0" nodeType="withEffect">
+                                  <p:stCondLst>
+                                    <p:cond delay="0"/>
+                                  </p:stCondLst>
+                                  <p:childTnLst>
+                                    <p:set>
+                                      <p:cBhvr>
+                                        <p:cTn id="22" dur="1" fill="hold">
+                                          <p:stCondLst>
+                                            <p:cond delay="0"/>
+                                          </p:stCondLst>
+                                        </p:cTn>
+                                        <p:tgtEl>
+                                          <p:spTgt spid="10">
+                                            <p:txEl>
+                                              <p:pRg st="7" end="7"/>
+                                            </p:txEl>
+                                          </p:spTgt>
+                                        </p:tgtEl>
+                                        <p:attrNameLst>
+                                          <p:attrName>style.visibility</p:attrName>
+                                        </p:attrNameLst>
+                                      </p:cBhvr>
+                                      <p:to>
+                                        <p:strVal val="hidden"/>
+                                      </p:to>
+                                    </p:set>
+                                  </p:childTnLst>
+                                </p:cTn>
+                              </p:par>
+                            </p:childTnLst>
+                          </p:cTn>
+                        </p:par>
+                      </p:childTnLst>
+                    </p:cTn>
+                  </p:par>
+                </p:childTnLst>
+              </p:cTn>
+              <p:prevCondLst>
+                <p:cond evt="onPrev" delay="0">
+                  <p:tgtEl>
+                    <p:sldTgt/>
+                  </p:tgtEl>
+                </p:cond>
+              </p:prevCondLst>
+              <p:nextCondLst>
+                <p:cond evt="onNext" delay="0">
+                  <p:tgtEl>
+                    <p:sldTgt/>
+                  </p:tgtEl>
+                </p:cond>
+              </p:nextCondLst>
+            </p:seq>
+          </p:childTnLst>
+        </p:cTn>
       </p:par>
     </p:tnLst>
+    <p:bldLst>
+      <p:bldP spid="10" grpId="0" build="p"/>
+    </p:bldLst>
   </p:timing>
 </p:sld>
 </file>
@@ -8191,7 +8658,7 @@
           <a:p>
             <a:r>
               <a:rPr lang="de-DE" smtClean="0"/>
-              <a:t>28.11.2016</a:t>
+              <a:t>01.09.2017</a:t>
             </a:r>
             <a:endParaRPr lang="de-DE"/>
           </a:p>
@@ -8478,7 +8945,7 @@
           <a:p>
             <a:r>
               <a:rPr lang="de-DE" smtClean="0"/>
-              <a:t>28.11.2016</a:t>
+              <a:t>01.09.2017</a:t>
             </a:r>
             <a:endParaRPr lang="de-DE"/>
           </a:p>

--- a/Bachelor/Präsentation Bachelor.pptx
+++ b/Bachelor/Präsentation Bachelor.pptx
@@ -5,7 +5,7 @@
     <p:sldMasterId id="2147483672" r:id="rId1"/>
   </p:sldMasterIdLst>
   <p:notesMasterIdLst>
-    <p:notesMasterId r:id="rId13"/>
+    <p:notesMasterId r:id="rId15"/>
   </p:notesMasterIdLst>
   <p:sldIdLst>
     <p:sldId id="256" r:id="rId2"/>
@@ -14,11 +14,13 @@
     <p:sldId id="260" r:id="rId5"/>
     <p:sldId id="277" r:id="rId6"/>
     <p:sldId id="278" r:id="rId7"/>
-    <p:sldId id="265" r:id="rId8"/>
-    <p:sldId id="279" r:id="rId9"/>
-    <p:sldId id="280" r:id="rId10"/>
-    <p:sldId id="273" r:id="rId11"/>
-    <p:sldId id="276" r:id="rId12"/>
+    <p:sldId id="281" r:id="rId8"/>
+    <p:sldId id="265" r:id="rId9"/>
+    <p:sldId id="279" r:id="rId10"/>
+    <p:sldId id="282" r:id="rId11"/>
+    <p:sldId id="280" r:id="rId12"/>
+    <p:sldId id="273" r:id="rId13"/>
+    <p:sldId id="276" r:id="rId14"/>
   </p:sldIdLst>
   <p:sldSz cx="9144000" cy="6858000" type="screen4x3"/>
   <p:notesSz cx="6858000" cy="9144000"/>
@@ -202,7 +204,7 @@
           <a:p>
             <a:fld id="{D13AFE29-CA10-4DFC-BB72-78DA4D25FD73}" type="datetimeFigureOut">
               <a:rPr lang="de-DE" smtClean="0"/>
-              <a:t>29.08.2017</a:t>
+              <a:t>01.09.2017</a:t>
             </a:fld>
             <a:endParaRPr lang="de-DE"/>
           </a:p>
@@ -871,7 +873,7 @@
           <a:p>
             <a:fld id="{F0E9705E-4DED-4616-BF4C-6DB708317084}" type="slidenum">
               <a:rPr lang="de-DE" smtClean="0"/>
-              <a:t>7</a:t>
+              <a:t>8</a:t>
             </a:fld>
             <a:endParaRPr lang="de-DE"/>
           </a:p>
@@ -5671,43 +5673,35 @@
       </p:grpSpPr>
       <p:sp>
         <p:nvSpPr>
-          <p:cNvPr id="2" name="Titel 1"/>
-          <p:cNvSpPr>
-            <a:spLocks noGrp="1"/>
-          </p:cNvSpPr>
-          <p:nvPr>
-            <p:ph type="ctrTitle"/>
-          </p:nvPr>
-        </p:nvSpPr>
-        <p:spPr>
-          <a:xfrm>
-            <a:off x="611560" y="2564904"/>
-            <a:ext cx="7406640" cy="1472184"/>
-          </a:xfrm>
-        </p:spPr>
-        <p:txBody>
-          <a:bodyPr>
-            <a:noAutofit/>
-          </a:bodyPr>
+          <p:cNvPr id="4" name="Datumsplatzhalter 3"/>
+          <p:cNvSpPr>
+            <a:spLocks noGrp="1"/>
+          </p:cNvSpPr>
+          <p:nvPr>
+            <p:ph type="dt" sz="half" idx="10"/>
+          </p:nvPr>
+        </p:nvSpPr>
+        <p:spPr/>
+        <p:txBody>
+          <a:bodyPr/>
           <a:lstStyle/>
           <a:p>
-            <a:pPr algn="ctr"/>
-            <a:r>
-              <a:rPr lang="de-DE" sz="5400" dirty="0" smtClean="0"/>
-              <a:t>Vielen Dank für ihre Aufmerksamkeit</a:t>
-            </a:r>
-            <a:endParaRPr lang="de-DE" sz="5400" dirty="0"/>
-          </a:p>
-        </p:txBody>
-      </p:sp>
-      <p:sp>
-        <p:nvSpPr>
-          <p:cNvPr id="3" name="Datumsplatzhalter 2"/>
-          <p:cNvSpPr>
-            <a:spLocks noGrp="1"/>
-          </p:cNvSpPr>
-          <p:nvPr>
-            <p:ph type="dt" sz="half" idx="10"/>
+            <a:r>
+              <a:rPr lang="de-DE" smtClean="0"/>
+              <a:t>01.09.2017</a:t>
+            </a:r>
+            <a:endParaRPr lang="de-DE"/>
+          </a:p>
+        </p:txBody>
+      </p:sp>
+      <p:sp>
+        <p:nvSpPr>
+          <p:cNvPr id="5" name="Fußzeilenplatzhalter 4"/>
+          <p:cNvSpPr>
+            <a:spLocks noGrp="1"/>
+          </p:cNvSpPr>
+          <p:nvPr>
+            <p:ph type="ftr" sz="quarter" idx="11"/>
           </p:nvPr>
         </p:nvSpPr>
         <p:spPr/>
@@ -5717,7 +5711,7 @@
           <a:p>
             <a:r>
               <a:rPr lang="de-DE" smtClean="0"/>
-              <a:t>01.09.2017</a:t>
+              <a:t>Martin Schneider, 6000513</a:t>
             </a:r>
             <a:endParaRPr lang="de-DE" dirty="0"/>
           </a:p>
@@ -5725,35 +5719,7 @@
       </p:sp>
       <p:sp>
         <p:nvSpPr>
-          <p:cNvPr id="4" name="Fußzeilenplatzhalter 3"/>
-          <p:cNvSpPr>
-            <a:spLocks noGrp="1"/>
-          </p:cNvSpPr>
-          <p:nvPr>
-            <p:ph type="ftr" sz="quarter" idx="11"/>
-          </p:nvPr>
-        </p:nvSpPr>
-        <p:spPr>
-          <a:xfrm>
-            <a:off x="5796136" y="44624"/>
-            <a:ext cx="2808312" cy="332234"/>
-          </a:xfrm>
-        </p:spPr>
-        <p:txBody>
-          <a:bodyPr/>
-          <a:lstStyle/>
-          <a:p>
-            <a:r>
-              <a:rPr lang="de-DE" smtClean="0"/>
-              <a:t>Martin Schneider, 6000513</a:t>
-            </a:r>
-            <a:endParaRPr lang="de-DE"/>
-          </a:p>
-        </p:txBody>
-      </p:sp>
-      <p:sp>
-        <p:nvSpPr>
-          <p:cNvPr id="5" name="Foliennummernplatzhalter 4"/>
+          <p:cNvPr id="6" name="Foliennummernplatzhalter 5"/>
           <p:cNvSpPr>
             <a:spLocks noGrp="1"/>
           </p:cNvSpPr>
@@ -5774,10 +5740,125 @@
           </a:p>
         </p:txBody>
       </p:sp>
+      <p:sp>
+        <p:nvSpPr>
+          <p:cNvPr id="8" name="Titel 1"/>
+          <p:cNvSpPr txBox="1">
+            <a:spLocks/>
+          </p:cNvSpPr>
+          <p:nvPr/>
+        </p:nvSpPr>
+        <p:spPr>
+          <a:xfrm>
+            <a:off x="609600" y="427038"/>
+            <a:ext cx="8229600" cy="1143000"/>
+          </a:xfrm>
+          <a:prstGeom prst="rect">
+            <a:avLst/>
+          </a:prstGeom>
+        </p:spPr>
+        <p:txBody>
+          <a:bodyPr vert="horz" rtlCol="0" anchor="ctr">
+            <a:normAutofit/>
+            <a:scene3d>
+              <a:camera prst="orthographicFront"/>
+              <a:lightRig rig="soft" dir="t"/>
+            </a:scene3d>
+            <a:sp3d prstMaterial="softEdge">
+              <a:bevelT w="25400" h="25400"/>
+            </a:sp3d>
+          </a:bodyPr>
+          <a:lstStyle>
+            <a:lvl1pPr algn="l" rtl="0" eaLnBrk="1" latinLnBrk="0" hangingPunct="1">
+              <a:spcBef>
+                <a:spcPct val="0"/>
+              </a:spcBef>
+              <a:buNone/>
+              <a:defRPr kumimoji="0" sz="4100" b="1" kern="1200">
+                <a:solidFill>
+                  <a:schemeClr val="tx2"/>
+                </a:solidFill>
+                <a:effectLst>
+                  <a:outerShdw blurRad="31750" dist="25400" dir="5400000" algn="tl" rotWithShape="0">
+                    <a:srgbClr val="000000">
+                      <a:alpha val="25000"/>
+                    </a:srgbClr>
+                  </a:outerShdw>
+                </a:effectLst>
+                <a:latin typeface="+mj-lt"/>
+                <a:ea typeface="+mj-ea"/>
+                <a:cs typeface="+mj-cs"/>
+              </a:defRPr>
+            </a:lvl1pPr>
+            <a:extLst/>
+          </a:lstStyle>
+          <a:p>
+            <a:r>
+              <a:rPr lang="de-DE" dirty="0" smtClean="0"/>
+              <a:t>3 Implementierung</a:t>
+            </a:r>
+            <a:endParaRPr lang="de-DE" dirty="0"/>
+          </a:p>
+        </p:txBody>
+      </p:sp>
+      <p:pic>
+        <p:nvPicPr>
+          <p:cNvPr id="2050" name="Picture 2"/>
+          <p:cNvPicPr>
+            <a:picLocks noChangeAspect="1" noChangeArrowheads="1"/>
+          </p:cNvPicPr>
+          <p:nvPr/>
+        </p:nvPicPr>
+        <p:blipFill>
+          <a:blip r:embed="rId2" cstate="print">
+            <a:extLst>
+              <a:ext uri="{28A0092B-C50C-407E-A947-70E740481C1C}">
+                <a14:useLocalDpi xmlns:a14="http://schemas.microsoft.com/office/drawing/2010/main" val="0"/>
+              </a:ext>
+            </a:extLst>
+          </a:blip>
+          <a:srcRect/>
+          <a:stretch>
+            <a:fillRect/>
+          </a:stretch>
+        </p:blipFill>
+        <p:spPr bwMode="auto">
+          <a:xfrm>
+            <a:off x="803602" y="1412776"/>
+            <a:ext cx="7841596" cy="4410898"/>
+          </a:xfrm>
+          <a:prstGeom prst="rect">
+            <a:avLst/>
+          </a:prstGeom>
+          <a:noFill/>
+          <a:ln>
+            <a:noFill/>
+          </a:ln>
+          <a:extLst>
+            <a:ext uri="{909E8E84-426E-40DD-AFC4-6F175D3DCCD1}">
+              <a14:hiddenFill xmlns:a14="http://schemas.microsoft.com/office/drawing/2010/main">
+                <a:solidFill>
+                  <a:schemeClr val="accent1"/>
+                </a:solidFill>
+              </a14:hiddenFill>
+            </a:ext>
+            <a:ext uri="{91240B29-F687-4F45-9708-019B960494DF}">
+              <a14:hiddenLine xmlns:a14="http://schemas.microsoft.com/office/drawing/2010/main" w="9525">
+                <a:solidFill>
+                  <a:schemeClr val="tx1"/>
+                </a:solidFill>
+                <a:miter lim="800000"/>
+                <a:headEnd/>
+                <a:tailEnd/>
+              </a14:hiddenLine>
+            </a:ext>
+          </a:extLst>
+        </p:spPr>
+      </p:pic>
     </p:spTree>
     <p:extLst>
       <p:ext uri="{BB962C8B-B14F-4D97-AF65-F5344CB8AC3E}">
-        <p14:creationId xmlns:p14="http://schemas.microsoft.com/office/powerpoint/2010/main" val="1555517133"/>
+        <p14:creationId xmlns:p14="http://schemas.microsoft.com/office/powerpoint/2010/main" val="3349506218"/>
       </p:ext>
     </p:extLst>
   </p:cSld>
@@ -5823,6 +5904,343 @@
         </p:nvSpPr>
         <p:spPr/>
         <p:txBody>
+          <a:bodyPr/>
+          <a:lstStyle/>
+          <a:p>
+            <a:r>
+              <a:rPr lang="de-DE" dirty="0" smtClean="0"/>
+              <a:t>Anbindung an firmeninterne Datenbanken</a:t>
+            </a:r>
+          </a:p>
+          <a:p>
+            <a:r>
+              <a:rPr lang="de-DE" dirty="0" smtClean="0"/>
+              <a:t>Vorratsprüfung für Rezepte</a:t>
+            </a:r>
+          </a:p>
+          <a:p>
+            <a:r>
+              <a:rPr lang="de-DE" dirty="0" smtClean="0"/>
+              <a:t>Stoffspezifische Bestandsgrenzen</a:t>
+            </a:r>
+          </a:p>
+          <a:p>
+            <a:r>
+              <a:rPr lang="de-DE" dirty="0" smtClean="0"/>
+              <a:t>Ausgabe und Analyse von Verbrauchsstatistiken</a:t>
+            </a:r>
+          </a:p>
+          <a:p>
+            <a:r>
+              <a:rPr lang="de-DE" dirty="0" smtClean="0"/>
+              <a:t>Unterstützung verschiedener </a:t>
+            </a:r>
+            <a:r>
+              <a:rPr lang="de-DE" dirty="0" err="1" smtClean="0"/>
+              <a:t>Waagenmodelle</a:t>
+            </a:r>
+            <a:endParaRPr lang="de-DE" dirty="0" smtClean="0"/>
+          </a:p>
+          <a:p>
+            <a:r>
+              <a:rPr lang="de-DE" dirty="0" smtClean="0"/>
+              <a:t>Drahtlose Übertragung der Einwaagen</a:t>
+            </a:r>
+          </a:p>
+          <a:p>
+            <a:r>
+              <a:rPr lang="de-DE" dirty="0" smtClean="0"/>
+              <a:t>Automatische Erkennung eingewogener Lieferungen</a:t>
+            </a:r>
+          </a:p>
+          <a:p>
+            <a:endParaRPr lang="de-DE" dirty="0"/>
+          </a:p>
+        </p:txBody>
+      </p:sp>
+      <p:sp>
+        <p:nvSpPr>
+          <p:cNvPr id="4" name="Datumsplatzhalter 3"/>
+          <p:cNvSpPr>
+            <a:spLocks noGrp="1"/>
+          </p:cNvSpPr>
+          <p:nvPr>
+            <p:ph type="dt" sz="half" idx="10"/>
+          </p:nvPr>
+        </p:nvSpPr>
+        <p:spPr/>
+        <p:txBody>
+          <a:bodyPr/>
+          <a:lstStyle/>
+          <a:p>
+            <a:r>
+              <a:rPr lang="de-DE" smtClean="0"/>
+              <a:t>01.09.2017</a:t>
+            </a:r>
+            <a:endParaRPr lang="de-DE"/>
+          </a:p>
+        </p:txBody>
+      </p:sp>
+      <p:sp>
+        <p:nvSpPr>
+          <p:cNvPr id="5" name="Fußzeilenplatzhalter 4"/>
+          <p:cNvSpPr>
+            <a:spLocks noGrp="1"/>
+          </p:cNvSpPr>
+          <p:nvPr>
+            <p:ph type="ftr" sz="quarter" idx="11"/>
+          </p:nvPr>
+        </p:nvSpPr>
+        <p:spPr/>
+        <p:txBody>
+          <a:bodyPr/>
+          <a:lstStyle/>
+          <a:p>
+            <a:r>
+              <a:rPr lang="de-DE" smtClean="0"/>
+              <a:t>Martin Schneider, 6000513</a:t>
+            </a:r>
+            <a:endParaRPr lang="de-DE" dirty="0"/>
+          </a:p>
+        </p:txBody>
+      </p:sp>
+      <p:sp>
+        <p:nvSpPr>
+          <p:cNvPr id="6" name="Foliennummernplatzhalter 5"/>
+          <p:cNvSpPr>
+            <a:spLocks noGrp="1"/>
+          </p:cNvSpPr>
+          <p:nvPr>
+            <p:ph type="sldNum" sz="quarter" idx="12"/>
+          </p:nvPr>
+        </p:nvSpPr>
+        <p:spPr/>
+        <p:txBody>
+          <a:bodyPr/>
+          <a:lstStyle/>
+          <a:p>
+            <a:fld id="{166D15F3-9A1A-4AEC-BA89-32D146ECA64D}" type="slidenum">
+              <a:rPr lang="de-DE" smtClean="0"/>
+              <a:t>11</a:t>
+            </a:fld>
+            <a:endParaRPr lang="de-DE"/>
+          </a:p>
+        </p:txBody>
+      </p:sp>
+      <p:sp>
+        <p:nvSpPr>
+          <p:cNvPr id="2" name="Titel 1"/>
+          <p:cNvSpPr>
+            <a:spLocks noGrp="1"/>
+          </p:cNvSpPr>
+          <p:nvPr>
+            <p:ph type="title"/>
+          </p:nvPr>
+        </p:nvSpPr>
+        <p:spPr/>
+        <p:txBody>
+          <a:bodyPr/>
+          <a:lstStyle/>
+          <a:p>
+            <a:r>
+              <a:rPr lang="de-DE" dirty="0" smtClean="0"/>
+              <a:t>4 Ausblick</a:t>
+            </a:r>
+            <a:endParaRPr lang="de-DE" dirty="0"/>
+          </a:p>
+        </p:txBody>
+      </p:sp>
+    </p:spTree>
+    <p:extLst>
+      <p:ext uri="{BB962C8B-B14F-4D97-AF65-F5344CB8AC3E}">
+        <p14:creationId xmlns:p14="http://schemas.microsoft.com/office/powerpoint/2010/main" val="2822618823"/>
+      </p:ext>
+    </p:extLst>
+  </p:cSld>
+  <p:clrMapOvr>
+    <a:masterClrMapping/>
+  </p:clrMapOvr>
+  <p:timing>
+    <p:tnLst>
+      <p:par>
+        <p:cTn id="1" dur="indefinite" restart="never" nodeType="tmRoot"/>
+      </p:par>
+    </p:tnLst>
+  </p:timing>
+</p:sld>
+</file>
+
+<file path=ppt/slides/slide12.xml><?xml version="1.0" encoding="utf-8"?>
+<p:sld xmlns:a="http://schemas.openxmlformats.org/drawingml/2006/main" xmlns:r="http://schemas.openxmlformats.org/officeDocument/2006/relationships" xmlns:p="http://schemas.openxmlformats.org/presentationml/2006/main">
+  <p:cSld>
+    <p:spTree>
+      <p:nvGrpSpPr>
+        <p:cNvPr id="1" name=""/>
+        <p:cNvGrpSpPr/>
+        <p:nvPr/>
+      </p:nvGrpSpPr>
+      <p:grpSpPr>
+        <a:xfrm>
+          <a:off x="0" y="0"/>
+          <a:ext cx="0" cy="0"/>
+          <a:chOff x="0" y="0"/>
+          <a:chExt cx="0" cy="0"/>
+        </a:xfrm>
+      </p:grpSpPr>
+      <p:sp>
+        <p:nvSpPr>
+          <p:cNvPr id="2" name="Titel 1"/>
+          <p:cNvSpPr>
+            <a:spLocks noGrp="1"/>
+          </p:cNvSpPr>
+          <p:nvPr>
+            <p:ph type="ctrTitle"/>
+          </p:nvPr>
+        </p:nvSpPr>
+        <p:spPr>
+          <a:xfrm>
+            <a:off x="611560" y="2564904"/>
+            <a:ext cx="7406640" cy="1472184"/>
+          </a:xfrm>
+        </p:spPr>
+        <p:txBody>
+          <a:bodyPr>
+            <a:noAutofit/>
+          </a:bodyPr>
+          <a:lstStyle/>
+          <a:p>
+            <a:pPr algn="ctr"/>
+            <a:r>
+              <a:rPr lang="de-DE" sz="5400" dirty="0" smtClean="0"/>
+              <a:t>Vielen Dank für ihre Aufmerksamkeit</a:t>
+            </a:r>
+            <a:endParaRPr lang="de-DE" sz="5400" dirty="0"/>
+          </a:p>
+        </p:txBody>
+      </p:sp>
+      <p:sp>
+        <p:nvSpPr>
+          <p:cNvPr id="3" name="Datumsplatzhalter 2"/>
+          <p:cNvSpPr>
+            <a:spLocks noGrp="1"/>
+          </p:cNvSpPr>
+          <p:nvPr>
+            <p:ph type="dt" sz="half" idx="10"/>
+          </p:nvPr>
+        </p:nvSpPr>
+        <p:spPr/>
+        <p:txBody>
+          <a:bodyPr/>
+          <a:lstStyle/>
+          <a:p>
+            <a:r>
+              <a:rPr lang="de-DE" smtClean="0"/>
+              <a:t>01.09.2017</a:t>
+            </a:r>
+            <a:endParaRPr lang="de-DE" dirty="0"/>
+          </a:p>
+        </p:txBody>
+      </p:sp>
+      <p:sp>
+        <p:nvSpPr>
+          <p:cNvPr id="4" name="Fußzeilenplatzhalter 3"/>
+          <p:cNvSpPr>
+            <a:spLocks noGrp="1"/>
+          </p:cNvSpPr>
+          <p:nvPr>
+            <p:ph type="ftr" sz="quarter" idx="11"/>
+          </p:nvPr>
+        </p:nvSpPr>
+        <p:spPr>
+          <a:xfrm>
+            <a:off x="5796136" y="44624"/>
+            <a:ext cx="2808312" cy="332234"/>
+          </a:xfrm>
+        </p:spPr>
+        <p:txBody>
+          <a:bodyPr/>
+          <a:lstStyle/>
+          <a:p>
+            <a:r>
+              <a:rPr lang="de-DE" smtClean="0"/>
+              <a:t>Martin Schneider, 6000513</a:t>
+            </a:r>
+            <a:endParaRPr lang="de-DE"/>
+          </a:p>
+        </p:txBody>
+      </p:sp>
+      <p:sp>
+        <p:nvSpPr>
+          <p:cNvPr id="5" name="Foliennummernplatzhalter 4"/>
+          <p:cNvSpPr>
+            <a:spLocks noGrp="1"/>
+          </p:cNvSpPr>
+          <p:nvPr>
+            <p:ph type="sldNum" sz="quarter" idx="12"/>
+          </p:nvPr>
+        </p:nvSpPr>
+        <p:spPr/>
+        <p:txBody>
+          <a:bodyPr/>
+          <a:lstStyle/>
+          <a:p>
+            <a:fld id="{166D15F3-9A1A-4AEC-BA89-32D146ECA64D}" type="slidenum">
+              <a:rPr lang="de-DE" smtClean="0"/>
+              <a:t>12</a:t>
+            </a:fld>
+            <a:endParaRPr lang="de-DE"/>
+          </a:p>
+        </p:txBody>
+      </p:sp>
+    </p:spTree>
+    <p:extLst>
+      <p:ext uri="{BB962C8B-B14F-4D97-AF65-F5344CB8AC3E}">
+        <p14:creationId xmlns:p14="http://schemas.microsoft.com/office/powerpoint/2010/main" val="1555517133"/>
+      </p:ext>
+    </p:extLst>
+  </p:cSld>
+  <p:clrMapOvr>
+    <a:masterClrMapping/>
+  </p:clrMapOvr>
+  <p:timing>
+    <p:tnLst>
+      <p:par>
+        <p:cTn id="1" dur="indefinite" restart="never" nodeType="tmRoot"/>
+      </p:par>
+    </p:tnLst>
+  </p:timing>
+</p:sld>
+</file>
+
+<file path=ppt/slides/slide13.xml><?xml version="1.0" encoding="utf-8"?>
+<p:sld xmlns:a="http://schemas.openxmlformats.org/drawingml/2006/main" xmlns:r="http://schemas.openxmlformats.org/officeDocument/2006/relationships" xmlns:p="http://schemas.openxmlformats.org/presentationml/2006/main">
+  <p:cSld>
+    <p:spTree>
+      <p:nvGrpSpPr>
+        <p:cNvPr id="1" name=""/>
+        <p:cNvGrpSpPr/>
+        <p:nvPr/>
+      </p:nvGrpSpPr>
+      <p:grpSpPr>
+        <a:xfrm>
+          <a:off x="0" y="0"/>
+          <a:ext cx="0" cy="0"/>
+          <a:chOff x="0" y="0"/>
+          <a:chExt cx="0" cy="0"/>
+        </a:xfrm>
+      </p:grpSpPr>
+      <p:sp>
+        <p:nvSpPr>
+          <p:cNvPr id="3" name="Inhaltsplatzhalter 2"/>
+          <p:cNvSpPr>
+            <a:spLocks noGrp="1"/>
+          </p:cNvSpPr>
+          <p:nvPr>
+            <p:ph idx="1"/>
+          </p:nvPr>
+        </p:nvSpPr>
+        <p:spPr/>
+        <p:txBody>
           <a:bodyPr>
             <a:normAutofit/>
           </a:bodyPr>
@@ -5998,7 +6416,7 @@
           <a:p>
             <a:fld id="{166D15F3-9A1A-4AEC-BA89-32D146ECA64D}" type="slidenum">
               <a:rPr lang="de-DE" smtClean="0"/>
-              <a:t>11</a:t>
+              <a:t>13</a:t>
             </a:fld>
             <a:endParaRPr lang="de-DE"/>
           </a:p>
@@ -6112,11 +6530,19 @@
             </a:r>
             <a:r>
               <a:rPr lang="de-DE" dirty="0"/>
-              <a:t>HTML, PHP, CSS und </a:t>
+              <a:t>HTML, PHP, </a:t>
             </a:r>
             <a:r>
               <a:rPr lang="de-DE" dirty="0" smtClean="0"/>
+              <a:t>CSS, </a:t>
+            </a:r>
+            <a:r>
+              <a:rPr lang="de-DE" dirty="0" err="1" smtClean="0"/>
               <a:t>Javascript</a:t>
+            </a:r>
+            <a:r>
+              <a:rPr lang="de-DE" dirty="0" smtClean="0"/>
+              <a:t> und C#</a:t>
             </a:r>
           </a:p>
           <a:p>
@@ -7532,7 +7958,7 @@
           <a:p>
             <a:r>
               <a:rPr lang="de-DE" dirty="0" smtClean="0"/>
-              <a:t>Hypertext </a:t>
+              <a:t>PHP: Hypertext </a:t>
             </a:r>
             <a:r>
               <a:rPr lang="de-DE" dirty="0" err="1" smtClean="0"/>
@@ -7543,7 +7969,7 @@
           <a:p>
             <a:r>
               <a:rPr lang="de-DE" dirty="0" smtClean="0"/>
-              <a:t>Datenverarbeitung</a:t>
+              <a:t>Serverseitige Datenverarbeitung</a:t>
             </a:r>
           </a:p>
           <a:p>
@@ -8094,11 +8520,507 @@
           <a:chExt cx="0" cy="0"/>
         </a:xfrm>
       </p:grpSpPr>
+      <p:sp>
+        <p:nvSpPr>
+          <p:cNvPr id="3" name="Inhaltsplatzhalter 2"/>
+          <p:cNvSpPr>
+            <a:spLocks noGrp="1"/>
+          </p:cNvSpPr>
+          <p:nvPr>
+            <p:ph idx="1"/>
+          </p:nvPr>
+        </p:nvSpPr>
+        <p:spPr/>
+        <p:txBody>
+          <a:bodyPr/>
+          <a:lstStyle/>
+          <a:p>
+            <a:r>
+              <a:rPr lang="de-DE" dirty="0" smtClean="0"/>
+              <a:t>C-Sharp</a:t>
+            </a:r>
+          </a:p>
+          <a:p>
+            <a:r>
+              <a:rPr lang="de-DE" dirty="0" smtClean="0"/>
+              <a:t>Objektorientierte Programmiersprache</a:t>
+            </a:r>
+          </a:p>
+          <a:p>
+            <a:r>
+              <a:rPr lang="de-DE" dirty="0" smtClean="0"/>
+              <a:t>Basiert auf .NET-Framework</a:t>
+            </a:r>
+          </a:p>
+          <a:p>
+            <a:r>
+              <a:rPr lang="de-DE" dirty="0" smtClean="0"/>
+              <a:t>Theoretisch plattformunabhängig</a:t>
+            </a:r>
+          </a:p>
+        </p:txBody>
+      </p:sp>
+      <p:sp>
+        <p:nvSpPr>
+          <p:cNvPr id="4" name="Datumsplatzhalter 3"/>
+          <p:cNvSpPr>
+            <a:spLocks noGrp="1"/>
+          </p:cNvSpPr>
+          <p:nvPr>
+            <p:ph type="dt" sz="half" idx="10"/>
+          </p:nvPr>
+        </p:nvSpPr>
+        <p:spPr/>
+        <p:txBody>
+          <a:bodyPr/>
+          <a:lstStyle/>
+          <a:p>
+            <a:r>
+              <a:rPr lang="de-DE" smtClean="0"/>
+              <a:t>01.09.2017</a:t>
+            </a:r>
+            <a:endParaRPr lang="de-DE"/>
+          </a:p>
+        </p:txBody>
+      </p:sp>
+      <p:sp>
+        <p:nvSpPr>
+          <p:cNvPr id="5" name="Fußzeilenplatzhalter 4"/>
+          <p:cNvSpPr>
+            <a:spLocks noGrp="1"/>
+          </p:cNvSpPr>
+          <p:nvPr>
+            <p:ph type="ftr" sz="quarter" idx="11"/>
+          </p:nvPr>
+        </p:nvSpPr>
+        <p:spPr/>
+        <p:txBody>
+          <a:bodyPr/>
+          <a:lstStyle/>
+          <a:p>
+            <a:r>
+              <a:rPr lang="de-DE" smtClean="0"/>
+              <a:t>Martin Schneider, 6000513</a:t>
+            </a:r>
+            <a:endParaRPr lang="de-DE" dirty="0"/>
+          </a:p>
+        </p:txBody>
+      </p:sp>
+      <p:sp>
+        <p:nvSpPr>
+          <p:cNvPr id="6" name="Foliennummernplatzhalter 5"/>
+          <p:cNvSpPr>
+            <a:spLocks noGrp="1"/>
+          </p:cNvSpPr>
+          <p:nvPr>
+            <p:ph type="sldNum" sz="quarter" idx="12"/>
+          </p:nvPr>
+        </p:nvSpPr>
+        <p:spPr/>
+        <p:txBody>
+          <a:bodyPr/>
+          <a:lstStyle/>
+          <a:p>
+            <a:fld id="{166D15F3-9A1A-4AEC-BA89-32D146ECA64D}" type="slidenum">
+              <a:rPr lang="de-DE" smtClean="0"/>
+              <a:t>7</a:t>
+            </a:fld>
+            <a:endParaRPr lang="de-DE"/>
+          </a:p>
+        </p:txBody>
+      </p:sp>
+      <p:sp>
+        <p:nvSpPr>
+          <p:cNvPr id="2" name="Titel 1"/>
+          <p:cNvSpPr>
+            <a:spLocks noGrp="1"/>
+          </p:cNvSpPr>
+          <p:nvPr>
+            <p:ph type="title"/>
+          </p:nvPr>
+        </p:nvSpPr>
+        <p:spPr/>
+        <p:txBody>
+          <a:bodyPr/>
+          <a:lstStyle/>
+          <a:p>
+            <a:r>
+              <a:rPr lang="de-DE" dirty="0" smtClean="0"/>
+              <a:t>1.2 C#</a:t>
+            </a:r>
+            <a:endParaRPr lang="de-DE" dirty="0"/>
+          </a:p>
+        </p:txBody>
+      </p:sp>
       <p:pic>
         <p:nvPicPr>
-          <p:cNvPr id="5" name="Grafik 4"/>
+          <p:cNvPr id="1026" name="Picture 2"/>
           <p:cNvPicPr>
-            <a:picLocks noChangeAspect="1"/>
+            <a:picLocks noChangeAspect="1" noChangeArrowheads="1"/>
+          </p:cNvPicPr>
+          <p:nvPr/>
+        </p:nvPicPr>
+        <p:blipFill rotWithShape="1">
+          <a:blip r:embed="rId2">
+            <a:extLst>
+              <a:ext uri="{28A0092B-C50C-407E-A947-70E740481C1C}">
+                <a14:useLocalDpi xmlns:a14="http://schemas.microsoft.com/office/drawing/2010/main" val="0"/>
+              </a:ext>
+            </a:extLst>
+          </a:blip>
+          <a:srcRect t="899"/>
+          <a:stretch/>
+        </p:blipFill>
+        <p:spPr bwMode="auto">
+          <a:xfrm>
+            <a:off x="683568" y="3356992"/>
+            <a:ext cx="3960440" cy="2239216"/>
+          </a:xfrm>
+          <a:prstGeom prst="rect">
+            <a:avLst/>
+          </a:prstGeom>
+          <a:noFill/>
+          <a:ln>
+            <a:noFill/>
+          </a:ln>
+          <a:extLst>
+            <a:ext uri="{909E8E84-426E-40DD-AFC4-6F175D3DCCD1}">
+              <a14:hiddenFill xmlns:a14="http://schemas.microsoft.com/office/drawing/2010/main">
+                <a:solidFill>
+                  <a:schemeClr val="accent1"/>
+                </a:solidFill>
+              </a14:hiddenFill>
+            </a:ext>
+            <a:ext uri="{91240B29-F687-4F45-9708-019B960494DF}">
+              <a14:hiddenLine xmlns:a14="http://schemas.microsoft.com/office/drawing/2010/main" w="9525">
+                <a:solidFill>
+                  <a:schemeClr val="tx1"/>
+                </a:solidFill>
+                <a:miter lim="800000"/>
+                <a:headEnd/>
+                <a:tailEnd/>
+              </a14:hiddenLine>
+            </a:ext>
+          </a:extLst>
+        </p:spPr>
+      </p:pic>
+      <p:sp>
+        <p:nvSpPr>
+          <p:cNvPr id="8" name="Textfeld 7"/>
+          <p:cNvSpPr txBox="1"/>
+          <p:nvPr/>
+        </p:nvSpPr>
+        <p:spPr>
+          <a:xfrm>
+            <a:off x="683568" y="5661248"/>
+            <a:ext cx="2291012" cy="276999"/>
+          </a:xfrm>
+          <a:prstGeom prst="rect">
+            <a:avLst/>
+          </a:prstGeom>
+          <a:noFill/>
+        </p:spPr>
+        <p:txBody>
+          <a:bodyPr wrap="none" rtlCol="0">
+            <a:spAutoFit/>
+          </a:bodyPr>
+          <a:lstStyle/>
+          <a:p>
+            <a:r>
+              <a:rPr lang="de-DE" sz="1200" b="1" dirty="0" smtClean="0"/>
+              <a:t>Konsolenanwendung mit C#</a:t>
+            </a:r>
+            <a:endParaRPr lang="de-DE" sz="1200" b="1" dirty="0"/>
+          </a:p>
+        </p:txBody>
+      </p:sp>
+      <p:sp>
+        <p:nvSpPr>
+          <p:cNvPr id="9" name="Textfeld 8"/>
+          <p:cNvSpPr txBox="1"/>
+          <p:nvPr/>
+        </p:nvSpPr>
+        <p:spPr>
+          <a:xfrm>
+            <a:off x="4788024" y="5610624"/>
+            <a:ext cx="2427268" cy="276999"/>
+          </a:xfrm>
+          <a:prstGeom prst="rect">
+            <a:avLst/>
+          </a:prstGeom>
+          <a:noFill/>
+        </p:spPr>
+        <p:txBody>
+          <a:bodyPr wrap="none" rtlCol="0">
+            <a:spAutoFit/>
+          </a:bodyPr>
+          <a:lstStyle/>
+          <a:p>
+            <a:r>
+              <a:rPr lang="de-DE" sz="1200" b="1" dirty="0" smtClean="0"/>
+              <a:t>Graphische Oberfläche mit C#</a:t>
+            </a:r>
+            <a:endParaRPr lang="de-DE" sz="1200" b="1" dirty="0"/>
+          </a:p>
+        </p:txBody>
+      </p:sp>
+      <p:pic>
+        <p:nvPicPr>
+          <p:cNvPr id="1027" name="Picture 3"/>
+          <p:cNvPicPr>
+            <a:picLocks noChangeAspect="1" noChangeArrowheads="1"/>
+          </p:cNvPicPr>
+          <p:nvPr/>
+        </p:nvPicPr>
+        <p:blipFill>
+          <a:blip r:embed="rId3" cstate="print">
+            <a:extLst>
+              <a:ext uri="{28A0092B-C50C-407E-A947-70E740481C1C}">
+                <a14:useLocalDpi xmlns:a14="http://schemas.microsoft.com/office/drawing/2010/main" val="0"/>
+              </a:ext>
+            </a:extLst>
+          </a:blip>
+          <a:srcRect/>
+          <a:stretch>
+            <a:fillRect/>
+          </a:stretch>
+        </p:blipFill>
+        <p:spPr bwMode="auto">
+          <a:xfrm>
+            <a:off x="4788024" y="3356991"/>
+            <a:ext cx="3888432" cy="2239217"/>
+          </a:xfrm>
+          <a:prstGeom prst="rect">
+            <a:avLst/>
+          </a:prstGeom>
+          <a:noFill/>
+          <a:ln>
+            <a:noFill/>
+          </a:ln>
+          <a:extLst>
+            <a:ext uri="{909E8E84-426E-40DD-AFC4-6F175D3DCCD1}">
+              <a14:hiddenFill xmlns:a14="http://schemas.microsoft.com/office/drawing/2010/main">
+                <a:solidFill>
+                  <a:schemeClr val="accent1"/>
+                </a:solidFill>
+              </a14:hiddenFill>
+            </a:ext>
+            <a:ext uri="{91240B29-F687-4F45-9708-019B960494DF}">
+              <a14:hiddenLine xmlns:a14="http://schemas.microsoft.com/office/drawing/2010/main" w="9525">
+                <a:solidFill>
+                  <a:schemeClr val="tx1"/>
+                </a:solidFill>
+                <a:miter lim="800000"/>
+                <a:headEnd/>
+                <a:tailEnd/>
+              </a14:hiddenLine>
+            </a:ext>
+          </a:extLst>
+        </p:spPr>
+      </p:pic>
+    </p:spTree>
+    <p:extLst>
+      <p:ext uri="{BB962C8B-B14F-4D97-AF65-F5344CB8AC3E}">
+        <p14:creationId xmlns:p14="http://schemas.microsoft.com/office/powerpoint/2010/main" val="1680483292"/>
+      </p:ext>
+    </p:extLst>
+  </p:cSld>
+  <p:clrMapOvr>
+    <a:masterClrMapping/>
+  </p:clrMapOvr>
+  <p:timing>
+    <p:tnLst>
+      <p:par>
+        <p:cTn id="1" dur="indefinite" restart="never" nodeType="tmRoot"/>
+      </p:par>
+    </p:tnLst>
+  </p:timing>
+</p:sld>
+</file>
+
+<file path=ppt/slides/slide8.xml><?xml version="1.0" encoding="utf-8"?>
+<p:sld xmlns:a="http://schemas.openxmlformats.org/drawingml/2006/main" xmlns:r="http://schemas.openxmlformats.org/officeDocument/2006/relationships" xmlns:p="http://schemas.openxmlformats.org/presentationml/2006/main">
+  <p:cSld>
+    <p:spTree>
+      <p:nvGrpSpPr>
+        <p:cNvPr id="1" name=""/>
+        <p:cNvGrpSpPr/>
+        <p:nvPr/>
+      </p:nvGrpSpPr>
+      <p:grpSpPr>
+        <a:xfrm>
+          <a:off x="0" y="0"/>
+          <a:ext cx="0" cy="0"/>
+          <a:chOff x="0" y="0"/>
+          <a:chExt cx="0" cy="0"/>
+        </a:xfrm>
+      </p:grpSpPr>
+      <p:sp>
+        <p:nvSpPr>
+          <p:cNvPr id="10" name="Inhaltsplatzhalter 9"/>
+          <p:cNvSpPr>
+            <a:spLocks noGrp="1"/>
+          </p:cNvSpPr>
+          <p:nvPr>
+            <p:ph idx="1"/>
+          </p:nvPr>
+        </p:nvSpPr>
+        <p:spPr/>
+        <p:txBody>
+          <a:bodyPr/>
+          <a:lstStyle/>
+          <a:p>
+            <a:r>
+              <a:rPr lang="de-DE" dirty="0" smtClean="0"/>
+              <a:t>Benutzerfreundliche Bedienung</a:t>
+            </a:r>
+          </a:p>
+          <a:p>
+            <a:r>
+              <a:rPr lang="de-DE" dirty="0" smtClean="0"/>
+              <a:t>Bereitstellung von Grundfunktionen:</a:t>
+            </a:r>
+          </a:p>
+          <a:p>
+            <a:pPr lvl="1"/>
+            <a:r>
+              <a:rPr lang="de-DE" dirty="0" smtClean="0"/>
+              <a:t>Einträge einfügen</a:t>
+            </a:r>
+          </a:p>
+          <a:p>
+            <a:pPr lvl="1"/>
+            <a:r>
+              <a:rPr lang="de-DE" dirty="0" smtClean="0"/>
+              <a:t>Einträge bearbeiten</a:t>
+            </a:r>
+          </a:p>
+          <a:p>
+            <a:pPr lvl="1"/>
+            <a:r>
+              <a:rPr lang="de-DE" dirty="0" smtClean="0"/>
+              <a:t>Einträge anzeigen und filtern</a:t>
+            </a:r>
+          </a:p>
+          <a:p>
+            <a:pPr lvl="1"/>
+            <a:r>
+              <a:rPr lang="de-DE" dirty="0" smtClean="0"/>
+              <a:t>Verbrauch erfassen und speichern</a:t>
+            </a:r>
+          </a:p>
+          <a:p>
+            <a:r>
+              <a:rPr lang="de-DE" dirty="0" smtClean="0"/>
+              <a:t>Im gesamten Netzwerk erreichbar</a:t>
+            </a:r>
+          </a:p>
+          <a:p>
+            <a:r>
+              <a:rPr lang="de-DE" dirty="0" smtClean="0"/>
+              <a:t>Nutzerverwaltung</a:t>
+            </a:r>
+            <a:endParaRPr lang="de-DE" dirty="0"/>
+          </a:p>
+        </p:txBody>
+      </p:sp>
+      <p:sp>
+        <p:nvSpPr>
+          <p:cNvPr id="9" name="Datumsplatzhalter 8"/>
+          <p:cNvSpPr>
+            <a:spLocks noGrp="1"/>
+          </p:cNvSpPr>
+          <p:nvPr>
+            <p:ph type="dt" sz="half" idx="10"/>
+          </p:nvPr>
+        </p:nvSpPr>
+        <p:spPr/>
+        <p:txBody>
+          <a:bodyPr/>
+          <a:lstStyle/>
+          <a:p>
+            <a:r>
+              <a:rPr lang="de-DE" smtClean="0"/>
+              <a:t>01.09.2017</a:t>
+            </a:r>
+            <a:endParaRPr lang="de-DE"/>
+          </a:p>
+        </p:txBody>
+      </p:sp>
+      <p:sp>
+        <p:nvSpPr>
+          <p:cNvPr id="3" name="Fußzeilenplatzhalter 2"/>
+          <p:cNvSpPr>
+            <a:spLocks noGrp="1"/>
+          </p:cNvSpPr>
+          <p:nvPr>
+            <p:ph type="ftr" sz="quarter" idx="11"/>
+          </p:nvPr>
+        </p:nvSpPr>
+        <p:spPr/>
+        <p:txBody>
+          <a:bodyPr/>
+          <a:lstStyle/>
+          <a:p>
+            <a:r>
+              <a:rPr lang="de-DE" smtClean="0"/>
+              <a:t>Martin Schneider, 6000513</a:t>
+            </a:r>
+            <a:endParaRPr lang="de-DE"/>
+          </a:p>
+        </p:txBody>
+      </p:sp>
+      <p:sp>
+        <p:nvSpPr>
+          <p:cNvPr id="8" name="Foliennummernplatzhalter 7"/>
+          <p:cNvSpPr>
+            <a:spLocks noGrp="1"/>
+          </p:cNvSpPr>
+          <p:nvPr>
+            <p:ph type="sldNum" sz="quarter" idx="12"/>
+          </p:nvPr>
+        </p:nvSpPr>
+        <p:spPr/>
+        <p:txBody>
+          <a:bodyPr/>
+          <a:lstStyle/>
+          <a:p>
+            <a:fld id="{166D15F3-9A1A-4AEC-BA89-32D146ECA64D}" type="slidenum">
+              <a:rPr lang="de-DE" smtClean="0"/>
+              <a:t>8</a:t>
+            </a:fld>
+            <a:endParaRPr lang="de-DE"/>
+          </a:p>
+        </p:txBody>
+      </p:sp>
+      <p:sp>
+        <p:nvSpPr>
+          <p:cNvPr id="2" name="Titel 1"/>
+          <p:cNvSpPr>
+            <a:spLocks noGrp="1"/>
+          </p:cNvSpPr>
+          <p:nvPr>
+            <p:ph type="title"/>
+          </p:nvPr>
+        </p:nvSpPr>
+        <p:spPr/>
+        <p:txBody>
+          <a:bodyPr/>
+          <a:lstStyle/>
+          <a:p>
+            <a:r>
+              <a:rPr lang="de-DE" dirty="0" smtClean="0"/>
+              <a:t>2 Anforderungen</a:t>
+            </a:r>
+            <a:endParaRPr lang="de-DE" dirty="0"/>
+          </a:p>
+        </p:txBody>
+      </p:sp>
+      <p:pic>
+        <p:nvPicPr>
+          <p:cNvPr id="1027" name="Picture 3" descr="C:\Users\martin.schneider\Desktop\C#\Stuff\Bachelor\Präsentation\schema_text_inverse.png"/>
+          <p:cNvPicPr>
+            <a:picLocks noChangeAspect="1" noChangeArrowheads="1"/>
           </p:cNvPicPr>
           <p:nvPr/>
         </p:nvPicPr>
@@ -8110,181 +9032,31 @@
               </a:ext>
             </a:extLst>
           </a:blip>
+          <a:srcRect/>
           <a:stretch>
             <a:fillRect/>
           </a:stretch>
         </p:blipFill>
-        <p:spPr>
+        <p:spPr bwMode="auto">
           <a:xfrm>
-            <a:off x="611560" y="404664"/>
-            <a:ext cx="6717060" cy="5616624"/>
+            <a:off x="467544" y="1052735"/>
+            <a:ext cx="5616624" cy="5241201"/>
           </a:xfrm>
           <a:prstGeom prst="rect">
             <a:avLst/>
           </a:prstGeom>
+          <a:noFill/>
+          <a:extLst>
+            <a:ext uri="{909E8E84-426E-40DD-AFC4-6F175D3DCCD1}">
+              <a14:hiddenFill xmlns:a14="http://schemas.microsoft.com/office/drawing/2010/main">
+                <a:solidFill>
+                  <a:srgbClr val="FFFFFF"/>
+                </a:solidFill>
+              </a14:hiddenFill>
+            </a:ext>
+          </a:extLst>
         </p:spPr>
       </p:pic>
-      <p:sp>
-        <p:nvSpPr>
-          <p:cNvPr id="10" name="Inhaltsplatzhalter 9"/>
-          <p:cNvSpPr>
-            <a:spLocks noGrp="1"/>
-          </p:cNvSpPr>
-          <p:nvPr>
-            <p:ph idx="1"/>
-          </p:nvPr>
-        </p:nvSpPr>
-        <p:spPr/>
-        <p:txBody>
-          <a:bodyPr/>
-          <a:lstStyle/>
-          <a:p>
-            <a:r>
-              <a:rPr lang="de-DE" dirty="0" smtClean="0"/>
-              <a:t>Benutzerfreundliche Bedienung</a:t>
-            </a:r>
-          </a:p>
-          <a:p>
-            <a:r>
-              <a:rPr lang="de-DE" dirty="0" smtClean="0"/>
-              <a:t>Bereitstellung von Grundfunktionen:</a:t>
-            </a:r>
-          </a:p>
-          <a:p>
-            <a:pPr lvl="1"/>
-            <a:r>
-              <a:rPr lang="de-DE" dirty="0" smtClean="0"/>
-              <a:t>Einträge einfügen</a:t>
-            </a:r>
-          </a:p>
-          <a:p>
-            <a:pPr lvl="1"/>
-            <a:r>
-              <a:rPr lang="de-DE" dirty="0" smtClean="0"/>
-              <a:t>Einträge bearbeiten</a:t>
-            </a:r>
-          </a:p>
-          <a:p>
-            <a:pPr lvl="1"/>
-            <a:r>
-              <a:rPr lang="de-DE" dirty="0" smtClean="0"/>
-              <a:t>Einträge anzeigen und filtern</a:t>
-            </a:r>
-          </a:p>
-          <a:p>
-            <a:pPr lvl="1"/>
-            <a:r>
-              <a:rPr lang="de-DE" dirty="0" smtClean="0"/>
-              <a:t>Verbrauch erfassen und speichern</a:t>
-            </a:r>
-          </a:p>
-          <a:p>
-            <a:r>
-              <a:rPr lang="de-DE" dirty="0" smtClean="0"/>
-              <a:t>Im gesamten Netzwerk erreichbar</a:t>
-            </a:r>
-          </a:p>
-          <a:p>
-            <a:r>
-              <a:rPr lang="de-DE" dirty="0" smtClean="0"/>
-              <a:t>Nutzerverwaltung</a:t>
-            </a:r>
-            <a:endParaRPr lang="de-DE" dirty="0"/>
-          </a:p>
-        </p:txBody>
-      </p:sp>
-      <p:sp>
-        <p:nvSpPr>
-          <p:cNvPr id="9" name="Datumsplatzhalter 8"/>
-          <p:cNvSpPr>
-            <a:spLocks noGrp="1"/>
-          </p:cNvSpPr>
-          <p:nvPr>
-            <p:ph type="dt" sz="half" idx="10"/>
-          </p:nvPr>
-        </p:nvSpPr>
-        <p:spPr/>
-        <p:txBody>
-          <a:bodyPr/>
-          <a:lstStyle/>
-          <a:p>
-            <a:r>
-              <a:rPr lang="de-DE" smtClean="0"/>
-              <a:t>01.09.2017</a:t>
-            </a:r>
-            <a:endParaRPr lang="de-DE"/>
-          </a:p>
-        </p:txBody>
-      </p:sp>
-      <p:sp>
-        <p:nvSpPr>
-          <p:cNvPr id="3" name="Fußzeilenplatzhalter 2"/>
-          <p:cNvSpPr>
-            <a:spLocks noGrp="1"/>
-          </p:cNvSpPr>
-          <p:nvPr>
-            <p:ph type="ftr" sz="quarter" idx="11"/>
-          </p:nvPr>
-        </p:nvSpPr>
-        <p:spPr/>
-        <p:txBody>
-          <a:bodyPr/>
-          <a:lstStyle/>
-          <a:p>
-            <a:r>
-              <a:rPr lang="de-DE" smtClean="0"/>
-              <a:t>Martin Schneider, 6000513</a:t>
-            </a:r>
-            <a:endParaRPr lang="de-DE"/>
-          </a:p>
-        </p:txBody>
-      </p:sp>
-      <p:sp>
-        <p:nvSpPr>
-          <p:cNvPr id="8" name="Foliennummernplatzhalter 7"/>
-          <p:cNvSpPr>
-            <a:spLocks noGrp="1"/>
-          </p:cNvSpPr>
-          <p:nvPr>
-            <p:ph type="sldNum" sz="quarter" idx="12"/>
-          </p:nvPr>
-        </p:nvSpPr>
-        <p:spPr/>
-        <p:txBody>
-          <a:bodyPr/>
-          <a:lstStyle/>
-          <a:p>
-            <a:fld id="{166D15F3-9A1A-4AEC-BA89-32D146ECA64D}" type="slidenum">
-              <a:rPr lang="de-DE" smtClean="0"/>
-              <a:t>7</a:t>
-            </a:fld>
-            <a:endParaRPr lang="de-DE"/>
-          </a:p>
-        </p:txBody>
-      </p:sp>
-      <p:sp>
-        <p:nvSpPr>
-          <p:cNvPr id="2" name="Titel 1"/>
-          <p:cNvSpPr>
-            <a:spLocks noGrp="1"/>
-          </p:cNvSpPr>
-          <p:nvPr>
-            <p:ph type="title"/>
-          </p:nvPr>
-        </p:nvSpPr>
-        <p:spPr/>
-        <p:txBody>
-          <a:bodyPr/>
-          <a:lstStyle/>
-          <a:p>
-            <a:r>
-              <a:rPr lang="de-DE" dirty="0" smtClean="0"/>
-              <a:t>2 Anforderungen</a:t>
-            </a:r>
-            <a:endParaRPr lang="de-DE" dirty="0"/>
-          </a:p>
-        </p:txBody>
-      </p:sp>
     </p:spTree>
     <p:extLst>
       <p:ext uri="{BB962C8B-B14F-4D97-AF65-F5344CB8AC3E}">
@@ -8316,7 +9088,7 @@
                             </p:stCondLst>
                             <p:childTnLst>
                               <p:par>
-                                <p:cTn id="5" presetID="1" presetClass="entr" presetSubtype="0" fill="hold" nodeType="clickEffect">
+                                <p:cTn id="5" presetID="1" presetClass="exit" presetSubtype="0" fill="hold" grpId="0" nodeType="clickEffect">
                                   <p:stCondLst>
                                     <p:cond delay="0"/>
                                   </p:stCondLst>
@@ -8329,14 +9101,18 @@
                                           </p:stCondLst>
                                         </p:cTn>
                                         <p:tgtEl>
-                                          <p:spTgt spid="5"/>
+                                          <p:spTgt spid="10">
+                                            <p:txEl>
+                                              <p:pRg st="0" end="0"/>
+                                            </p:txEl>
+                                          </p:spTgt>
                                         </p:tgtEl>
                                         <p:attrNameLst>
                                           <p:attrName>style.visibility</p:attrName>
                                         </p:attrNameLst>
                                       </p:cBhvr>
                                       <p:to>
-                                        <p:strVal val="visible"/>
+                                        <p:strVal val="hidden"/>
                                       </p:to>
                                     </p:set>
                                   </p:childTnLst>
@@ -8358,7 +9134,7 @@
                                         <p:tgtEl>
                                           <p:spTgt spid="10">
                                             <p:txEl>
-                                              <p:pRg st="0" end="0"/>
+                                              <p:pRg st="1" end="1"/>
                                             </p:txEl>
                                           </p:spTgt>
                                         </p:tgtEl>
@@ -8389,7 +9165,7 @@
                                         <p:tgtEl>
                                           <p:spTgt spid="10">
                                             <p:txEl>
-                                              <p:pRg st="1" end="1"/>
+                                              <p:pRg st="2" end="2"/>
                                             </p:txEl>
                                           </p:spTgt>
                                         </p:tgtEl>
@@ -8420,7 +9196,7 @@
                                         <p:tgtEl>
                                           <p:spTgt spid="10">
                                             <p:txEl>
-                                              <p:pRg st="2" end="2"/>
+                                              <p:pRg st="3" end="3"/>
                                             </p:txEl>
                                           </p:spTgt>
                                         </p:tgtEl>
@@ -8451,7 +9227,7 @@
                                         <p:tgtEl>
                                           <p:spTgt spid="10">
                                             <p:txEl>
-                                              <p:pRg st="3" end="3"/>
+                                              <p:pRg st="4" end="4"/>
                                             </p:txEl>
                                           </p:spTgt>
                                         </p:tgtEl>
@@ -8482,7 +9258,7 @@
                                         <p:tgtEl>
                                           <p:spTgt spid="10">
                                             <p:txEl>
-                                              <p:pRg st="4" end="4"/>
+                                              <p:pRg st="5" end="5"/>
                                             </p:txEl>
                                           </p:spTgt>
                                         </p:tgtEl>
@@ -8513,7 +9289,7 @@
                                         <p:tgtEl>
                                           <p:spTgt spid="10">
                                             <p:txEl>
-                                              <p:pRg st="5" end="5"/>
+                                              <p:pRg st="6" end="6"/>
                                             </p:txEl>
                                           </p:spTgt>
                                         </p:tgtEl>
@@ -8544,7 +9320,7 @@
                                         <p:tgtEl>
                                           <p:spTgt spid="10">
                                             <p:txEl>
-                                              <p:pRg st="6" end="6"/>
+                                              <p:pRg st="7" end="7"/>
                                             </p:txEl>
                                           </p:spTgt>
                                         </p:tgtEl>
@@ -8560,7 +9336,7 @@
                                 </p:cTn>
                               </p:par>
                               <p:par>
-                                <p:cTn id="21" presetID="1" presetClass="exit" presetSubtype="0" fill="hold" grpId="0" nodeType="withEffect">
+                                <p:cTn id="21" presetID="1" presetClass="entr" presetSubtype="0" fill="hold" nodeType="withEffect">
                                   <p:stCondLst>
                                     <p:cond delay="0"/>
                                   </p:stCondLst>
@@ -8573,18 +9349,14 @@
                                           </p:stCondLst>
                                         </p:cTn>
                                         <p:tgtEl>
-                                          <p:spTgt spid="10">
-                                            <p:txEl>
-                                              <p:pRg st="7" end="7"/>
-                                            </p:txEl>
-                                          </p:spTgt>
+                                          <p:spTgt spid="1027"/>
                                         </p:tgtEl>
                                         <p:attrNameLst>
                                           <p:attrName>style.visibility</p:attrName>
                                         </p:attrNameLst>
                                       </p:cBhvr>
                                       <p:to>
-                                        <p:strVal val="hidden"/>
+                                        <p:strVal val="visible"/>
                                       </p:to>
                                     </p:set>
                                   </p:childTnLst>
@@ -8618,13 +9390,13 @@
       </p:par>
     </p:tnLst>
     <p:bldLst>
-      <p:bldP spid="10" grpId="0" build="p"/>
+      <p:bldP spid="10" grpId="0" uiExpand="1" build="p"/>
     </p:bldLst>
   </p:timing>
 </p:sld>
 </file>
 
-<file path=ppt/slides/slide8.xml><?xml version="1.0" encoding="utf-8"?>
+<file path=ppt/slides/slide9.xml><?xml version="1.0" encoding="utf-8"?>
 <p:sld xmlns:a="http://schemas.openxmlformats.org/drawingml/2006/main" xmlns:r="http://schemas.openxmlformats.org/officeDocument/2006/relationships" xmlns:p="http://schemas.openxmlformats.org/presentationml/2006/main">
   <p:cSld>
     <p:spTree>
@@ -8704,7 +9476,7 @@
           <a:p>
             <a:fld id="{166D15F3-9A1A-4AEC-BA89-32D146ECA64D}" type="slidenum">
               <a:rPr lang="de-DE" smtClean="0"/>
-              <a:t>8</a:t>
+              <a:t>9</a:t>
             </a:fld>
             <a:endParaRPr lang="de-DE"/>
           </a:p>
@@ -8829,201 +9601,6 @@
     <p:extLst>
       <p:ext uri="{BB962C8B-B14F-4D97-AF65-F5344CB8AC3E}">
         <p14:creationId xmlns:p14="http://schemas.microsoft.com/office/powerpoint/2010/main" val="1907529792"/>
-      </p:ext>
-    </p:extLst>
-  </p:cSld>
-  <p:clrMapOvr>
-    <a:masterClrMapping/>
-  </p:clrMapOvr>
-  <p:timing>
-    <p:tnLst>
-      <p:par>
-        <p:cTn id="1" dur="indefinite" restart="never" nodeType="tmRoot"/>
-      </p:par>
-    </p:tnLst>
-  </p:timing>
-</p:sld>
-</file>
-
-<file path=ppt/slides/slide9.xml><?xml version="1.0" encoding="utf-8"?>
-<p:sld xmlns:a="http://schemas.openxmlformats.org/drawingml/2006/main" xmlns:r="http://schemas.openxmlformats.org/officeDocument/2006/relationships" xmlns:p="http://schemas.openxmlformats.org/presentationml/2006/main">
-  <p:cSld>
-    <p:spTree>
-      <p:nvGrpSpPr>
-        <p:cNvPr id="1" name=""/>
-        <p:cNvGrpSpPr/>
-        <p:nvPr/>
-      </p:nvGrpSpPr>
-      <p:grpSpPr>
-        <a:xfrm>
-          <a:off x="0" y="0"/>
-          <a:ext cx="0" cy="0"/>
-          <a:chOff x="0" y="0"/>
-          <a:chExt cx="0" cy="0"/>
-        </a:xfrm>
-      </p:grpSpPr>
-      <p:sp>
-        <p:nvSpPr>
-          <p:cNvPr id="3" name="Inhaltsplatzhalter 2"/>
-          <p:cNvSpPr>
-            <a:spLocks noGrp="1"/>
-          </p:cNvSpPr>
-          <p:nvPr>
-            <p:ph idx="1"/>
-          </p:nvPr>
-        </p:nvSpPr>
-        <p:spPr/>
-        <p:txBody>
-          <a:bodyPr/>
-          <a:lstStyle/>
-          <a:p>
-            <a:r>
-              <a:rPr lang="de-DE" dirty="0" smtClean="0"/>
-              <a:t>Anbindung an firmeninterne Datenbanken</a:t>
-            </a:r>
-          </a:p>
-          <a:p>
-            <a:r>
-              <a:rPr lang="de-DE" dirty="0" smtClean="0"/>
-              <a:t>Vorratsprüfung für Rezepte</a:t>
-            </a:r>
-          </a:p>
-          <a:p>
-            <a:r>
-              <a:rPr lang="de-DE" dirty="0" smtClean="0"/>
-              <a:t>Stoffspezifische Bestandsgrenzen</a:t>
-            </a:r>
-          </a:p>
-          <a:p>
-            <a:r>
-              <a:rPr lang="de-DE" dirty="0" smtClean="0"/>
-              <a:t>Ausgabe und Analyse von Verbrauchsstatistiken</a:t>
-            </a:r>
-          </a:p>
-          <a:p>
-            <a:r>
-              <a:rPr lang="de-DE" dirty="0" smtClean="0"/>
-              <a:t>Unterstützung verschiedener </a:t>
-            </a:r>
-            <a:r>
-              <a:rPr lang="de-DE" dirty="0" err="1" smtClean="0"/>
-              <a:t>Waagenmodelle</a:t>
-            </a:r>
-            <a:endParaRPr lang="de-DE" dirty="0" smtClean="0"/>
-          </a:p>
-          <a:p>
-            <a:r>
-              <a:rPr lang="de-DE" dirty="0" smtClean="0"/>
-              <a:t>Drahtlose Übertragung der Einwaagen</a:t>
-            </a:r>
-          </a:p>
-          <a:p>
-            <a:r>
-              <a:rPr lang="de-DE" dirty="0" smtClean="0"/>
-              <a:t>Automatische Erkennung eingewogener Lieferungen</a:t>
-            </a:r>
-          </a:p>
-          <a:p>
-            <a:endParaRPr lang="de-DE" dirty="0"/>
-          </a:p>
-        </p:txBody>
-      </p:sp>
-      <p:sp>
-        <p:nvSpPr>
-          <p:cNvPr id="4" name="Datumsplatzhalter 3"/>
-          <p:cNvSpPr>
-            <a:spLocks noGrp="1"/>
-          </p:cNvSpPr>
-          <p:nvPr>
-            <p:ph type="dt" sz="half" idx="10"/>
-          </p:nvPr>
-        </p:nvSpPr>
-        <p:spPr/>
-        <p:txBody>
-          <a:bodyPr/>
-          <a:lstStyle/>
-          <a:p>
-            <a:r>
-              <a:rPr lang="de-DE" smtClean="0"/>
-              <a:t>01.09.2017</a:t>
-            </a:r>
-            <a:endParaRPr lang="de-DE"/>
-          </a:p>
-        </p:txBody>
-      </p:sp>
-      <p:sp>
-        <p:nvSpPr>
-          <p:cNvPr id="5" name="Fußzeilenplatzhalter 4"/>
-          <p:cNvSpPr>
-            <a:spLocks noGrp="1"/>
-          </p:cNvSpPr>
-          <p:nvPr>
-            <p:ph type="ftr" sz="quarter" idx="11"/>
-          </p:nvPr>
-        </p:nvSpPr>
-        <p:spPr/>
-        <p:txBody>
-          <a:bodyPr/>
-          <a:lstStyle/>
-          <a:p>
-            <a:r>
-              <a:rPr lang="de-DE" smtClean="0"/>
-              <a:t>Martin Schneider, 6000513</a:t>
-            </a:r>
-            <a:endParaRPr lang="de-DE" dirty="0"/>
-          </a:p>
-        </p:txBody>
-      </p:sp>
-      <p:sp>
-        <p:nvSpPr>
-          <p:cNvPr id="6" name="Foliennummernplatzhalter 5"/>
-          <p:cNvSpPr>
-            <a:spLocks noGrp="1"/>
-          </p:cNvSpPr>
-          <p:nvPr>
-            <p:ph type="sldNum" sz="quarter" idx="12"/>
-          </p:nvPr>
-        </p:nvSpPr>
-        <p:spPr/>
-        <p:txBody>
-          <a:bodyPr/>
-          <a:lstStyle/>
-          <a:p>
-            <a:fld id="{166D15F3-9A1A-4AEC-BA89-32D146ECA64D}" type="slidenum">
-              <a:rPr lang="de-DE" smtClean="0"/>
-              <a:t>9</a:t>
-            </a:fld>
-            <a:endParaRPr lang="de-DE"/>
-          </a:p>
-        </p:txBody>
-      </p:sp>
-      <p:sp>
-        <p:nvSpPr>
-          <p:cNvPr id="2" name="Titel 1"/>
-          <p:cNvSpPr>
-            <a:spLocks noGrp="1"/>
-          </p:cNvSpPr>
-          <p:nvPr>
-            <p:ph type="title"/>
-          </p:nvPr>
-        </p:nvSpPr>
-        <p:spPr/>
-        <p:txBody>
-          <a:bodyPr/>
-          <a:lstStyle/>
-          <a:p>
-            <a:r>
-              <a:rPr lang="de-DE" dirty="0" smtClean="0"/>
-              <a:t>4 Ausblick</a:t>
-            </a:r>
-            <a:endParaRPr lang="de-DE" dirty="0"/>
-          </a:p>
-        </p:txBody>
-      </p:sp>
-    </p:spTree>
-    <p:extLst>
-      <p:ext uri="{BB962C8B-B14F-4D97-AF65-F5344CB8AC3E}">
-        <p14:creationId xmlns:p14="http://schemas.microsoft.com/office/powerpoint/2010/main" val="2822618823"/>
       </p:ext>
     </p:extLst>
   </p:cSld>
